--- a/docs/OTAService.pptx
+++ b/docs/OTAService.pptx
@@ -5,10 +5,10 @@
     <p:sldMasterId id="2147483660" r:id="rId1"/>
   </p:sldMasterIdLst>
   <p:notesMasterIdLst>
-    <p:notesMasterId r:id="rId19"/>
+    <p:notesMasterId r:id="rId21"/>
   </p:notesMasterIdLst>
   <p:handoutMasterIdLst>
-    <p:handoutMasterId r:id="rId20"/>
+    <p:handoutMasterId r:id="rId22"/>
   </p:handoutMasterIdLst>
   <p:sldIdLst>
     <p:sldId id="340" r:id="rId2"/>
@@ -20,14 +20,16 @@
     <p:sldId id="352" r:id="rId8"/>
     <p:sldId id="347" r:id="rId9"/>
     <p:sldId id="354" r:id="rId10"/>
-    <p:sldId id="355" r:id="rId11"/>
-    <p:sldId id="351" r:id="rId12"/>
-    <p:sldId id="350" r:id="rId13"/>
-    <p:sldId id="356" r:id="rId14"/>
-    <p:sldId id="310" r:id="rId15"/>
-    <p:sldId id="348" r:id="rId16"/>
-    <p:sldId id="265" r:id="rId17"/>
-    <p:sldId id="339" r:id="rId18"/>
+    <p:sldId id="359" r:id="rId11"/>
+    <p:sldId id="360" r:id="rId12"/>
+    <p:sldId id="355" r:id="rId13"/>
+    <p:sldId id="351" r:id="rId14"/>
+    <p:sldId id="350" r:id="rId15"/>
+    <p:sldId id="356" r:id="rId16"/>
+    <p:sldId id="310" r:id="rId17"/>
+    <p:sldId id="348" r:id="rId18"/>
+    <p:sldId id="265" r:id="rId19"/>
+    <p:sldId id="339" r:id="rId20"/>
   </p:sldIdLst>
   <p:sldSz cx="12195175" cy="6859588"/>
   <p:notesSz cx="6858000" cy="9144000"/>
@@ -603,7 +605,7 @@
             <a:fld id="{7D8C2C35-2B8A-446E-BEC0-FD36716C29AC}" type="slidenum">
               <a:rPr lang="de-DE" smtClean="0"/>
               <a:pPr/>
-              <a:t>10</a:t>
+              <a:t>12</a:t>
             </a:fld>
             <a:endParaRPr lang="de-DE" dirty="0"/>
           </a:p>
@@ -1896,7 +1898,7 @@
             <a:fld id="{7D8C2C35-2B8A-446E-BEC0-FD36716C29AC}" type="slidenum">
               <a:rPr lang="de-DE" smtClean="0"/>
               <a:pPr/>
-              <a:t>11</a:t>
+              <a:t>13</a:t>
             </a:fld>
             <a:endParaRPr lang="de-DE" dirty="0"/>
           </a:p>
@@ -3156,7 +3158,7 @@
             <a:fld id="{7D8C2C35-2B8A-446E-BEC0-FD36716C29AC}" type="slidenum">
               <a:rPr lang="de-DE" smtClean="0"/>
               <a:pPr/>
-              <a:t>12</a:t>
+              <a:t>14</a:t>
             </a:fld>
             <a:endParaRPr lang="de-DE" dirty="0"/>
           </a:p>
@@ -3248,7 +3250,7 @@
             <a:fld id="{7D8C2C35-2B8A-446E-BEC0-FD36716C29AC}" type="slidenum">
               <a:rPr lang="de-DE" smtClean="0"/>
               <a:pPr/>
-              <a:t>13</a:t>
+              <a:t>15</a:t>
             </a:fld>
             <a:endParaRPr lang="de-DE" dirty="0"/>
           </a:p>
@@ -3302,7 +3304,7 @@
             <a:fld id="{7D8C2C35-2B8A-446E-BEC0-FD36716C29AC}" type="slidenum">
               <a:rPr lang="de-DE" smtClean="0"/>
               <a:pPr/>
-              <a:t>14</a:t>
+              <a:t>16</a:t>
             </a:fld>
             <a:endParaRPr lang="de-DE" dirty="0"/>
           </a:p>
@@ -3389,7 +3391,7 @@
             <a:fld id="{7D8C2C35-2B8A-446E-BEC0-FD36716C29AC}" type="slidenum">
               <a:rPr lang="de-DE" smtClean="0"/>
               <a:pPr/>
-              <a:t>16</a:t>
+              <a:t>18</a:t>
             </a:fld>
             <a:endParaRPr lang="de-DE" dirty="0"/>
           </a:p>
@@ -3476,7 +3478,7 @@
             <a:fld id="{7D8C2C35-2B8A-446E-BEC0-FD36716C29AC}" type="slidenum">
               <a:rPr lang="de-DE" smtClean="0"/>
               <a:pPr/>
-              <a:t>17</a:t>
+              <a:t>19</a:t>
             </a:fld>
             <a:endParaRPr lang="de-DE" dirty="0"/>
           </a:p>
@@ -10314,6 +10316,523 @@
       </p:grpSpPr>
       <p:sp>
         <p:nvSpPr>
+          <p:cNvPr id="2" name="Title 1"/>
+          <p:cNvSpPr>
+            <a:spLocks noGrp="1"/>
+          </p:cNvSpPr>
+          <p:nvPr>
+            <p:ph type="title"/>
+          </p:nvPr>
+        </p:nvSpPr>
+        <p:spPr/>
+        <p:txBody>
+          <a:bodyPr/>
+          <a:lstStyle/>
+          <a:p>
+            <a:r>
+              <a:rPr lang="de-DE" dirty="0" smtClean="0"/>
+              <a:t>Features </a:t>
+            </a:r>
+            <a:r>
+              <a:rPr lang="de-DE" dirty="0" err="1" smtClean="0"/>
+              <a:t>of</a:t>
+            </a:r>
+            <a:r>
+              <a:rPr lang="de-DE" dirty="0" smtClean="0"/>
+              <a:t> </a:t>
+            </a:r>
+            <a:r>
+              <a:rPr lang="de-DE" dirty="0" err="1" smtClean="0"/>
+              <a:t>the</a:t>
+            </a:r>
+            <a:r>
+              <a:rPr lang="de-DE" dirty="0" smtClean="0"/>
+              <a:t> OTA Service</a:t>
+            </a:r>
+            <a:endParaRPr lang="en-US" dirty="0"/>
+          </a:p>
+        </p:txBody>
+      </p:sp>
+      <p:pic>
+        <p:nvPicPr>
+          <p:cNvPr id="1026" name="Picture 2" descr="D:\temp\Capture3.PNG"/>
+          <p:cNvPicPr>
+            <a:picLocks noChangeAspect="1" noChangeArrowheads="1"/>
+          </p:cNvPicPr>
+          <p:nvPr/>
+        </p:nvPicPr>
+        <p:blipFill>
+          <a:blip r:embed="rId2">
+            <a:extLst>
+              <a:ext uri="{28A0092B-C50C-407E-A947-70E740481C1C}">
+                <a14:useLocalDpi xmlns:a14="http://schemas.microsoft.com/office/drawing/2010/main" val="0"/>
+              </a:ext>
+            </a:extLst>
+          </a:blip>
+          <a:srcRect/>
+          <a:stretch>
+            <a:fillRect/>
+          </a:stretch>
+        </p:blipFill>
+        <p:spPr bwMode="auto">
+          <a:xfrm>
+            <a:off x="5665539" y="2823270"/>
+            <a:ext cx="5934075" cy="3486150"/>
+          </a:xfrm>
+          <a:prstGeom prst="rect">
+            <a:avLst/>
+          </a:prstGeom>
+          <a:noFill/>
+          <a:extLst>
+            <a:ext uri="{909E8E84-426E-40DD-AFC4-6F175D3DCCD1}">
+              <a14:hiddenFill xmlns:a14="http://schemas.microsoft.com/office/drawing/2010/main">
+                <a:solidFill>
+                  <a:srgbClr val="FFFFFF"/>
+                </a:solidFill>
+              </a14:hiddenFill>
+            </a:ext>
+          </a:extLst>
+        </p:spPr>
+      </p:pic>
+      <p:pic>
+        <p:nvPicPr>
+          <p:cNvPr id="1027" name="Picture 3" descr="D:\temp\Capture2#.PNG"/>
+          <p:cNvPicPr>
+            <a:picLocks noChangeAspect="1" noChangeArrowheads="1"/>
+          </p:cNvPicPr>
+          <p:nvPr/>
+        </p:nvPicPr>
+        <p:blipFill>
+          <a:blip r:embed="rId3">
+            <a:extLst>
+              <a:ext uri="{28A0092B-C50C-407E-A947-70E740481C1C}">
+                <a14:useLocalDpi xmlns:a14="http://schemas.microsoft.com/office/drawing/2010/main" val="0"/>
+              </a:ext>
+            </a:extLst>
+          </a:blip>
+          <a:srcRect/>
+          <a:stretch>
+            <a:fillRect/>
+          </a:stretch>
+        </p:blipFill>
+        <p:spPr bwMode="auto">
+          <a:xfrm>
+            <a:off x="491356" y="1413570"/>
+            <a:ext cx="5954712" cy="3152775"/>
+          </a:xfrm>
+          <a:prstGeom prst="rect">
+            <a:avLst/>
+          </a:prstGeom>
+          <a:noFill/>
+          <a:extLst>
+            <a:ext uri="{909E8E84-426E-40DD-AFC4-6F175D3DCCD1}">
+              <a14:hiddenFill xmlns:a14="http://schemas.microsoft.com/office/drawing/2010/main">
+                <a:solidFill>
+                  <a:srgbClr val="FFFFFF"/>
+                </a:solidFill>
+              </a14:hiddenFill>
+            </a:ext>
+          </a:extLst>
+        </p:spPr>
+      </p:pic>
+      <p:sp>
+        <p:nvSpPr>
+          <p:cNvPr id="5" name="TextBox 4"/>
+          <p:cNvSpPr txBox="1"/>
+          <p:nvPr/>
+        </p:nvSpPr>
+        <p:spPr>
+          <a:xfrm>
+            <a:off x="491356" y="4664963"/>
+            <a:ext cx="3372718" cy="276999"/>
+          </a:xfrm>
+          <a:prstGeom prst="rect">
+            <a:avLst/>
+          </a:prstGeom>
+          <a:noFill/>
+        </p:spPr>
+        <p:txBody>
+          <a:bodyPr wrap="none" lIns="0" tIns="0" rIns="0" bIns="0" rtlCol="0">
+            <a:spAutoFit/>
+          </a:bodyPr>
+          <a:lstStyle/>
+          <a:p>
+            <a:pPr fontAlgn="base">
+              <a:spcBef>
+                <a:spcPct val="50000"/>
+              </a:spcBef>
+              <a:spcAft>
+                <a:spcPct val="0"/>
+              </a:spcAft>
+              <a:buClr>
+                <a:srgbClr val="F0AB00"/>
+              </a:buClr>
+              <a:buSzPct val="80000"/>
+            </a:pPr>
+            <a:r>
+              <a:rPr lang="de-DE" sz="1800" b="1" kern="0" dirty="0" smtClean="0">
+                <a:ea typeface="Arial Unicode MS" pitchFamily="34" charset="-128"/>
+                <a:cs typeface="Arial Unicode MS" pitchFamily="34" charset="-128"/>
+              </a:rPr>
+              <a:t>OTA </a:t>
+            </a:r>
+            <a:r>
+              <a:rPr lang="de-DE" sz="1800" b="1" kern="0" dirty="0" err="1" smtClean="0">
+                <a:ea typeface="Arial Unicode MS" pitchFamily="34" charset="-128"/>
+                <a:cs typeface="Arial Unicode MS" pitchFamily="34" charset="-128"/>
+              </a:rPr>
+              <a:t>Install</a:t>
+            </a:r>
+            <a:r>
+              <a:rPr lang="de-DE" sz="1800" b="1" kern="0" dirty="0" smtClean="0">
+                <a:ea typeface="Arial Unicode MS" pitchFamily="34" charset="-128"/>
+                <a:cs typeface="Arial Unicode MS" pitchFamily="34" charset="-128"/>
+              </a:rPr>
+              <a:t> Page (</a:t>
+            </a:r>
+            <a:r>
+              <a:rPr lang="de-DE" sz="1800" b="1" kern="0" dirty="0" err="1" smtClean="0">
+                <a:ea typeface="Arial Unicode MS" pitchFamily="34" charset="-128"/>
+                <a:cs typeface="Arial Unicode MS" pitchFamily="34" charset="-128"/>
+              </a:rPr>
+              <a:t>iPhone</a:t>
+            </a:r>
+            <a:r>
+              <a:rPr lang="de-DE" sz="1800" b="1" kern="0" dirty="0" smtClean="0">
+                <a:ea typeface="Arial Unicode MS" pitchFamily="34" charset="-128"/>
+                <a:cs typeface="Arial Unicode MS" pitchFamily="34" charset="-128"/>
+              </a:rPr>
+              <a:t>/</a:t>
+            </a:r>
+            <a:r>
+              <a:rPr lang="de-DE" sz="1800" b="1" kern="0" dirty="0" err="1" smtClean="0">
+                <a:ea typeface="Arial Unicode MS" pitchFamily="34" charset="-128"/>
+                <a:cs typeface="Arial Unicode MS" pitchFamily="34" charset="-128"/>
+              </a:rPr>
+              <a:t>iPad</a:t>
+            </a:r>
+            <a:r>
+              <a:rPr lang="de-DE" sz="1800" b="1" kern="0" dirty="0" smtClean="0">
+                <a:ea typeface="Arial Unicode MS" pitchFamily="34" charset="-128"/>
+                <a:cs typeface="Arial Unicode MS" pitchFamily="34" charset="-128"/>
+              </a:rPr>
+              <a:t>)</a:t>
+            </a:r>
+            <a:endParaRPr lang="en-US" sz="1800" b="1" kern="0" dirty="0" err="1" smtClean="0">
+              <a:ea typeface="Arial Unicode MS" pitchFamily="34" charset="-128"/>
+              <a:cs typeface="Arial Unicode MS" pitchFamily="34" charset="-128"/>
+            </a:endParaRPr>
+          </a:p>
+        </p:txBody>
+      </p:sp>
+      <p:sp>
+        <p:nvSpPr>
+          <p:cNvPr id="8" name="TextBox 7"/>
+          <p:cNvSpPr txBox="1"/>
+          <p:nvPr/>
+        </p:nvSpPr>
+        <p:spPr>
+          <a:xfrm>
+            <a:off x="9322345" y="2421682"/>
+            <a:ext cx="2269852" cy="276999"/>
+          </a:xfrm>
+          <a:prstGeom prst="rect">
+            <a:avLst/>
+          </a:prstGeom>
+          <a:noFill/>
+        </p:spPr>
+        <p:txBody>
+          <a:bodyPr wrap="none" lIns="0" tIns="0" rIns="0" bIns="0" rtlCol="0">
+            <a:spAutoFit/>
+          </a:bodyPr>
+          <a:lstStyle/>
+          <a:p>
+            <a:pPr algn="r" fontAlgn="base">
+              <a:spcBef>
+                <a:spcPct val="50000"/>
+              </a:spcBef>
+              <a:spcAft>
+                <a:spcPct val="0"/>
+              </a:spcAft>
+              <a:buClr>
+                <a:srgbClr val="F0AB00"/>
+              </a:buClr>
+              <a:buSzPct val="80000"/>
+            </a:pPr>
+            <a:r>
+              <a:rPr lang="de-DE" sz="1800" b="1" kern="0" dirty="0" smtClean="0">
+                <a:ea typeface="Arial Unicode MS" pitchFamily="34" charset="-128"/>
+                <a:cs typeface="Arial Unicode MS" pitchFamily="34" charset="-128"/>
+              </a:rPr>
+              <a:t>OTA </a:t>
+            </a:r>
+            <a:r>
+              <a:rPr lang="de-DE" sz="1800" b="1" kern="0" dirty="0" err="1" smtClean="0">
+                <a:ea typeface="Arial Unicode MS" pitchFamily="34" charset="-128"/>
+                <a:cs typeface="Arial Unicode MS" pitchFamily="34" charset="-128"/>
+              </a:rPr>
+              <a:t>Install</a:t>
+            </a:r>
+            <a:r>
+              <a:rPr lang="de-DE" sz="1800" b="1" kern="0" dirty="0" smtClean="0">
+                <a:ea typeface="Arial Unicode MS" pitchFamily="34" charset="-128"/>
+                <a:cs typeface="Arial Unicode MS" pitchFamily="34" charset="-128"/>
+              </a:rPr>
+              <a:t> QR Code</a:t>
+            </a:r>
+            <a:endParaRPr lang="en-US" sz="1800" b="1" kern="0" dirty="0" err="1" smtClean="0">
+              <a:ea typeface="Arial Unicode MS" pitchFamily="34" charset="-128"/>
+              <a:cs typeface="Arial Unicode MS" pitchFamily="34" charset="-128"/>
+            </a:endParaRPr>
+          </a:p>
+        </p:txBody>
+      </p:sp>
+    </p:spTree>
+    <p:extLst>
+      <p:ext uri="{BB962C8B-B14F-4D97-AF65-F5344CB8AC3E}">
+        <p14:creationId xmlns:p14="http://schemas.microsoft.com/office/powerpoint/2010/main" val="1664843285"/>
+      </p:ext>
+    </p:extLst>
+  </p:cSld>
+  <p:clrMapOvr>
+    <a:masterClrMapping/>
+  </p:clrMapOvr>
+</p:sld>
+</file>
+
+<file path=ppt/slides/slide11.xml><?xml version="1.0" encoding="utf-8"?>
+<p:sld xmlns:a="http://schemas.openxmlformats.org/drawingml/2006/main" xmlns:r="http://schemas.openxmlformats.org/officeDocument/2006/relationships" xmlns:p="http://schemas.openxmlformats.org/presentationml/2006/main">
+  <p:cSld>
+    <p:spTree>
+      <p:nvGrpSpPr>
+        <p:cNvPr id="1" name=""/>
+        <p:cNvGrpSpPr/>
+        <p:nvPr/>
+      </p:nvGrpSpPr>
+      <p:grpSpPr>
+        <a:xfrm>
+          <a:off x="0" y="0"/>
+          <a:ext cx="0" cy="0"/>
+          <a:chOff x="0" y="0"/>
+          <a:chExt cx="0" cy="0"/>
+        </a:xfrm>
+      </p:grpSpPr>
+      <p:sp>
+        <p:nvSpPr>
+          <p:cNvPr id="2" name="Title 1"/>
+          <p:cNvSpPr>
+            <a:spLocks noGrp="1"/>
+          </p:cNvSpPr>
+          <p:nvPr>
+            <p:ph type="title"/>
+          </p:nvPr>
+        </p:nvSpPr>
+        <p:spPr/>
+        <p:txBody>
+          <a:bodyPr/>
+          <a:lstStyle/>
+          <a:p>
+            <a:r>
+              <a:rPr lang="de-DE" dirty="0" smtClean="0"/>
+              <a:t>Features </a:t>
+            </a:r>
+            <a:r>
+              <a:rPr lang="de-DE" dirty="0" err="1" smtClean="0"/>
+              <a:t>of</a:t>
+            </a:r>
+            <a:r>
+              <a:rPr lang="de-DE" dirty="0" smtClean="0"/>
+              <a:t> </a:t>
+            </a:r>
+            <a:r>
+              <a:rPr lang="de-DE" dirty="0" err="1" smtClean="0"/>
+              <a:t>the</a:t>
+            </a:r>
+            <a:r>
+              <a:rPr lang="de-DE" dirty="0" smtClean="0"/>
+              <a:t> OTA Service</a:t>
+            </a:r>
+            <a:endParaRPr lang="en-US" dirty="0"/>
+          </a:p>
+        </p:txBody>
+      </p:sp>
+      <p:sp>
+        <p:nvSpPr>
+          <p:cNvPr id="5" name="TextBox 4"/>
+          <p:cNvSpPr txBox="1"/>
+          <p:nvPr/>
+        </p:nvSpPr>
+        <p:spPr>
+          <a:xfrm>
+            <a:off x="2031231" y="1917626"/>
+            <a:ext cx="3821559" cy="276999"/>
+          </a:xfrm>
+          <a:prstGeom prst="rect">
+            <a:avLst/>
+          </a:prstGeom>
+          <a:noFill/>
+        </p:spPr>
+        <p:txBody>
+          <a:bodyPr wrap="none" lIns="0" tIns="0" rIns="0" bIns="0" rtlCol="0">
+            <a:spAutoFit/>
+          </a:bodyPr>
+          <a:lstStyle/>
+          <a:p>
+            <a:pPr fontAlgn="base">
+              <a:spcBef>
+                <a:spcPct val="50000"/>
+              </a:spcBef>
+              <a:spcAft>
+                <a:spcPct val="0"/>
+              </a:spcAft>
+              <a:buClr>
+                <a:srgbClr val="F0AB00"/>
+              </a:buClr>
+              <a:buSzPct val="80000"/>
+            </a:pPr>
+            <a:r>
+              <a:rPr lang="de-DE" sz="1800" b="1" kern="0" dirty="0">
+                <a:ea typeface="Arial Unicode MS" pitchFamily="34" charset="-128"/>
+                <a:cs typeface="Arial Unicode MS" pitchFamily="34" charset="-128"/>
+              </a:rPr>
+              <a:t>OTA </a:t>
+            </a:r>
+            <a:r>
+              <a:rPr lang="de-DE" sz="1800" b="1" kern="0" dirty="0" err="1">
+                <a:ea typeface="Arial Unicode MS" pitchFamily="34" charset="-128"/>
+                <a:cs typeface="Arial Unicode MS" pitchFamily="34" charset="-128"/>
+              </a:rPr>
+              <a:t>Install</a:t>
+            </a:r>
+            <a:r>
+              <a:rPr lang="de-DE" sz="1800" b="1" kern="0" dirty="0">
+                <a:ea typeface="Arial Unicode MS" pitchFamily="34" charset="-128"/>
+                <a:cs typeface="Arial Unicode MS" pitchFamily="34" charset="-128"/>
+              </a:rPr>
+              <a:t> Page </a:t>
+            </a:r>
+            <a:r>
+              <a:rPr lang="de-DE" sz="1800" b="1" kern="0" dirty="0" smtClean="0">
+                <a:ea typeface="Arial Unicode MS" pitchFamily="34" charset="-128"/>
+                <a:cs typeface="Arial Unicode MS" pitchFamily="34" charset="-128"/>
+              </a:rPr>
+              <a:t>(</a:t>
+            </a:r>
+            <a:r>
+              <a:rPr lang="de-DE" sz="1800" b="1" kern="0" dirty="0" err="1" smtClean="0">
+                <a:ea typeface="Arial Unicode MS" pitchFamily="34" charset="-128"/>
+                <a:cs typeface="Arial Unicode MS" pitchFamily="34" charset="-128"/>
+              </a:rPr>
+              <a:t>d</a:t>
+            </a:r>
+            <a:r>
+              <a:rPr lang="de-DE" sz="1800" b="1" kern="0" dirty="0" err="1" smtClean="0">
+                <a:ea typeface="Arial Unicode MS" pitchFamily="34" charset="-128"/>
+                <a:cs typeface="Arial Unicode MS" pitchFamily="34" charset="-128"/>
+              </a:rPr>
+              <a:t>esktop</a:t>
+            </a:r>
+            <a:r>
+              <a:rPr lang="de-DE" sz="1800" b="1" kern="0" dirty="0" smtClean="0">
+                <a:ea typeface="Arial Unicode MS" pitchFamily="34" charset="-128"/>
+                <a:cs typeface="Arial Unicode MS" pitchFamily="34" charset="-128"/>
+              </a:rPr>
+              <a:t> </a:t>
+            </a:r>
+            <a:r>
+              <a:rPr lang="de-DE" sz="1800" b="1" kern="0" dirty="0" err="1" smtClean="0">
+                <a:ea typeface="Arial Unicode MS" pitchFamily="34" charset="-128"/>
+                <a:cs typeface="Arial Unicode MS" pitchFamily="34" charset="-128"/>
+              </a:rPr>
+              <a:t>version</a:t>
+            </a:r>
+            <a:r>
+              <a:rPr lang="de-DE" sz="1800" b="1" kern="0" dirty="0" smtClean="0">
+                <a:ea typeface="Arial Unicode MS" pitchFamily="34" charset="-128"/>
+                <a:cs typeface="Arial Unicode MS" pitchFamily="34" charset="-128"/>
+              </a:rPr>
+              <a:t>)</a:t>
+            </a:r>
+            <a:endParaRPr lang="en-US" sz="1800" b="1" kern="0" dirty="0" err="1" smtClean="0">
+              <a:ea typeface="Arial Unicode MS" pitchFamily="34" charset="-128"/>
+              <a:cs typeface="Arial Unicode MS" pitchFamily="34" charset="-128"/>
+            </a:endParaRPr>
+          </a:p>
+        </p:txBody>
+      </p:sp>
+      <p:pic>
+        <p:nvPicPr>
+          <p:cNvPr id="2050" name="Picture 2" descr="D:\temp\Capture4.PNG"/>
+          <p:cNvPicPr>
+            <a:picLocks noChangeAspect="1" noChangeArrowheads="1"/>
+          </p:cNvPicPr>
+          <p:nvPr/>
+        </p:nvPicPr>
+        <p:blipFill>
+          <a:blip r:embed="rId2">
+            <a:extLst>
+              <a:ext uri="{28A0092B-C50C-407E-A947-70E740481C1C}">
+                <a14:useLocalDpi xmlns:a14="http://schemas.microsoft.com/office/drawing/2010/main" val="0"/>
+              </a:ext>
+            </a:extLst>
+          </a:blip>
+          <a:srcRect/>
+          <a:stretch>
+            <a:fillRect/>
+          </a:stretch>
+        </p:blipFill>
+        <p:spPr bwMode="auto">
+          <a:xfrm>
+            <a:off x="2031231" y="2314575"/>
+            <a:ext cx="8126412" cy="3067050"/>
+          </a:xfrm>
+          <a:prstGeom prst="rect">
+            <a:avLst/>
+          </a:prstGeom>
+          <a:noFill/>
+          <a:extLst>
+            <a:ext uri="{909E8E84-426E-40DD-AFC4-6F175D3DCCD1}">
+              <a14:hiddenFill xmlns:a14="http://schemas.microsoft.com/office/drawing/2010/main">
+                <a:solidFill>
+                  <a:srgbClr val="FFFFFF"/>
+                </a:solidFill>
+              </a14:hiddenFill>
+            </a:ext>
+          </a:extLst>
+        </p:spPr>
+      </p:pic>
+    </p:spTree>
+    <p:extLst>
+      <p:ext uri="{BB962C8B-B14F-4D97-AF65-F5344CB8AC3E}">
+        <p14:creationId xmlns:p14="http://schemas.microsoft.com/office/powerpoint/2010/main" val="3213101980"/>
+      </p:ext>
+    </p:extLst>
+  </p:cSld>
+  <p:clrMapOvr>
+    <a:masterClrMapping/>
+  </p:clrMapOvr>
+</p:sld>
+</file>
+
+<file path=ppt/slides/slide12.xml><?xml version="1.0" encoding="utf-8"?>
+<p:sld xmlns:a="http://schemas.openxmlformats.org/drawingml/2006/main" xmlns:r="http://schemas.openxmlformats.org/officeDocument/2006/relationships" xmlns:p="http://schemas.openxmlformats.org/presentationml/2006/main">
+  <p:cSld>
+    <p:spTree>
+      <p:nvGrpSpPr>
+        <p:cNvPr id="1" name=""/>
+        <p:cNvGrpSpPr/>
+        <p:nvPr/>
+      </p:nvGrpSpPr>
+      <p:grpSpPr>
+        <a:xfrm>
+          <a:off x="0" y="0"/>
+          <a:ext cx="0" cy="0"/>
+          <a:chOff x="0" y="0"/>
+          <a:chExt cx="0" cy="0"/>
+        </a:xfrm>
+      </p:grpSpPr>
+      <p:sp>
+        <p:nvSpPr>
           <p:cNvPr id="3" name="Title 2"/>
           <p:cNvSpPr>
             <a:spLocks noGrp="1"/>
@@ -10414,7 +10933,7 @@
 </p:sld>
 </file>
 
-<file path=ppt/slides/slide11.xml><?xml version="1.0" encoding="utf-8"?>
+<file path=ppt/slides/slide13.xml><?xml version="1.0" encoding="utf-8"?>
 <p:sld xmlns:a="http://schemas.openxmlformats.org/drawingml/2006/main" xmlns:r="http://schemas.openxmlformats.org/officeDocument/2006/relationships" xmlns:p="http://schemas.openxmlformats.org/presentationml/2006/main">
   <p:cSld>
     <p:spTree>
@@ -12989,7 +13508,7 @@
 </p:sld>
 </file>
 
-<file path=ppt/slides/slide12.xml><?xml version="1.0" encoding="utf-8"?>
+<file path=ppt/slides/slide14.xml><?xml version="1.0" encoding="utf-8"?>
 <p:sld xmlns:a="http://schemas.openxmlformats.org/drawingml/2006/main" xmlns:r="http://schemas.openxmlformats.org/officeDocument/2006/relationships" xmlns:p="http://schemas.openxmlformats.org/presentationml/2006/main">
   <p:cSld>
     <p:spTree>
@@ -15721,7 +16240,7 @@
 </p:sld>
 </file>
 
-<file path=ppt/slides/slide13.xml><?xml version="1.0" encoding="utf-8"?>
+<file path=ppt/slides/slide15.xml><?xml version="1.0" encoding="utf-8"?>
 <p:sld xmlns:a="http://schemas.openxmlformats.org/drawingml/2006/main" xmlns:r="http://schemas.openxmlformats.org/officeDocument/2006/relationships" xmlns:p="http://schemas.openxmlformats.org/presentationml/2006/main">
   <p:cSld>
     <p:spTree>
@@ -17293,7 +17812,7 @@
 </p:sld>
 </file>
 
-<file path=ppt/slides/slide14.xml><?xml version="1.0" encoding="utf-8"?>
+<file path=ppt/slides/slide16.xml><?xml version="1.0" encoding="utf-8"?>
 <p:sld xmlns:a="http://schemas.openxmlformats.org/drawingml/2006/main" xmlns:r="http://schemas.openxmlformats.org/officeDocument/2006/relationships" xmlns:p="http://schemas.openxmlformats.org/presentationml/2006/main">
   <p:cSld>
     <p:spTree>
@@ -17410,7 +17929,7 @@
 </p:sld>
 </file>
 
-<file path=ppt/slides/slide15.xml><?xml version="1.0" encoding="utf-8"?>
+<file path=ppt/slides/slide17.xml><?xml version="1.0" encoding="utf-8"?>
 <p:sld xmlns:a="http://schemas.openxmlformats.org/drawingml/2006/main" xmlns:r="http://schemas.openxmlformats.org/officeDocument/2006/relationships" xmlns:p="http://schemas.openxmlformats.org/presentationml/2006/main" show="0">
   <p:cSld>
     <p:spTree>
@@ -18263,7 +18782,7 @@
 </p:sld>
 </file>
 
-<file path=ppt/slides/slide16.xml><?xml version="1.0" encoding="utf-8"?>
+<file path=ppt/slides/slide18.xml><?xml version="1.0" encoding="utf-8"?>
 <p:sld xmlns:a="http://schemas.openxmlformats.org/drawingml/2006/main" xmlns:r="http://schemas.openxmlformats.org/officeDocument/2006/relationships" xmlns:p="http://schemas.openxmlformats.org/presentationml/2006/main" show="0">
   <p:cSld>
     <p:spTree>
@@ -18296,7 +18815,7 @@
 </p:sld>
 </file>
 
-<file path=ppt/slides/slide17.xml><?xml version="1.0" encoding="utf-8"?>
+<file path=ppt/slides/slide19.xml><?xml version="1.0" encoding="utf-8"?>
 <p:sld xmlns:a="http://schemas.openxmlformats.org/drawingml/2006/main" xmlns:r="http://schemas.openxmlformats.org/officeDocument/2006/relationships" xmlns:p="http://schemas.openxmlformats.org/presentationml/2006/main" show="0">
   <p:cSld>
     <p:spTree>
@@ -18490,7 +19009,6 @@
               <a:rPr lang="en-US" b="1" dirty="0" smtClean="0"/>
               <a:t>Overview</a:t>
             </a:r>
-            <a:endParaRPr lang="en-US" b="1" dirty="0" smtClean="0"/>
           </a:p>
           <a:p>
             <a:pPr lvl="1"/>
@@ -18626,11 +19144,7 @@
             <a:pPr lvl="1"/>
             <a:r>
               <a:rPr lang="en-US" b="1" dirty="0" smtClean="0"/>
-              <a:t>How </a:t>
-            </a:r>
-            <a:r>
-              <a:rPr lang="en-US" b="1" dirty="0" smtClean="0"/>
-              <a:t>the OTA </a:t>
+              <a:t>How the OTA </a:t>
             </a:r>
             <a:r>
               <a:rPr lang="en-US" b="1" dirty="0"/>
@@ -18862,8 +19376,76 @@
             </a:r>
             <a:r>
               <a:rPr lang="de-DE" b="1" dirty="0" smtClean="0"/>
-              <a:t> Enterprise Account</a:t>
-            </a:r>
+              <a:t> Enterprise </a:t>
+            </a:r>
+            <a:r>
+              <a:rPr lang="de-DE" b="1" dirty="0"/>
+              <a:t>Account</a:t>
+            </a:r>
+            <a:br>
+              <a:rPr lang="de-DE" b="1" dirty="0"/>
+            </a:br>
+            <a:r>
+              <a:rPr lang="de-DE" b="1" dirty="0" err="1"/>
+              <a:t>or</a:t>
+            </a:r>
+            <a:r>
+              <a:rPr lang="de-DE" b="1" dirty="0"/>
+              <a:t> a </a:t>
+            </a:r>
+            <a:r>
+              <a:rPr lang="de-DE" b="1" dirty="0" err="1"/>
+              <a:t>development</a:t>
+            </a:r>
+            <a:r>
+              <a:rPr lang="de-DE" b="1" dirty="0"/>
+              <a:t> </a:t>
+            </a:r>
+            <a:r>
+              <a:rPr lang="de-DE" b="1" dirty="0" err="1"/>
+              <a:t>team</a:t>
+            </a:r>
+            <a:r>
+              <a:rPr lang="de-DE" b="1" dirty="0"/>
+              <a:t> </a:t>
+            </a:r>
+            <a:r>
+              <a:rPr lang="de-DE" b="1" dirty="0" err="1"/>
+              <a:t>having</a:t>
+            </a:r>
+            <a:r>
+              <a:rPr lang="de-DE" b="1" dirty="0"/>
+              <a:t> a </a:t>
+            </a:r>
+            <a:r>
+              <a:rPr lang="de-DE" b="1" dirty="0" err="1"/>
+              <a:t>continuous</a:t>
+            </a:r>
+            <a:r>
+              <a:rPr lang="de-DE" b="1" dirty="0"/>
+              <a:t> </a:t>
+            </a:r>
+            <a:r>
+              <a:rPr lang="de-DE" b="1" dirty="0" err="1"/>
+              <a:t>integration</a:t>
+            </a:r>
+            <a:r>
+              <a:rPr lang="de-DE" b="1" dirty="0"/>
+              <a:t> </a:t>
+            </a:r>
+            <a:r>
+              <a:rPr lang="de-DE" b="1" dirty="0" err="1"/>
+              <a:t>build</a:t>
+            </a:r>
+            <a:r>
+              <a:rPr lang="de-DE" b="1" dirty="0"/>
+              <a:t> </a:t>
+            </a:r>
+            <a:r>
+              <a:rPr lang="de-DE" b="1" dirty="0" err="1"/>
+              <a:t>server</a:t>
+            </a:r>
+            <a:endParaRPr lang="de-DE" b="1" dirty="0"/>
           </a:p>
           <a:p>
             <a:pPr marL="342900" indent="-342900">
@@ -19395,11 +19977,7 @@
             </a:r>
             <a:r>
               <a:rPr lang="de-DE" dirty="0" smtClean="0"/>
-              <a:t> </a:t>
-            </a:r>
-            <a:r>
-              <a:rPr lang="de-DE" dirty="0" smtClean="0"/>
-              <a:t>An App On A Device</a:t>
+              <a:t> An App On A Device</a:t>
             </a:r>
             <a:endParaRPr lang="de-DE" dirty="0"/>
           </a:p>
@@ -19711,7 +20289,7 @@
             </a:pPr>
             <a:r>
               <a:rPr lang="de-DE" dirty="0" smtClean="0"/>
-              <a:t>1 </a:t>
+              <a:t>0-1 </a:t>
             </a:r>
             <a:r>
               <a:rPr lang="de-DE" dirty="0" err="1" smtClean="0"/>

--- a/docs/OTAService.pptx
+++ b/docs/OTAService.pptx
@@ -24,8 +24,8 @@
     <p:sldId id="360" r:id="rId12"/>
     <p:sldId id="355" r:id="rId13"/>
     <p:sldId id="351" r:id="rId14"/>
-    <p:sldId id="350" r:id="rId15"/>
-    <p:sldId id="356" r:id="rId16"/>
+    <p:sldId id="361" r:id="rId15"/>
+    <p:sldId id="362" r:id="rId16"/>
     <p:sldId id="310" r:id="rId17"/>
     <p:sldId id="348" r:id="rId18"/>
     <p:sldId id="265" r:id="rId19"/>
@@ -3137,6 +3137,7 @@
               <a:rPr lang="de-DE" baseline="0" dirty="0" smtClean="0"/>
               <a:t>.</a:t>
             </a:r>
+            <a:endParaRPr lang="de-DE" baseline="0" dirty="0" smtClean="0"/>
           </a:p>
         </p:txBody>
       </p:sp>
@@ -10277,7 +10278,7 @@
           <a:p>
             <a:r>
               <a:rPr lang="en-US" dirty="0" smtClean="0"/>
-              <a:t>June 25, 2013</a:t>
+              <a:t>July 19, 2013</a:t>
             </a:r>
           </a:p>
         </p:txBody>
@@ -10444,7 +10445,7 @@
         <p:spPr>
           <a:xfrm>
             <a:off x="491356" y="4664963"/>
-            <a:ext cx="3372718" cy="276999"/>
+            <a:ext cx="4068421" cy="815608"/>
           </a:xfrm>
           <a:prstGeom prst="rect">
             <a:avLst/>
@@ -10518,7 +10519,174 @@
               </a:rPr>
               <a:t>)</a:t>
             </a:r>
-            <a:endParaRPr lang="en-US" sz="1800" b="1" kern="0" dirty="0" err="1" smtClean="0">
+          </a:p>
+          <a:p>
+            <a:pPr fontAlgn="base">
+              <a:spcBef>
+                <a:spcPct val="50000"/>
+              </a:spcBef>
+              <a:spcAft>
+                <a:spcPct val="0"/>
+              </a:spcAft>
+              <a:buClr>
+                <a:srgbClr val="F0AB00"/>
+              </a:buClr>
+              <a:buSzPct val="80000"/>
+            </a:pPr>
+            <a:r>
+              <a:rPr lang="de-DE" sz="1400" kern="0" dirty="0" smtClean="0">
+                <a:ea typeface="Arial Unicode MS" pitchFamily="34" charset="-128"/>
+                <a:cs typeface="Arial Unicode MS" pitchFamily="34" charset="-128"/>
+              </a:rPr>
+              <a:t>This </a:t>
+            </a:r>
+            <a:r>
+              <a:rPr lang="de-DE" sz="1400" kern="0" dirty="0" err="1" smtClean="0">
+                <a:ea typeface="Arial Unicode MS" pitchFamily="34" charset="-128"/>
+                <a:cs typeface="Arial Unicode MS" pitchFamily="34" charset="-128"/>
+              </a:rPr>
+              <a:t>is</a:t>
+            </a:r>
+            <a:r>
+              <a:rPr lang="de-DE" sz="1400" kern="0" dirty="0" smtClean="0">
+                <a:ea typeface="Arial Unicode MS" pitchFamily="34" charset="-128"/>
+                <a:cs typeface="Arial Unicode MS" pitchFamily="34" charset="-128"/>
+              </a:rPr>
+              <a:t> an </a:t>
+            </a:r>
+            <a:r>
+              <a:rPr lang="de-DE" sz="1400" kern="0" dirty="0" err="1" smtClean="0">
+                <a:ea typeface="Arial Unicode MS" pitchFamily="34" charset="-128"/>
+                <a:cs typeface="Arial Unicode MS" pitchFamily="34" charset="-128"/>
+              </a:rPr>
+              <a:t>example</a:t>
+            </a:r>
+            <a:r>
+              <a:rPr lang="de-DE" sz="1400" kern="0" dirty="0" smtClean="0">
+                <a:ea typeface="Arial Unicode MS" pitchFamily="34" charset="-128"/>
+                <a:cs typeface="Arial Unicode MS" pitchFamily="34" charset="-128"/>
+              </a:rPr>
+              <a:t> </a:t>
+            </a:r>
+            <a:r>
+              <a:rPr lang="de-DE" sz="1400" kern="0" dirty="0" err="1" smtClean="0">
+                <a:ea typeface="Arial Unicode MS" pitchFamily="34" charset="-128"/>
+                <a:cs typeface="Arial Unicode MS" pitchFamily="34" charset="-128"/>
+              </a:rPr>
+              <a:t>of</a:t>
+            </a:r>
+            <a:r>
+              <a:rPr lang="de-DE" sz="1400" kern="0" dirty="0" smtClean="0">
+                <a:ea typeface="Arial Unicode MS" pitchFamily="34" charset="-128"/>
+                <a:cs typeface="Arial Unicode MS" pitchFamily="34" charset="-128"/>
+              </a:rPr>
+              <a:t> </a:t>
+            </a:r>
+            <a:r>
+              <a:rPr lang="de-DE" sz="1400" kern="0" dirty="0" err="1" smtClean="0">
+                <a:ea typeface="Arial Unicode MS" pitchFamily="34" charset="-128"/>
+                <a:cs typeface="Arial Unicode MS" pitchFamily="34" charset="-128"/>
+              </a:rPr>
+              <a:t>the</a:t>
+            </a:r>
+            <a:r>
+              <a:rPr lang="de-DE" sz="1400" kern="0" dirty="0" smtClean="0">
+                <a:ea typeface="Arial Unicode MS" pitchFamily="34" charset="-128"/>
+                <a:cs typeface="Arial Unicode MS" pitchFamily="34" charset="-128"/>
+              </a:rPr>
+              <a:t> </a:t>
+            </a:r>
+            <a:r>
+              <a:rPr lang="de-DE" sz="1400" kern="0" dirty="0" err="1" smtClean="0">
+                <a:ea typeface="Arial Unicode MS" pitchFamily="34" charset="-128"/>
+                <a:cs typeface="Arial Unicode MS" pitchFamily="34" charset="-128"/>
+              </a:rPr>
+              <a:t>default</a:t>
+            </a:r>
+            <a:r>
+              <a:rPr lang="de-DE" sz="1400" kern="0" dirty="0" smtClean="0">
+                <a:ea typeface="Arial Unicode MS" pitchFamily="34" charset="-128"/>
+                <a:cs typeface="Arial Unicode MS" pitchFamily="34" charset="-128"/>
+              </a:rPr>
+              <a:t> </a:t>
+            </a:r>
+            <a:r>
+              <a:rPr lang="de-DE" sz="1400" kern="0" dirty="0" err="1" smtClean="0">
+                <a:ea typeface="Arial Unicode MS" pitchFamily="34" charset="-128"/>
+                <a:cs typeface="Arial Unicode MS" pitchFamily="34" charset="-128"/>
+              </a:rPr>
+              <a:t>install</a:t>
+            </a:r>
+            <a:r>
+              <a:rPr lang="de-DE" sz="1400" kern="0" dirty="0" smtClean="0">
+                <a:ea typeface="Arial Unicode MS" pitchFamily="34" charset="-128"/>
+                <a:cs typeface="Arial Unicode MS" pitchFamily="34" charset="-128"/>
+              </a:rPr>
+              <a:t> HTML </a:t>
+            </a:r>
+            <a:r>
+              <a:rPr lang="de-DE" sz="1400" kern="0" dirty="0" err="1" smtClean="0">
+                <a:ea typeface="Arial Unicode MS" pitchFamily="34" charset="-128"/>
+                <a:cs typeface="Arial Unicode MS" pitchFamily="34" charset="-128"/>
+              </a:rPr>
+              <a:t>page</a:t>
+            </a:r>
+            <a:r>
+              <a:rPr lang="de-DE" sz="1400" kern="0" dirty="0">
+                <a:ea typeface="Arial Unicode MS" pitchFamily="34" charset="-128"/>
+                <a:cs typeface="Arial Unicode MS" pitchFamily="34" charset="-128"/>
+              </a:rPr>
+              <a:t/>
+            </a:r>
+            <a:br>
+              <a:rPr lang="de-DE" sz="1400" kern="0" dirty="0">
+                <a:ea typeface="Arial Unicode MS" pitchFamily="34" charset="-128"/>
+                <a:cs typeface="Arial Unicode MS" pitchFamily="34" charset="-128"/>
+              </a:rPr>
+            </a:br>
+            <a:r>
+              <a:rPr lang="de-DE" sz="1400" kern="0" dirty="0" err="1" smtClean="0">
+                <a:ea typeface="Arial Unicode MS" pitchFamily="34" charset="-128"/>
+                <a:cs typeface="Arial Unicode MS" pitchFamily="34" charset="-128"/>
+              </a:rPr>
+              <a:t>generated</a:t>
+            </a:r>
+            <a:r>
+              <a:rPr lang="de-DE" sz="1400" kern="0" dirty="0" smtClean="0">
+                <a:ea typeface="Arial Unicode MS" pitchFamily="34" charset="-128"/>
+                <a:cs typeface="Arial Unicode MS" pitchFamily="34" charset="-128"/>
+              </a:rPr>
+              <a:t> </a:t>
+            </a:r>
+            <a:r>
+              <a:rPr lang="de-DE" sz="1400" kern="0" dirty="0" err="1" smtClean="0">
+                <a:ea typeface="Arial Unicode MS" pitchFamily="34" charset="-128"/>
+                <a:cs typeface="Arial Unicode MS" pitchFamily="34" charset="-128"/>
+              </a:rPr>
+              <a:t>by</a:t>
+            </a:r>
+            <a:r>
+              <a:rPr lang="de-DE" sz="1400" kern="0" dirty="0" smtClean="0">
+                <a:ea typeface="Arial Unicode MS" pitchFamily="34" charset="-128"/>
+                <a:cs typeface="Arial Unicode MS" pitchFamily="34" charset="-128"/>
+              </a:rPr>
+              <a:t> </a:t>
+            </a:r>
+            <a:r>
+              <a:rPr lang="de-DE" sz="1400" kern="0" dirty="0" err="1" smtClean="0">
+                <a:ea typeface="Arial Unicode MS" pitchFamily="34" charset="-128"/>
+                <a:cs typeface="Arial Unicode MS" pitchFamily="34" charset="-128"/>
+              </a:rPr>
+              <a:t>the</a:t>
+            </a:r>
+            <a:r>
+              <a:rPr lang="de-DE" sz="1400" kern="0" dirty="0" smtClean="0">
+                <a:ea typeface="Arial Unicode MS" pitchFamily="34" charset="-128"/>
+                <a:cs typeface="Arial Unicode MS" pitchFamily="34" charset="-128"/>
+              </a:rPr>
+              <a:t> OTA Service.</a:t>
+            </a:r>
+            <a:endParaRPr lang="en-US" sz="1400" kern="0" dirty="0" err="1" smtClean="0">
               <a:ea typeface="Arial Unicode MS" pitchFamily="34" charset="-128"/>
               <a:cs typeface="Arial Unicode MS" pitchFamily="34" charset="-128"/>
             </a:endParaRPr>
@@ -10533,8 +10701,8 @@
         </p:nvSpPr>
         <p:spPr>
           <a:xfrm>
-            <a:off x="9322345" y="2421682"/>
-            <a:ext cx="2269852" cy="276999"/>
+            <a:off x="6842875" y="1845618"/>
+            <a:ext cx="4727320" cy="846386"/>
           </a:xfrm>
           <a:prstGeom prst="rect">
             <a:avLst/>
@@ -10560,6 +10728,226 @@
               <a:buSzPct val="80000"/>
             </a:pPr>
             <a:r>
+              <a:rPr lang="de-DE" sz="1400" kern="0" dirty="0" smtClean="0">
+                <a:ea typeface="Arial Unicode MS" pitchFamily="34" charset="-128"/>
+                <a:cs typeface="Arial Unicode MS" pitchFamily="34" charset="-128"/>
+              </a:rPr>
+              <a:t>OTA Service also </a:t>
+            </a:r>
+            <a:r>
+              <a:rPr lang="de-DE" sz="1400" kern="0" dirty="0" err="1" smtClean="0">
+                <a:ea typeface="Arial Unicode MS" pitchFamily="34" charset="-128"/>
+                <a:cs typeface="Arial Unicode MS" pitchFamily="34" charset="-128"/>
+              </a:rPr>
+              <a:t>generates</a:t>
+            </a:r>
+            <a:r>
+              <a:rPr lang="de-DE" sz="1400" kern="0" dirty="0" smtClean="0">
+                <a:ea typeface="Arial Unicode MS" pitchFamily="34" charset="-128"/>
+                <a:cs typeface="Arial Unicode MS" pitchFamily="34" charset="-128"/>
+              </a:rPr>
+              <a:t> </a:t>
+            </a:r>
+            <a:r>
+              <a:rPr lang="de-DE" sz="1400" kern="0" dirty="0" err="1" smtClean="0">
+                <a:ea typeface="Arial Unicode MS" pitchFamily="34" charset="-128"/>
+                <a:cs typeface="Arial Unicode MS" pitchFamily="34" charset="-128"/>
+              </a:rPr>
+              <a:t>QRCodes</a:t>
+            </a:r>
+            <a:r>
+              <a:rPr lang="de-DE" sz="1400" kern="0" dirty="0" smtClean="0">
+                <a:ea typeface="Arial Unicode MS" pitchFamily="34" charset="-128"/>
+                <a:cs typeface="Arial Unicode MS" pitchFamily="34" charset="-128"/>
+              </a:rPr>
+              <a:t> </a:t>
+            </a:r>
+            <a:r>
+              <a:rPr lang="de-DE" sz="1400" kern="0" dirty="0" err="1" smtClean="0">
+                <a:ea typeface="Arial Unicode MS" pitchFamily="34" charset="-128"/>
+                <a:cs typeface="Arial Unicode MS" pitchFamily="34" charset="-128"/>
+              </a:rPr>
+              <a:t>to</a:t>
+            </a:r>
+            <a:r>
+              <a:rPr lang="de-DE" sz="1400" kern="0" dirty="0" smtClean="0">
+                <a:ea typeface="Arial Unicode MS" pitchFamily="34" charset="-128"/>
+                <a:cs typeface="Arial Unicode MS" pitchFamily="34" charset="-128"/>
+              </a:rPr>
+              <a:t> </a:t>
+            </a:r>
+            <a:r>
+              <a:rPr lang="de-DE" sz="1400" kern="0" dirty="0" err="1" smtClean="0">
+                <a:ea typeface="Arial Unicode MS" pitchFamily="34" charset="-128"/>
+                <a:cs typeface="Arial Unicode MS" pitchFamily="34" charset="-128"/>
+              </a:rPr>
+              <a:t>scan</a:t>
+            </a:r>
+            <a:r>
+              <a:rPr lang="de-DE" sz="1400" kern="0" dirty="0" smtClean="0">
+                <a:ea typeface="Arial Unicode MS" pitchFamily="34" charset="-128"/>
+                <a:cs typeface="Arial Unicode MS" pitchFamily="34" charset="-128"/>
+              </a:rPr>
+              <a:t> </a:t>
+            </a:r>
+            <a:r>
+              <a:rPr lang="de-DE" sz="1400" kern="0" dirty="0" err="1" smtClean="0">
+                <a:ea typeface="Arial Unicode MS" pitchFamily="34" charset="-128"/>
+                <a:cs typeface="Arial Unicode MS" pitchFamily="34" charset="-128"/>
+              </a:rPr>
+              <a:t>from</a:t>
+            </a:r>
+            <a:r>
+              <a:rPr lang="de-DE" sz="1400" kern="0" dirty="0" smtClean="0">
+                <a:ea typeface="Arial Unicode MS" pitchFamily="34" charset="-128"/>
+                <a:cs typeface="Arial Unicode MS" pitchFamily="34" charset="-128"/>
+              </a:rPr>
+              <a:t> </a:t>
+            </a:r>
+            <a:r>
+              <a:rPr lang="de-DE" sz="1400" kern="0" dirty="0" err="1" smtClean="0">
+                <a:ea typeface="Arial Unicode MS" pitchFamily="34" charset="-128"/>
+                <a:cs typeface="Arial Unicode MS" pitchFamily="34" charset="-128"/>
+              </a:rPr>
+              <a:t>device</a:t>
+            </a:r>
+            <a:r>
+              <a:rPr lang="de-DE" sz="1400" kern="0" dirty="0" smtClean="0">
+                <a:ea typeface="Arial Unicode MS" pitchFamily="34" charset="-128"/>
+                <a:cs typeface="Arial Unicode MS" pitchFamily="34" charset="-128"/>
+              </a:rPr>
+              <a:t>.</a:t>
+            </a:r>
+            <a:br>
+              <a:rPr lang="de-DE" sz="1400" kern="0" dirty="0" smtClean="0">
+                <a:ea typeface="Arial Unicode MS" pitchFamily="34" charset="-128"/>
+                <a:cs typeface="Arial Unicode MS" pitchFamily="34" charset="-128"/>
+              </a:rPr>
+            </a:br>
+            <a:r>
+              <a:rPr lang="de-DE" sz="1400" kern="0" dirty="0" err="1" smtClean="0">
+                <a:ea typeface="Arial Unicode MS" pitchFamily="34" charset="-128"/>
+                <a:cs typeface="Arial Unicode MS" pitchFamily="34" charset="-128"/>
+              </a:rPr>
+              <a:t>Enables</a:t>
+            </a:r>
+            <a:r>
+              <a:rPr lang="de-DE" sz="1400" kern="0" dirty="0" smtClean="0">
+                <a:ea typeface="Arial Unicode MS" pitchFamily="34" charset="-128"/>
+                <a:cs typeface="Arial Unicode MS" pitchFamily="34" charset="-128"/>
+              </a:rPr>
+              <a:t>: </a:t>
+            </a:r>
+            <a:r>
+              <a:rPr lang="de-DE" sz="1400" kern="0" dirty="0" err="1" smtClean="0">
+                <a:ea typeface="Arial Unicode MS" pitchFamily="34" charset="-128"/>
+                <a:cs typeface="Arial Unicode MS" pitchFamily="34" charset="-128"/>
+              </a:rPr>
+              <a:t>direct</a:t>
+            </a:r>
+            <a:r>
+              <a:rPr lang="de-DE" sz="1400" kern="0" dirty="0" smtClean="0">
+                <a:ea typeface="Arial Unicode MS" pitchFamily="34" charset="-128"/>
+                <a:cs typeface="Arial Unicode MS" pitchFamily="34" charset="-128"/>
+              </a:rPr>
+              <a:t> </a:t>
+            </a:r>
+            <a:r>
+              <a:rPr lang="de-DE" sz="1400" kern="0" dirty="0" err="1" smtClean="0">
+                <a:ea typeface="Arial Unicode MS" pitchFamily="34" charset="-128"/>
+                <a:cs typeface="Arial Unicode MS" pitchFamily="34" charset="-128"/>
+              </a:rPr>
+              <a:t>installation</a:t>
+            </a:r>
+            <a:r>
+              <a:rPr lang="de-DE" sz="1400" kern="0" dirty="0" smtClean="0">
+                <a:ea typeface="Arial Unicode MS" pitchFamily="34" charset="-128"/>
+                <a:cs typeface="Arial Unicode MS" pitchFamily="34" charset="-128"/>
+              </a:rPr>
+              <a:t> + </a:t>
+            </a:r>
+            <a:r>
+              <a:rPr lang="de-DE" sz="1400" kern="0" dirty="0" err="1" smtClean="0">
+                <a:ea typeface="Arial Unicode MS" pitchFamily="34" charset="-128"/>
+                <a:cs typeface="Arial Unicode MS" pitchFamily="34" charset="-128"/>
+              </a:rPr>
+              <a:t>direct</a:t>
+            </a:r>
+            <a:r>
+              <a:rPr lang="de-DE" sz="1400" kern="0" dirty="0" smtClean="0">
+                <a:ea typeface="Arial Unicode MS" pitchFamily="34" charset="-128"/>
+                <a:cs typeface="Arial Unicode MS" pitchFamily="34" charset="-128"/>
+              </a:rPr>
+              <a:t> </a:t>
+            </a:r>
+            <a:r>
+              <a:rPr lang="de-DE" sz="1400" kern="0" dirty="0" err="1" smtClean="0">
+                <a:ea typeface="Arial Unicode MS" pitchFamily="34" charset="-128"/>
+                <a:cs typeface="Arial Unicode MS" pitchFamily="34" charset="-128"/>
+              </a:rPr>
+              <a:t>access</a:t>
+            </a:r>
+            <a:r>
+              <a:rPr lang="de-DE" sz="1400" kern="0" dirty="0" smtClean="0">
+                <a:ea typeface="Arial Unicode MS" pitchFamily="34" charset="-128"/>
+                <a:cs typeface="Arial Unicode MS" pitchFamily="34" charset="-128"/>
+              </a:rPr>
+              <a:t> </a:t>
+            </a:r>
+            <a:r>
+              <a:rPr lang="de-DE" sz="1400" kern="0" dirty="0" err="1" smtClean="0">
+                <a:ea typeface="Arial Unicode MS" pitchFamily="34" charset="-128"/>
+                <a:cs typeface="Arial Unicode MS" pitchFamily="34" charset="-128"/>
+              </a:rPr>
+              <a:t>to</a:t>
+            </a:r>
+            <a:r>
+              <a:rPr lang="de-DE" sz="1400" kern="0" dirty="0" smtClean="0">
+                <a:ea typeface="Arial Unicode MS" pitchFamily="34" charset="-128"/>
+                <a:cs typeface="Arial Unicode MS" pitchFamily="34" charset="-128"/>
+              </a:rPr>
+              <a:t> </a:t>
+            </a:r>
+            <a:r>
+              <a:rPr lang="de-DE" sz="1400" kern="0" dirty="0" err="1" smtClean="0">
+                <a:ea typeface="Arial Unicode MS" pitchFamily="34" charset="-128"/>
+                <a:cs typeface="Arial Unicode MS" pitchFamily="34" charset="-128"/>
+              </a:rPr>
+              <a:t>install</a:t>
+            </a:r>
+            <a:r>
+              <a:rPr lang="de-DE" sz="1400" kern="0" dirty="0" smtClean="0">
+                <a:ea typeface="Arial Unicode MS" pitchFamily="34" charset="-128"/>
+                <a:cs typeface="Arial Unicode MS" pitchFamily="34" charset="-128"/>
+              </a:rPr>
+              <a:t> </a:t>
+            </a:r>
+            <a:r>
+              <a:rPr lang="de-DE" sz="1400" kern="0" dirty="0" err="1" smtClean="0">
+                <a:ea typeface="Arial Unicode MS" pitchFamily="34" charset="-128"/>
+                <a:cs typeface="Arial Unicode MS" pitchFamily="34" charset="-128"/>
+              </a:rPr>
+              <a:t>page</a:t>
+            </a:r>
+            <a:endParaRPr lang="en-US" sz="1400" kern="0" dirty="0">
+              <a:ea typeface="Arial Unicode MS" pitchFamily="34" charset="-128"/>
+              <a:cs typeface="Arial Unicode MS" pitchFamily="34" charset="-128"/>
+            </a:endParaRPr>
+          </a:p>
+          <a:p>
+            <a:pPr algn="r" fontAlgn="base">
+              <a:spcBef>
+                <a:spcPct val="50000"/>
+              </a:spcBef>
+              <a:spcAft>
+                <a:spcPct val="0"/>
+              </a:spcAft>
+              <a:buClr>
+                <a:srgbClr val="F0AB00"/>
+              </a:buClr>
+              <a:buSzPct val="80000"/>
+            </a:pPr>
+            <a:r>
               <a:rPr lang="de-DE" sz="1800" b="1" kern="0" dirty="0" smtClean="0">
                 <a:ea typeface="Arial Unicode MS" pitchFamily="34" charset="-128"/>
                 <a:cs typeface="Arial Unicode MS" pitchFamily="34" charset="-128"/>
@@ -10597,6 +10985,13 @@
   <p:clrMapOvr>
     <a:masterClrMapping/>
   </p:clrMapOvr>
+  <p:timing>
+    <p:tnLst>
+      <p:par>
+        <p:cTn id="1" dur="indefinite" restart="never" nodeType="tmRoot"/>
+      </p:par>
+    </p:tnLst>
+  </p:timing>
 </p:sld>
 </file>
 
@@ -10664,8 +11059,8 @@
         </p:nvSpPr>
         <p:spPr>
           <a:xfrm>
-            <a:off x="2031231" y="1917626"/>
-            <a:ext cx="3821559" cy="276999"/>
+            <a:off x="2031231" y="4845854"/>
+            <a:ext cx="4876335" cy="600164"/>
           </a:xfrm>
           <a:prstGeom prst="rect">
             <a:avLst/>
@@ -10723,37 +11118,177 @@
                 <a:ea typeface="Arial Unicode MS" pitchFamily="34" charset="-128"/>
                 <a:cs typeface="Arial Unicode MS" pitchFamily="34" charset="-128"/>
               </a:rPr>
-              <a:t>d</a:t>
+              <a:t>desktop</a:t>
+            </a:r>
+            <a:r>
+              <a:rPr lang="de-DE" sz="1800" b="1" kern="0" dirty="0" smtClean="0">
+                <a:ea typeface="Arial Unicode MS" pitchFamily="34" charset="-128"/>
+                <a:cs typeface="Arial Unicode MS" pitchFamily="34" charset="-128"/>
+              </a:rPr>
+              <a:t> </a:t>
             </a:r>
             <a:r>
               <a:rPr lang="de-DE" sz="1800" b="1" kern="0" dirty="0" err="1" smtClean="0">
                 <a:ea typeface="Arial Unicode MS" pitchFamily="34" charset="-128"/>
                 <a:cs typeface="Arial Unicode MS" pitchFamily="34" charset="-128"/>
               </a:rPr>
-              <a:t>esktop</a:t>
+              <a:t>version</a:t>
             </a:r>
             <a:r>
               <a:rPr lang="de-DE" sz="1800" b="1" kern="0" dirty="0" smtClean="0">
                 <a:ea typeface="Arial Unicode MS" pitchFamily="34" charset="-128"/>
                 <a:cs typeface="Arial Unicode MS" pitchFamily="34" charset="-128"/>
               </a:rPr>
-              <a:t> </a:t>
-            </a:r>
-            <a:r>
-              <a:rPr lang="de-DE" sz="1800" b="1" kern="0" dirty="0" err="1" smtClean="0">
+              <a:t>)</a:t>
+            </a:r>
+          </a:p>
+          <a:p>
+            <a:pPr fontAlgn="base">
+              <a:spcBef>
+                <a:spcPct val="50000"/>
+              </a:spcBef>
+              <a:spcAft>
+                <a:spcPct val="0"/>
+              </a:spcAft>
+              <a:buClr>
+                <a:srgbClr val="F0AB00"/>
+              </a:buClr>
+              <a:buSzPct val="80000"/>
+            </a:pPr>
+            <a:r>
+              <a:rPr lang="de-DE" sz="1400" kern="0" dirty="0" smtClean="0">
                 <a:ea typeface="Arial Unicode MS" pitchFamily="34" charset="-128"/>
                 <a:cs typeface="Arial Unicode MS" pitchFamily="34" charset="-128"/>
               </a:rPr>
-              <a:t>version</a:t>
-            </a:r>
-            <a:r>
-              <a:rPr lang="de-DE" sz="1800" b="1" kern="0" dirty="0" smtClean="0">
+              <a:t>UI </a:t>
+            </a:r>
+            <a:r>
+              <a:rPr lang="de-DE" sz="1400" kern="0" dirty="0" err="1" smtClean="0">
                 <a:ea typeface="Arial Unicode MS" pitchFamily="34" charset="-128"/>
                 <a:cs typeface="Arial Unicode MS" pitchFamily="34" charset="-128"/>
               </a:rPr>
-              <a:t>)</a:t>
-            </a:r>
-            <a:endParaRPr lang="en-US" sz="1800" b="1" kern="0" dirty="0" err="1" smtClean="0">
+              <a:t>adapted</a:t>
+            </a:r>
+            <a:r>
+              <a:rPr lang="de-DE" sz="1400" kern="0" dirty="0" smtClean="0">
+                <a:ea typeface="Arial Unicode MS" pitchFamily="34" charset="-128"/>
+                <a:cs typeface="Arial Unicode MS" pitchFamily="34" charset="-128"/>
+              </a:rPr>
+              <a:t> </a:t>
+            </a:r>
+            <a:r>
+              <a:rPr lang="de-DE" sz="1400" kern="0" dirty="0" err="1" smtClean="0">
+                <a:ea typeface="Arial Unicode MS" pitchFamily="34" charset="-128"/>
+                <a:cs typeface="Arial Unicode MS" pitchFamily="34" charset="-128"/>
+              </a:rPr>
+              <a:t>to</a:t>
+            </a:r>
+            <a:r>
+              <a:rPr lang="de-DE" sz="1400" kern="0" dirty="0" smtClean="0">
+                <a:ea typeface="Arial Unicode MS" pitchFamily="34" charset="-128"/>
+                <a:cs typeface="Arial Unicode MS" pitchFamily="34" charset="-128"/>
+              </a:rPr>
+              <a:t> </a:t>
+            </a:r>
+            <a:r>
+              <a:rPr lang="de-DE" sz="1400" kern="0" dirty="0" err="1" smtClean="0">
+                <a:ea typeface="Arial Unicode MS" pitchFamily="34" charset="-128"/>
+                <a:cs typeface="Arial Unicode MS" pitchFamily="34" charset="-128"/>
+              </a:rPr>
+              <a:t>desktop</a:t>
+            </a:r>
+            <a:r>
+              <a:rPr lang="de-DE" sz="1400" kern="0" dirty="0" smtClean="0">
+                <a:ea typeface="Arial Unicode MS" pitchFamily="34" charset="-128"/>
+                <a:cs typeface="Arial Unicode MS" pitchFamily="34" charset="-128"/>
+              </a:rPr>
+              <a:t>. E.g. </a:t>
+            </a:r>
+            <a:r>
+              <a:rPr lang="de-DE" sz="1400" kern="0" dirty="0" err="1" smtClean="0">
+                <a:ea typeface="Arial Unicode MS" pitchFamily="34" charset="-128"/>
+                <a:cs typeface="Arial Unicode MS" pitchFamily="34" charset="-128"/>
+              </a:rPr>
+              <a:t>install</a:t>
+            </a:r>
+            <a:r>
+              <a:rPr lang="de-DE" sz="1400" kern="0" dirty="0" smtClean="0">
+                <a:ea typeface="Arial Unicode MS" pitchFamily="34" charset="-128"/>
+                <a:cs typeface="Arial Unicode MS" pitchFamily="34" charset="-128"/>
+              </a:rPr>
+              <a:t> </a:t>
+            </a:r>
+            <a:r>
+              <a:rPr lang="de-DE" sz="1400" kern="0" dirty="0" err="1" smtClean="0">
+                <a:ea typeface="Arial Unicode MS" pitchFamily="34" charset="-128"/>
+                <a:cs typeface="Arial Unicode MS" pitchFamily="34" charset="-128"/>
+              </a:rPr>
+              <a:t>like</a:t>
+            </a:r>
+            <a:r>
+              <a:rPr lang="de-DE" sz="1400" kern="0" dirty="0" smtClean="0">
+                <a:ea typeface="Arial Unicode MS" pitchFamily="34" charset="-128"/>
+                <a:cs typeface="Arial Unicode MS" pitchFamily="34" charset="-128"/>
+              </a:rPr>
+              <a:t> </a:t>
+            </a:r>
+            <a:r>
+              <a:rPr lang="de-DE" sz="1400" kern="0" dirty="0" err="1" smtClean="0">
+                <a:ea typeface="Arial Unicode MS" pitchFamily="34" charset="-128"/>
+                <a:cs typeface="Arial Unicode MS" pitchFamily="34" charset="-128"/>
+              </a:rPr>
+              <a:t>would</a:t>
+            </a:r>
+            <a:r>
+              <a:rPr lang="de-DE" sz="1400" kern="0" dirty="0" smtClean="0">
+                <a:ea typeface="Arial Unicode MS" pitchFamily="34" charset="-128"/>
+                <a:cs typeface="Arial Unicode MS" pitchFamily="34" charset="-128"/>
+              </a:rPr>
+              <a:t> </a:t>
+            </a:r>
+            <a:r>
+              <a:rPr lang="de-DE" sz="1400" kern="0" dirty="0" err="1" smtClean="0">
+                <a:ea typeface="Arial Unicode MS" pitchFamily="34" charset="-128"/>
+                <a:cs typeface="Arial Unicode MS" pitchFamily="34" charset="-128"/>
+              </a:rPr>
+              <a:t>be</a:t>
+            </a:r>
+            <a:r>
+              <a:rPr lang="de-DE" sz="1400" kern="0" dirty="0" smtClean="0">
+                <a:ea typeface="Arial Unicode MS" pitchFamily="34" charset="-128"/>
+                <a:cs typeface="Arial Unicode MS" pitchFamily="34" charset="-128"/>
+              </a:rPr>
+              <a:t> </a:t>
+            </a:r>
+            <a:r>
+              <a:rPr lang="de-DE" sz="1400" kern="0" dirty="0" err="1" smtClean="0">
+                <a:ea typeface="Arial Unicode MS" pitchFamily="34" charset="-128"/>
+                <a:cs typeface="Arial Unicode MS" pitchFamily="34" charset="-128"/>
+              </a:rPr>
+              <a:t>useless</a:t>
+            </a:r>
+            <a:r>
+              <a:rPr lang="de-DE" sz="1400" kern="0" dirty="0" smtClean="0">
+                <a:ea typeface="Arial Unicode MS" pitchFamily="34" charset="-128"/>
+                <a:cs typeface="Arial Unicode MS" pitchFamily="34" charset="-128"/>
+              </a:rPr>
+              <a:t> </a:t>
+            </a:r>
+            <a:r>
+              <a:rPr lang="de-DE" sz="1400" kern="0" dirty="0" err="1" smtClean="0">
+                <a:ea typeface="Arial Unicode MS" pitchFamily="34" charset="-128"/>
+                <a:cs typeface="Arial Unicode MS" pitchFamily="34" charset="-128"/>
+              </a:rPr>
+              <a:t>here</a:t>
+            </a:r>
+            <a:r>
+              <a:rPr lang="de-DE" sz="1400" kern="0" dirty="0" smtClean="0">
+                <a:ea typeface="Arial Unicode MS" pitchFamily="34" charset="-128"/>
+                <a:cs typeface="Arial Unicode MS" pitchFamily="34" charset="-128"/>
+              </a:rPr>
+              <a:t>.</a:t>
+            </a:r>
+            <a:endParaRPr lang="en-US" sz="1400" kern="0" dirty="0" err="1" smtClean="0">
               <a:ea typeface="Arial Unicode MS" pitchFamily="34" charset="-128"/>
               <a:cs typeface="Arial Unicode MS" pitchFamily="34" charset="-128"/>
             </a:endParaRPr>
@@ -10783,7 +11318,7 @@
         </p:blipFill>
         <p:spPr bwMode="auto">
           <a:xfrm>
-            <a:off x="2031231" y="2314575"/>
+            <a:off x="2031231" y="1714411"/>
             <a:ext cx="8126412" cy="3067050"/>
           </a:xfrm>
           <a:prstGeom prst="rect">
@@ -10811,6 +11346,13 @@
   <p:clrMapOvr>
     <a:masterClrMapping/>
   </p:clrMapOvr>
+  <p:timing>
+    <p:tnLst>
+      <p:par>
+        <p:cTn id="1" dur="indefinite" restart="never" nodeType="tmRoot"/>
+      </p:par>
+    </p:tnLst>
+  </p:timing>
 </p:sld>
 </file>
 
@@ -10950,6 +11492,89 @@
           <a:chExt cx="0" cy="0"/>
         </a:xfrm>
       </p:grpSpPr>
+      <p:sp>
+        <p:nvSpPr>
+          <p:cNvPr id="66" name="Rectangle 65"/>
+          <p:cNvSpPr/>
+          <p:nvPr/>
+        </p:nvSpPr>
+        <p:spPr bwMode="gray">
+          <a:xfrm>
+            <a:off x="5161483" y="1773610"/>
+            <a:ext cx="6696744" cy="4608512"/>
+          </a:xfrm>
+          <a:prstGeom prst="rect">
+            <a:avLst/>
+          </a:prstGeom>
+          <a:gradFill>
+            <a:gsLst>
+              <a:gs pos="0">
+                <a:schemeClr val="bg1">
+                  <a:lumMod val="85000"/>
+                </a:schemeClr>
+              </a:gs>
+              <a:gs pos="50000">
+                <a:schemeClr val="bg1">
+                  <a:lumMod val="95000"/>
+                </a:schemeClr>
+              </a:gs>
+              <a:gs pos="100000">
+                <a:schemeClr val="bg1"/>
+              </a:gs>
+            </a:gsLst>
+            <a:lin ang="3000000" scaled="0"/>
+          </a:gradFill>
+          <a:ln w="60325" algn="ctr">
+            <a:solidFill>
+              <a:schemeClr val="tx2">
+                <a:lumMod val="75000"/>
+              </a:schemeClr>
+            </a:solidFill>
+            <a:miter lim="800000"/>
+            <a:headEnd/>
+            <a:tailEnd/>
+          </a:ln>
+          <a:effectLst>
+            <a:outerShdw blurRad="50800" dist="38100" dir="2700000" algn="tl" rotWithShape="0">
+              <a:prstClr val="black">
+                <a:alpha val="40000"/>
+              </a:prstClr>
+            </a:outerShdw>
+          </a:effectLst>
+        </p:spPr>
+        <p:txBody>
+          <a:bodyPr lIns="90000" tIns="72000" rIns="90000" bIns="72000" rtlCol="0" anchor="ctr"/>
+          <a:lstStyle/>
+          <a:p>
+            <a:pPr marR="0" algn="ctr" defTabSz="914400" eaLnBrk="1" fontAlgn="base" latinLnBrk="0" hangingPunct="1">
+              <a:lnSpc>
+                <a:spcPct val="100000"/>
+              </a:lnSpc>
+              <a:spcBef>
+                <a:spcPct val="50000"/>
+              </a:spcBef>
+              <a:spcAft>
+                <a:spcPct val="0"/>
+              </a:spcAft>
+              <a:buClr>
+                <a:srgbClr val="F0AB00"/>
+              </a:buClr>
+              <a:buSzPct val="80000"/>
+              <a:tabLst/>
+            </a:pPr>
+            <a:endParaRPr kumimoji="0" lang="de-DE" sz="2000" b="0" i="0" u="none" strike="noStrike" kern="0" cap="none" spc="0" normalizeH="0" baseline="0" noProof="0" dirty="0" err="1" smtClean="0">
+              <a:ln>
+                <a:noFill/>
+              </a:ln>
+              <a:effectLst/>
+              <a:uLnTx/>
+              <a:uFillTx/>
+              <a:ea typeface="Arial Unicode MS" pitchFamily="34" charset="-128"/>
+              <a:cs typeface="Arial Unicode MS" pitchFamily="34" charset="-128"/>
+            </a:endParaRPr>
+          </a:p>
+        </p:txBody>
+      </p:sp>
       <p:sp>
         <p:nvSpPr>
           <p:cNvPr id="119" name="Rectangle 118"/>
@@ -11339,8 +11964,8 @@
         </p:nvSpPr>
         <p:spPr bwMode="gray">
           <a:xfrm>
-            <a:off x="5127575" y="3045149"/>
-            <a:ext cx="1930405" cy="1752796"/>
+            <a:off x="5511904" y="3394117"/>
+            <a:ext cx="1161748" cy="1054860"/>
           </a:xfrm>
           <a:prstGeom prst="rect">
             <a:avLst/>
@@ -11404,7 +12029,7 @@
               <a:tabLst/>
             </a:pPr>
             <a:r>
-              <a:rPr kumimoji="0" lang="de-DE" sz="3200" b="1" i="0" u="none" strike="noStrike" kern="0" cap="none" spc="0" normalizeH="0" baseline="0" noProof="0" dirty="0" smtClean="0">
+              <a:rPr kumimoji="0" lang="de-DE" sz="1800" b="1" i="0" u="none" strike="noStrike" kern="0" cap="none" spc="0" normalizeH="0" baseline="0" noProof="0" dirty="0" smtClean="0">
                 <a:ln>
                   <a:noFill/>
                 </a:ln>
@@ -11428,9 +12053,9 @@
         <p:grpSpPr>
           <a:xfrm>
             <a:off x="5881563" y="2417756"/>
-            <a:ext cx="428002" cy="616714"/>
+            <a:ext cx="428002" cy="976361"/>
             <a:chOff x="1925954" y="4613280"/>
-            <a:chExt cx="428002" cy="616714"/>
+            <a:chExt cx="428002" cy="976361"/>
           </a:xfrm>
         </p:grpSpPr>
         <p:grpSp>
@@ -11442,23 +12067,24 @@
           <p:grpSpPr>
             <a:xfrm>
               <a:off x="2029135" y="4845204"/>
-              <a:ext cx="216024" cy="384790"/>
+              <a:ext cx="216024" cy="744437"/>
               <a:chOff x="2029135" y="4845204"/>
-              <a:chExt cx="216024" cy="384790"/>
+              <a:chExt cx="216024" cy="744437"/>
             </a:xfrm>
           </p:grpSpPr>
           <p:cxnSp>
             <p:nvCxnSpPr>
               <p:cNvPr id="4" name="Straight Connector 3"/>
               <p:cNvCxnSpPr>
+                <a:stCxn id="2" idx="0"/>
                 <a:endCxn id="5" idx="4"/>
               </p:cNvCxnSpPr>
               <p:nvPr/>
             </p:nvCxnSpPr>
             <p:spPr>
-              <a:xfrm flipV="1">
+              <a:xfrm flipH="1" flipV="1">
                 <a:off x="2137147" y="5061228"/>
-                <a:ext cx="0" cy="168766"/>
+                <a:ext cx="22" cy="528413"/>
               </a:xfrm>
               <a:prstGeom prst="line">
                 <a:avLst/>
@@ -11598,16 +12224,16 @@
       </p:grpSp>
       <p:grpSp>
         <p:nvGrpSpPr>
-          <p:cNvPr id="12" name="Group 11"/>
+          <p:cNvPr id="26" name="Group 25"/>
           <p:cNvGrpSpPr/>
           <p:nvPr/>
         </p:nvGrpSpPr>
         <p:grpSpPr>
-          <a:xfrm rot="16200000">
-            <a:off x="7093675" y="3484206"/>
-            <a:ext cx="485957" cy="557347"/>
-            <a:chOff x="7681763" y="4701188"/>
-            <a:chExt cx="485957" cy="557347"/>
+          <a:xfrm>
+            <a:off x="5886872" y="4448977"/>
+            <a:ext cx="437620" cy="987749"/>
+            <a:chOff x="5886872" y="4448977"/>
+            <a:chExt cx="437620" cy="987749"/>
           </a:xfrm>
         </p:grpSpPr>
         <p:grpSp>
@@ -11618,22 +12244,24 @@
           </p:nvGrpSpPr>
           <p:grpSpPr>
             <a:xfrm>
-              <a:off x="7681763" y="4701188"/>
-              <a:ext cx="216024" cy="384790"/>
-              <a:chOff x="2029135" y="4701188"/>
-              <a:chExt cx="216024" cy="384790"/>
+              <a:off x="5979290" y="4448977"/>
+              <a:ext cx="216024" cy="731773"/>
+              <a:chOff x="2029135" y="4354205"/>
+              <a:chExt cx="216024" cy="731773"/>
             </a:xfrm>
           </p:grpSpPr>
           <p:cxnSp>
             <p:nvCxnSpPr>
               <p:cNvPr id="35" name="Straight Connector 34"/>
-              <p:cNvCxnSpPr/>
+              <p:cNvCxnSpPr>
+                <a:endCxn id="2" idx="2"/>
+              </p:cNvCxnSpPr>
               <p:nvPr/>
             </p:nvCxnSpPr>
             <p:spPr>
               <a:xfrm flipV="1">
-                <a:off x="2137147" y="4701188"/>
-                <a:ext cx="0" cy="168766"/>
+                <a:off x="2137147" y="4354205"/>
+                <a:ext cx="5476" cy="515749"/>
               </a:xfrm>
               <a:prstGeom prst="line">
                 <a:avLst/>
@@ -11728,8 +12356,8 @@
             <p:nvPr/>
           </p:nvSpPr>
           <p:spPr>
-            <a:xfrm rot="5400000">
-              <a:off x="7856577" y="4947392"/>
+            <a:xfrm>
+              <a:off x="5886872" y="5252060"/>
               <a:ext cx="437620" cy="184666"/>
             </a:xfrm>
             <a:prstGeom prst="rect">
@@ -12327,6 +12955,7 @@
                 <a:lumMod val="75000"/>
               </a:schemeClr>
             </a:solidFill>
+            <a:prstDash val="sysDot"/>
             <a:round/>
             <a:tailEnd type="arrow"/>
           </a:ln>
@@ -12409,8 +13038,8 @@
         </p:nvCxnSpPr>
         <p:spPr>
           <a:xfrm flipH="1">
-            <a:off x="7537747" y="3009910"/>
-            <a:ext cx="2686453" cy="851932"/>
+            <a:off x="6250177" y="3009910"/>
+            <a:ext cx="3974023" cy="1960204"/>
           </a:xfrm>
           <a:prstGeom prst="straightConnector1">
             <a:avLst/>
@@ -12421,6 +13050,7 @@
                 <a:lumMod val="75000"/>
               </a:schemeClr>
             </a:solidFill>
+            <a:prstDash val="sysDot"/>
             <a:round/>
             <a:tailEnd type="arrow"/>
           </a:ln>
@@ -12455,8 +13085,8 @@
         </p:nvCxnSpPr>
         <p:spPr>
           <a:xfrm>
-            <a:off x="7537747" y="3933850"/>
-            <a:ext cx="2448272" cy="720080"/>
+            <a:off x="6297096" y="5133120"/>
+            <a:ext cx="3705438" cy="0"/>
           </a:xfrm>
           <a:prstGeom prst="straightConnector1">
             <a:avLst/>
@@ -12501,8 +13131,8 @@
         </p:nvSpPr>
         <p:spPr>
           <a:xfrm>
-            <a:off x="3865339" y="2540437"/>
-            <a:ext cx="1734449" cy="169277"/>
+            <a:off x="3143352" y="2187471"/>
+            <a:ext cx="1082027" cy="507831"/>
           </a:xfrm>
           <a:prstGeom prst="rect">
             <a:avLst/>
@@ -12515,7 +13145,7 @@
           </a:bodyPr>
           <a:lstStyle/>
           <a:p>
-            <a:pPr fontAlgn="base">
+            <a:pPr algn="ctr" fontAlgn="base">
               <a:spcBef>
                 <a:spcPct val="50000"/>
               </a:spcBef>
@@ -12537,7 +13167,53 @@
                 <a:ea typeface="Arial Unicode MS" pitchFamily="34" charset="-128"/>
                 <a:cs typeface="Arial Unicode MS" pitchFamily="34" charset="-128"/>
               </a:rPr>
-              <a:t>App Parameters + </a:t>
+              <a:t>URL: </a:t>
+            </a:r>
+            <a:br>
+              <a:rPr lang="de-DE" sz="1100" b="1" kern="0" dirty="0" smtClean="0">
+                <a:solidFill>
+                  <a:schemeClr val="tx2">
+                    <a:lumMod val="50000"/>
+                  </a:schemeClr>
+                </a:solidFill>
+                <a:ea typeface="Arial Unicode MS" pitchFamily="34" charset="-128"/>
+                <a:cs typeface="Arial Unicode MS" pitchFamily="34" charset="-128"/>
+              </a:rPr>
+            </a:br>
+            <a:r>
+              <a:rPr lang="de-DE" sz="1100" b="1" kern="0" dirty="0" smtClean="0">
+                <a:solidFill>
+                  <a:schemeClr val="tx2">
+                    <a:lumMod val="50000"/>
+                  </a:schemeClr>
+                </a:solidFill>
+                <a:ea typeface="Arial Unicode MS" pitchFamily="34" charset="-128"/>
+                <a:cs typeface="Arial Unicode MS" pitchFamily="34" charset="-128"/>
+              </a:rPr>
+              <a:t>App Parameters</a:t>
+            </a:r>
+            <a:br>
+              <a:rPr lang="de-DE" sz="1100" b="1" kern="0" dirty="0" smtClean="0">
+                <a:solidFill>
+                  <a:schemeClr val="tx2">
+                    <a:lumMod val="50000"/>
+                  </a:schemeClr>
+                </a:solidFill>
+                <a:ea typeface="Arial Unicode MS" pitchFamily="34" charset="-128"/>
+                <a:cs typeface="Arial Unicode MS" pitchFamily="34" charset="-128"/>
+              </a:rPr>
+            </a:br>
+            <a:r>
+              <a:rPr lang="de-DE" sz="1100" b="1" kern="0" dirty="0" smtClean="0">
+                <a:solidFill>
+                  <a:schemeClr val="tx2">
+                    <a:lumMod val="50000"/>
+                  </a:schemeClr>
+                </a:solidFill>
+                <a:ea typeface="Arial Unicode MS" pitchFamily="34" charset="-128"/>
+                <a:cs typeface="Arial Unicode MS" pitchFamily="34" charset="-128"/>
+              </a:rPr>
+              <a:t>+ </a:t>
             </a:r>
             <a:r>
               <a:rPr lang="de-DE" sz="1100" b="1" kern="0" dirty="0" err="1" smtClean="0">
@@ -12566,9 +13242,9 @@
           <p:nvPr/>
         </p:nvSpPr>
         <p:spPr>
-          <a:xfrm rot="20538618">
-            <a:off x="7942535" y="3205154"/>
-            <a:ext cx="1734449" cy="169277"/>
+          <a:xfrm rot="20031545">
+            <a:off x="7307598" y="3578538"/>
+            <a:ext cx="1734449" cy="338554"/>
           </a:xfrm>
           <a:prstGeom prst="rect">
             <a:avLst/>
@@ -12581,7 +13257,7 @@
           </a:bodyPr>
           <a:lstStyle/>
           <a:p>
-            <a:pPr fontAlgn="base">
+            <a:pPr algn="ctr" fontAlgn="base">
               <a:spcBef>
                 <a:spcPct val="50000"/>
               </a:spcBef>
@@ -12603,7 +13279,42 @@
                 <a:ea typeface="Arial Unicode MS" pitchFamily="34" charset="-128"/>
                 <a:cs typeface="Arial Unicode MS" pitchFamily="34" charset="-128"/>
               </a:rPr>
-              <a:t>App Parameters + </a:t>
+              <a:t>URL:</a:t>
+            </a:r>
+            <a:br>
+              <a:rPr lang="de-DE" sz="1100" b="1" kern="0" dirty="0" smtClean="0">
+                <a:solidFill>
+                  <a:schemeClr val="tx2">
+                    <a:lumMod val="50000"/>
+                  </a:schemeClr>
+                </a:solidFill>
+                <a:ea typeface="Arial Unicode MS" pitchFamily="34" charset="-128"/>
+                <a:cs typeface="Arial Unicode MS" pitchFamily="34" charset="-128"/>
+              </a:rPr>
+            </a:br>
+            <a:r>
+              <a:rPr lang="de-DE" sz="1100" b="1" kern="0" dirty="0" smtClean="0">
+                <a:solidFill>
+                  <a:schemeClr val="tx2">
+                    <a:lumMod val="50000"/>
+                  </a:schemeClr>
+                </a:solidFill>
+                <a:ea typeface="Arial Unicode MS" pitchFamily="34" charset="-128"/>
+                <a:cs typeface="Arial Unicode MS" pitchFamily="34" charset="-128"/>
+              </a:rPr>
+              <a:t>App </a:t>
+            </a:r>
+            <a:r>
+              <a:rPr lang="de-DE" sz="1100" b="1" kern="0" dirty="0" smtClean="0">
+                <a:solidFill>
+                  <a:schemeClr val="tx2">
+                    <a:lumMod val="50000"/>
+                  </a:schemeClr>
+                </a:solidFill>
+                <a:ea typeface="Arial Unicode MS" pitchFamily="34" charset="-128"/>
+                <a:cs typeface="Arial Unicode MS" pitchFamily="34" charset="-128"/>
+              </a:rPr>
+              <a:t>Parameters + </a:t>
             </a:r>
             <a:r>
               <a:rPr lang="de-DE" sz="1100" b="1" kern="0" dirty="0" err="1" smtClean="0">
@@ -12934,7 +13645,7 @@
         </p:nvGrpSpPr>
         <p:grpSpPr>
           <a:xfrm>
-            <a:off x="9986019" y="4156317"/>
+            <a:off x="9986019" y="4582638"/>
             <a:ext cx="1440160" cy="1655468"/>
             <a:chOff x="467154" y="1976766"/>
             <a:chExt cx="3118619" cy="2202572"/>
@@ -13211,7 +13922,7 @@
         </p:nvSpPr>
         <p:spPr bwMode="gray">
           <a:xfrm>
-            <a:off x="10219191" y="5008801"/>
+            <a:off x="10219191" y="5512299"/>
             <a:ext cx="1083346" cy="263705"/>
           </a:xfrm>
           <a:prstGeom prst="rect">
@@ -13282,7 +13993,7 @@
         </p:nvCxnSpPr>
         <p:spPr>
           <a:xfrm flipH="1">
-            <a:off x="2281163" y="5157986"/>
+            <a:off x="2281163" y="5661484"/>
             <a:ext cx="7938028" cy="0"/>
           </a:xfrm>
           <a:prstGeom prst="straightConnector1">
@@ -13294,6 +14005,7 @@
                 <a:lumMod val="75000"/>
               </a:schemeClr>
             </a:solidFill>
+            <a:prstDash val="sysDot"/>
             <a:round/>
             <a:tailEnd type="arrow"/>
           </a:ln>
@@ -13437,8 +14149,8 @@
           <p:nvPr/>
         </p:nvSpPr>
         <p:spPr>
-          <a:xfrm rot="1026420">
-            <a:off x="8599109" y="4101372"/>
+          <a:xfrm>
+            <a:off x="7963675" y="4903461"/>
             <a:ext cx="588303" cy="169277"/>
           </a:xfrm>
           <a:prstGeom prst="rect">
@@ -13482,6 +14194,666 @@
                   <a:lumMod val="50000"/>
                 </a:schemeClr>
               </a:solidFill>
+              <a:ea typeface="Arial Unicode MS" pitchFamily="34" charset="-128"/>
+              <a:cs typeface="Arial Unicode MS" pitchFamily="34" charset="-128"/>
+            </a:endParaRPr>
+          </a:p>
+        </p:txBody>
+      </p:sp>
+      <p:pic>
+        <p:nvPicPr>
+          <p:cNvPr id="48" name="Picture 2" descr="Apple iPhone 5 16GB Weiss &amp; Silber"/>
+          <p:cNvPicPr>
+            <a:picLocks noChangeAspect="1" noChangeArrowheads="1"/>
+          </p:cNvPicPr>
+          <p:nvPr/>
+        </p:nvPicPr>
+        <p:blipFill>
+          <a:blip r:embed="rId3" cstate="print">
+            <a:extLst>
+              <a:ext uri="{28A0092B-C50C-407E-A947-70E740481C1C}">
+                <a14:useLocalDpi xmlns:a14="http://schemas.microsoft.com/office/drawing/2010/main" val="0"/>
+              </a:ext>
+            </a:extLst>
+          </a:blip>
+          <a:srcRect/>
+          <a:stretch>
+            <a:fillRect/>
+          </a:stretch>
+        </p:blipFill>
+        <p:spPr bwMode="auto">
+          <a:xfrm>
+            <a:off x="2929235" y="3501802"/>
+            <a:ext cx="936104" cy="1072619"/>
+          </a:xfrm>
+          <a:prstGeom prst="rect">
+            <a:avLst/>
+          </a:prstGeom>
+          <a:noFill/>
+          <a:extLst>
+            <a:ext uri="{909E8E84-426E-40DD-AFC4-6F175D3DCCD1}">
+              <a14:hiddenFill xmlns:a14="http://schemas.microsoft.com/office/drawing/2010/main">
+                <a:solidFill>
+                  <a:srgbClr val="FFFFFF"/>
+                </a:solidFill>
+              </a14:hiddenFill>
+            </a:ext>
+          </a:extLst>
+        </p:spPr>
+      </p:pic>
+      <p:sp>
+        <p:nvSpPr>
+          <p:cNvPr id="71" name="TextBox 70"/>
+          <p:cNvSpPr txBox="1"/>
+          <p:nvPr/>
+        </p:nvSpPr>
+        <p:spPr>
+          <a:xfrm>
+            <a:off x="6673652" y="5773138"/>
+            <a:ext cx="1431482" cy="338554"/>
+          </a:xfrm>
+          <a:prstGeom prst="rect">
+            <a:avLst/>
+          </a:prstGeom>
+          <a:noFill/>
+        </p:spPr>
+        <p:txBody>
+          <a:bodyPr wrap="none" lIns="0" tIns="0" rIns="0" bIns="0" rtlCol="0">
+            <a:spAutoFit/>
+          </a:bodyPr>
+          <a:lstStyle/>
+          <a:p>
+            <a:pPr algn="ctr" fontAlgn="base">
+              <a:spcBef>
+                <a:spcPct val="50000"/>
+              </a:spcBef>
+              <a:spcAft>
+                <a:spcPct val="0"/>
+              </a:spcAft>
+              <a:buClr>
+                <a:srgbClr val="F0AB00"/>
+              </a:buClr>
+              <a:buSzPct val="80000"/>
+            </a:pPr>
+            <a:r>
+              <a:rPr lang="de-DE" sz="1100" b="1" kern="0" dirty="0" smtClean="0">
+                <a:solidFill>
+                  <a:schemeClr val="tx2">
+                    <a:lumMod val="50000"/>
+                  </a:schemeClr>
+                </a:solidFill>
+                <a:ea typeface="Arial Unicode MS" pitchFamily="34" charset="-128"/>
+                <a:cs typeface="Arial Unicode MS" pitchFamily="34" charset="-128"/>
+              </a:rPr>
+              <a:t>URL:</a:t>
+            </a:r>
+            <a:br>
+              <a:rPr lang="de-DE" sz="1100" b="1" kern="0" dirty="0" smtClean="0">
+                <a:solidFill>
+                  <a:schemeClr val="tx2">
+                    <a:lumMod val="50000"/>
+                  </a:schemeClr>
+                </a:solidFill>
+                <a:ea typeface="Arial Unicode MS" pitchFamily="34" charset="-128"/>
+                <a:cs typeface="Arial Unicode MS" pitchFamily="34" charset="-128"/>
+              </a:rPr>
+            </a:br>
+            <a:r>
+              <a:rPr lang="de-DE" sz="1100" b="1" kern="0" dirty="0" smtClean="0">
+                <a:solidFill>
+                  <a:schemeClr val="tx2">
+                    <a:lumMod val="50000"/>
+                  </a:schemeClr>
+                </a:solidFill>
+                <a:ea typeface="Arial Unicode MS" pitchFamily="34" charset="-128"/>
+                <a:cs typeface="Arial Unicode MS" pitchFamily="34" charset="-128"/>
+              </a:rPr>
+              <a:t>Original IPA Location</a:t>
+            </a:r>
+            <a:endParaRPr lang="de-DE" sz="1100" b="1" kern="0" dirty="0" smtClean="0">
+              <a:solidFill>
+                <a:srgbClr val="FFC000"/>
+              </a:solidFill>
+              <a:ea typeface="Arial Unicode MS" pitchFamily="34" charset="-128"/>
+              <a:cs typeface="Arial Unicode MS" pitchFamily="34" charset="-128"/>
+            </a:endParaRPr>
+          </a:p>
+        </p:txBody>
+      </p:sp>
+      <p:sp>
+        <p:nvSpPr>
+          <p:cNvPr id="72" name="TextBox 71"/>
+          <p:cNvSpPr txBox="1"/>
+          <p:nvPr/>
+        </p:nvSpPr>
+        <p:spPr>
+          <a:xfrm>
+            <a:off x="7105698" y="1341561"/>
+            <a:ext cx="2304256" cy="276999"/>
+          </a:xfrm>
+          <a:prstGeom prst="rect">
+            <a:avLst/>
+          </a:prstGeom>
+          <a:noFill/>
+          <a:effectLst>
+            <a:outerShdw blurRad="38100" dist="12700" dir="2700000" algn="tl" rotWithShape="0">
+              <a:prstClr val="black">
+                <a:alpha val="40000"/>
+              </a:prstClr>
+            </a:outerShdw>
+          </a:effectLst>
+        </p:spPr>
+        <p:txBody>
+          <a:bodyPr wrap="square" lIns="0" tIns="0" rIns="0" bIns="0" rtlCol="0">
+            <a:spAutoFit/>
+          </a:bodyPr>
+          <a:lstStyle/>
+          <a:p>
+            <a:pPr algn="ctr" fontAlgn="base">
+              <a:spcBef>
+                <a:spcPct val="50000"/>
+              </a:spcBef>
+              <a:spcAft>
+                <a:spcPct val="0"/>
+              </a:spcAft>
+              <a:buClr>
+                <a:srgbClr val="F0AB00"/>
+              </a:buClr>
+              <a:buSzPct val="80000"/>
+            </a:pPr>
+            <a:r>
+              <a:rPr lang="de-DE" sz="1800" b="1" kern="0" dirty="0" smtClean="0">
+                <a:latin typeface="+mn-lt"/>
+                <a:ea typeface="Arial Unicode MS" pitchFamily="34" charset="-128"/>
+                <a:cs typeface="Arial Unicode MS" pitchFamily="34" charset="-128"/>
+              </a:rPr>
+              <a:t>OTA Web </a:t>
+            </a:r>
+            <a:r>
+              <a:rPr lang="de-DE" sz="1800" b="1" kern="0" dirty="0" smtClean="0">
+                <a:latin typeface="+mn-lt"/>
+                <a:ea typeface="Arial Unicode MS" pitchFamily="34" charset="-128"/>
+                <a:cs typeface="Arial Unicode MS" pitchFamily="34" charset="-128"/>
+              </a:rPr>
+              <a:t>Server</a:t>
+            </a:r>
+          </a:p>
+        </p:txBody>
+      </p:sp>
+      <p:cxnSp>
+        <p:nvCxnSpPr>
+          <p:cNvPr id="73" name="Straight Arrow Connector 72"/>
+          <p:cNvCxnSpPr/>
+          <p:nvPr/>
+        </p:nvCxnSpPr>
+        <p:spPr>
+          <a:xfrm flipV="1">
+            <a:off x="3649315" y="2925741"/>
+            <a:ext cx="2232248" cy="864093"/>
+          </a:xfrm>
+          <a:prstGeom prst="straightConnector1">
+            <a:avLst/>
+          </a:prstGeom>
+          <a:ln w="38100">
+            <a:solidFill>
+              <a:srgbClr val="FFC000"/>
+            </a:solidFill>
+            <a:round/>
+            <a:tailEnd type="arrow"/>
+          </a:ln>
+          <a:effectLst>
+            <a:outerShdw blurRad="50800" dist="38100" dir="2700000" algn="tl" rotWithShape="0">
+              <a:prstClr val="black">
+                <a:alpha val="40000"/>
+              </a:prstClr>
+            </a:outerShdw>
+          </a:effectLst>
+        </p:spPr>
+        <p:style>
+          <a:lnRef idx="1">
+            <a:schemeClr val="accent1"/>
+          </a:lnRef>
+          <a:fillRef idx="0">
+            <a:schemeClr val="accent1"/>
+          </a:fillRef>
+          <a:effectRef idx="0">
+            <a:schemeClr val="accent1"/>
+          </a:effectRef>
+          <a:fontRef idx="minor">
+            <a:schemeClr val="tx1"/>
+          </a:fontRef>
+        </p:style>
+      </p:cxnSp>
+      <p:cxnSp>
+        <p:nvCxnSpPr>
+          <p:cNvPr id="76" name="Straight Arrow Connector 75"/>
+          <p:cNvCxnSpPr/>
+          <p:nvPr/>
+        </p:nvCxnSpPr>
+        <p:spPr>
+          <a:xfrm>
+            <a:off x="3649315" y="4306266"/>
+            <a:ext cx="2232248" cy="681833"/>
+          </a:xfrm>
+          <a:prstGeom prst="straightConnector1">
+            <a:avLst/>
+          </a:prstGeom>
+          <a:ln w="38100">
+            <a:solidFill>
+              <a:srgbClr val="FFC000"/>
+            </a:solidFill>
+            <a:round/>
+            <a:tailEnd type="arrow"/>
+          </a:ln>
+          <a:effectLst>
+            <a:outerShdw blurRad="50800" dist="38100" dir="2700000" algn="tl" rotWithShape="0">
+              <a:prstClr val="black">
+                <a:alpha val="40000"/>
+              </a:prstClr>
+            </a:outerShdw>
+          </a:effectLst>
+        </p:spPr>
+        <p:style>
+          <a:lnRef idx="1">
+            <a:schemeClr val="accent1"/>
+          </a:lnRef>
+          <a:fillRef idx="0">
+            <a:schemeClr val="accent1"/>
+          </a:fillRef>
+          <a:effectRef idx="0">
+            <a:schemeClr val="accent1"/>
+          </a:effectRef>
+          <a:fontRef idx="minor">
+            <a:schemeClr val="tx1"/>
+          </a:fontRef>
+        </p:style>
+      </p:cxnSp>
+      <p:cxnSp>
+        <p:nvCxnSpPr>
+          <p:cNvPr id="93" name="Straight Arrow Connector 92"/>
+          <p:cNvCxnSpPr/>
+          <p:nvPr/>
+        </p:nvCxnSpPr>
+        <p:spPr>
+          <a:xfrm flipH="1" flipV="1">
+            <a:off x="2281164" y="3558127"/>
+            <a:ext cx="862188" cy="231707"/>
+          </a:xfrm>
+          <a:prstGeom prst="straightConnector1">
+            <a:avLst/>
+          </a:prstGeom>
+          <a:ln w="38100">
+            <a:solidFill>
+              <a:srgbClr val="FFC000"/>
+            </a:solidFill>
+            <a:round/>
+            <a:tailEnd type="arrow"/>
+          </a:ln>
+          <a:effectLst>
+            <a:outerShdw blurRad="50800" dist="38100" dir="2700000" algn="tl" rotWithShape="0">
+              <a:prstClr val="black">
+                <a:alpha val="40000"/>
+              </a:prstClr>
+            </a:outerShdw>
+          </a:effectLst>
+        </p:spPr>
+        <p:style>
+          <a:lnRef idx="1">
+            <a:schemeClr val="accent1"/>
+          </a:lnRef>
+          <a:fillRef idx="0">
+            <a:schemeClr val="accent1"/>
+          </a:fillRef>
+          <a:effectRef idx="0">
+            <a:schemeClr val="accent1"/>
+          </a:effectRef>
+          <a:fontRef idx="minor">
+            <a:schemeClr val="tx1"/>
+          </a:fontRef>
+        </p:style>
+      </p:cxnSp>
+      <p:cxnSp>
+        <p:nvCxnSpPr>
+          <p:cNvPr id="94" name="Straight Arrow Connector 93"/>
+          <p:cNvCxnSpPr/>
+          <p:nvPr/>
+        </p:nvCxnSpPr>
+        <p:spPr>
+          <a:xfrm flipH="1">
+            <a:off x="2281164" y="4281860"/>
+            <a:ext cx="862188" cy="292561"/>
+          </a:xfrm>
+          <a:prstGeom prst="straightConnector1">
+            <a:avLst/>
+          </a:prstGeom>
+          <a:ln w="38100">
+            <a:solidFill>
+              <a:srgbClr val="FFC000"/>
+            </a:solidFill>
+            <a:round/>
+            <a:tailEnd type="arrow"/>
+          </a:ln>
+          <a:effectLst>
+            <a:outerShdw blurRad="50800" dist="38100" dir="2700000" algn="tl" rotWithShape="0">
+              <a:prstClr val="black">
+                <a:alpha val="40000"/>
+              </a:prstClr>
+            </a:outerShdw>
+          </a:effectLst>
+        </p:spPr>
+        <p:style>
+          <a:lnRef idx="1">
+            <a:schemeClr val="accent1"/>
+          </a:lnRef>
+          <a:fillRef idx="0">
+            <a:schemeClr val="accent1"/>
+          </a:fillRef>
+          <a:effectRef idx="0">
+            <a:schemeClr val="accent1"/>
+          </a:effectRef>
+          <a:fontRef idx="minor">
+            <a:schemeClr val="tx1"/>
+          </a:fontRef>
+        </p:style>
+      </p:cxnSp>
+      <p:sp>
+        <p:nvSpPr>
+          <p:cNvPr id="75" name="Oval 74"/>
+          <p:cNvSpPr/>
+          <p:nvPr/>
+        </p:nvSpPr>
+        <p:spPr bwMode="gray">
+          <a:xfrm>
+            <a:off x="2935687" y="3398436"/>
+            <a:ext cx="216978" cy="208506"/>
+          </a:xfrm>
+          <a:prstGeom prst="ellipse">
+            <a:avLst/>
+          </a:prstGeom>
+          <a:solidFill>
+            <a:schemeClr val="accent1"/>
+          </a:solidFill>
+          <a:ln w="6350" algn="ctr">
+            <a:noFill/>
+            <a:miter lim="800000"/>
+            <a:headEnd/>
+            <a:tailEnd/>
+          </a:ln>
+        </p:spPr>
+        <p:txBody>
+          <a:bodyPr lIns="90000" tIns="72000" rIns="90000" bIns="72000" rtlCol="0" anchor="ctr"/>
+          <a:lstStyle/>
+          <a:p>
+            <a:pPr marR="0" algn="ctr" defTabSz="914400" eaLnBrk="1" fontAlgn="base" latinLnBrk="0" hangingPunct="1">
+              <a:lnSpc>
+                <a:spcPct val="100000"/>
+              </a:lnSpc>
+              <a:spcBef>
+                <a:spcPct val="50000"/>
+              </a:spcBef>
+              <a:spcAft>
+                <a:spcPct val="0"/>
+              </a:spcAft>
+              <a:buClr>
+                <a:srgbClr val="F0AB00"/>
+              </a:buClr>
+              <a:buSzPct val="80000"/>
+              <a:tabLst/>
+            </a:pPr>
+            <a:r>
+              <a:rPr kumimoji="0" lang="de-DE" sz="1400" b="1" i="0" u="none" strike="noStrike" kern="0" cap="none" spc="0" normalizeH="0" baseline="0" noProof="0" dirty="0" smtClean="0">
+                <a:ln>
+                  <a:noFill/>
+                </a:ln>
+                <a:solidFill>
+                  <a:schemeClr val="bg1"/>
+                </a:solidFill>
+                <a:effectLst/>
+                <a:uLnTx/>
+                <a:uFillTx/>
+                <a:ea typeface="Arial Unicode MS" pitchFamily="34" charset="-128"/>
+                <a:cs typeface="Arial Unicode MS" pitchFamily="34" charset="-128"/>
+              </a:rPr>
+              <a:t>1</a:t>
+            </a:r>
+            <a:endParaRPr kumimoji="0" lang="en-US" sz="1400" b="1" i="0" u="none" strike="noStrike" kern="0" cap="none" spc="0" normalizeH="0" baseline="0" noProof="0" dirty="0" err="1" smtClean="0">
+              <a:ln>
+                <a:noFill/>
+              </a:ln>
+              <a:solidFill>
+                <a:schemeClr val="bg1"/>
+              </a:solidFill>
+              <a:effectLst/>
+              <a:uLnTx/>
+              <a:uFillTx/>
+              <a:ea typeface="Arial Unicode MS" pitchFamily="34" charset="-128"/>
+              <a:cs typeface="Arial Unicode MS" pitchFamily="34" charset="-128"/>
+            </a:endParaRPr>
+          </a:p>
+        </p:txBody>
+      </p:sp>
+      <p:sp>
+        <p:nvSpPr>
+          <p:cNvPr id="100" name="Oval 99"/>
+          <p:cNvSpPr/>
+          <p:nvPr/>
+        </p:nvSpPr>
+        <p:spPr bwMode="gray">
+          <a:xfrm>
+            <a:off x="3648361" y="3402373"/>
+            <a:ext cx="216978" cy="208506"/>
+          </a:xfrm>
+          <a:prstGeom prst="ellipse">
+            <a:avLst/>
+          </a:prstGeom>
+          <a:solidFill>
+            <a:schemeClr val="accent1"/>
+          </a:solidFill>
+          <a:ln w="6350" algn="ctr">
+            <a:noFill/>
+            <a:miter lim="800000"/>
+            <a:headEnd/>
+            <a:tailEnd/>
+          </a:ln>
+        </p:spPr>
+        <p:txBody>
+          <a:bodyPr lIns="90000" tIns="72000" rIns="90000" bIns="72000" rtlCol="0" anchor="ctr"/>
+          <a:lstStyle/>
+          <a:p>
+            <a:pPr marR="0" algn="ctr" defTabSz="914400" eaLnBrk="1" fontAlgn="base" latinLnBrk="0" hangingPunct="1">
+              <a:lnSpc>
+                <a:spcPct val="100000"/>
+              </a:lnSpc>
+              <a:spcBef>
+                <a:spcPct val="50000"/>
+              </a:spcBef>
+              <a:spcAft>
+                <a:spcPct val="0"/>
+              </a:spcAft>
+              <a:buClr>
+                <a:srgbClr val="F0AB00"/>
+              </a:buClr>
+              <a:buSzPct val="80000"/>
+              <a:tabLst/>
+            </a:pPr>
+            <a:r>
+              <a:rPr kumimoji="0" lang="de-DE" sz="1400" b="1" i="0" u="none" strike="noStrike" kern="0" cap="none" spc="0" normalizeH="0" baseline="0" noProof="0" dirty="0" smtClean="0">
+                <a:ln>
+                  <a:noFill/>
+                </a:ln>
+                <a:solidFill>
+                  <a:schemeClr val="bg1"/>
+                </a:solidFill>
+                <a:effectLst/>
+                <a:uLnTx/>
+                <a:uFillTx/>
+                <a:ea typeface="Arial Unicode MS" pitchFamily="34" charset="-128"/>
+                <a:cs typeface="Arial Unicode MS" pitchFamily="34" charset="-128"/>
+              </a:rPr>
+              <a:t>2</a:t>
+            </a:r>
+            <a:endParaRPr kumimoji="0" lang="en-US" sz="1400" b="1" i="0" u="none" strike="noStrike" kern="0" cap="none" spc="0" normalizeH="0" baseline="0" noProof="0" dirty="0" err="1" smtClean="0">
+              <a:ln>
+                <a:noFill/>
+              </a:ln>
+              <a:solidFill>
+                <a:schemeClr val="bg1"/>
+              </a:solidFill>
+              <a:effectLst/>
+              <a:uLnTx/>
+              <a:uFillTx/>
+              <a:ea typeface="Arial Unicode MS" pitchFamily="34" charset="-128"/>
+              <a:cs typeface="Arial Unicode MS" pitchFamily="34" charset="-128"/>
+            </a:endParaRPr>
+          </a:p>
+        </p:txBody>
+      </p:sp>
+      <p:sp>
+        <p:nvSpPr>
+          <p:cNvPr id="101" name="Oval 100"/>
+          <p:cNvSpPr/>
+          <p:nvPr/>
+        </p:nvSpPr>
+        <p:spPr bwMode="gray">
+          <a:xfrm>
+            <a:off x="3648361" y="4448977"/>
+            <a:ext cx="216978" cy="208506"/>
+          </a:xfrm>
+          <a:prstGeom prst="ellipse">
+            <a:avLst/>
+          </a:prstGeom>
+          <a:solidFill>
+            <a:schemeClr val="accent1"/>
+          </a:solidFill>
+          <a:ln w="6350" algn="ctr">
+            <a:noFill/>
+            <a:miter lim="800000"/>
+            <a:headEnd/>
+            <a:tailEnd/>
+          </a:ln>
+        </p:spPr>
+        <p:txBody>
+          <a:bodyPr lIns="90000" tIns="72000" rIns="90000" bIns="72000" rtlCol="0" anchor="ctr"/>
+          <a:lstStyle/>
+          <a:p>
+            <a:pPr marR="0" algn="ctr" defTabSz="914400" eaLnBrk="1" fontAlgn="base" latinLnBrk="0" hangingPunct="1">
+              <a:lnSpc>
+                <a:spcPct val="100000"/>
+              </a:lnSpc>
+              <a:spcBef>
+                <a:spcPct val="50000"/>
+              </a:spcBef>
+              <a:spcAft>
+                <a:spcPct val="0"/>
+              </a:spcAft>
+              <a:buClr>
+                <a:srgbClr val="F0AB00"/>
+              </a:buClr>
+              <a:buSzPct val="80000"/>
+              <a:tabLst/>
+            </a:pPr>
+            <a:r>
+              <a:rPr kumimoji="0" lang="de-DE" sz="1400" b="1" i="0" u="none" strike="noStrike" kern="0" cap="none" spc="0" normalizeH="0" baseline="0" noProof="0" dirty="0" smtClean="0">
+                <a:ln>
+                  <a:noFill/>
+                </a:ln>
+                <a:solidFill>
+                  <a:schemeClr val="bg1"/>
+                </a:solidFill>
+                <a:effectLst/>
+                <a:uLnTx/>
+                <a:uFillTx/>
+                <a:ea typeface="Arial Unicode MS" pitchFamily="34" charset="-128"/>
+                <a:cs typeface="Arial Unicode MS" pitchFamily="34" charset="-128"/>
+              </a:rPr>
+              <a:t>3</a:t>
+            </a:r>
+            <a:endParaRPr kumimoji="0" lang="en-US" sz="1400" b="1" i="0" u="none" strike="noStrike" kern="0" cap="none" spc="0" normalizeH="0" baseline="0" noProof="0" dirty="0" err="1" smtClean="0">
+              <a:ln>
+                <a:noFill/>
+              </a:ln>
+              <a:solidFill>
+                <a:schemeClr val="bg1"/>
+              </a:solidFill>
+              <a:effectLst/>
+              <a:uLnTx/>
+              <a:uFillTx/>
+              <a:ea typeface="Arial Unicode MS" pitchFamily="34" charset="-128"/>
+              <a:cs typeface="Arial Unicode MS" pitchFamily="34" charset="-128"/>
+            </a:endParaRPr>
+          </a:p>
+        </p:txBody>
+      </p:sp>
+      <p:sp>
+        <p:nvSpPr>
+          <p:cNvPr id="102" name="Oval 101"/>
+          <p:cNvSpPr/>
+          <p:nvPr/>
+        </p:nvSpPr>
+        <p:spPr bwMode="gray">
+          <a:xfrm>
+            <a:off x="2935687" y="4442755"/>
+            <a:ext cx="216978" cy="208506"/>
+          </a:xfrm>
+          <a:prstGeom prst="ellipse">
+            <a:avLst/>
+          </a:prstGeom>
+          <a:solidFill>
+            <a:schemeClr val="accent1"/>
+          </a:solidFill>
+          <a:ln w="6350" algn="ctr">
+            <a:noFill/>
+            <a:miter lim="800000"/>
+            <a:headEnd/>
+            <a:tailEnd/>
+          </a:ln>
+        </p:spPr>
+        <p:txBody>
+          <a:bodyPr lIns="90000" tIns="72000" rIns="90000" bIns="72000" rtlCol="0" anchor="ctr"/>
+          <a:lstStyle/>
+          <a:p>
+            <a:pPr marR="0" algn="ctr" defTabSz="914400" eaLnBrk="1" fontAlgn="base" latinLnBrk="0" hangingPunct="1">
+              <a:lnSpc>
+                <a:spcPct val="100000"/>
+              </a:lnSpc>
+              <a:spcBef>
+                <a:spcPct val="50000"/>
+              </a:spcBef>
+              <a:spcAft>
+                <a:spcPct val="0"/>
+              </a:spcAft>
+              <a:buClr>
+                <a:srgbClr val="F0AB00"/>
+              </a:buClr>
+              <a:buSzPct val="80000"/>
+              <a:tabLst/>
+            </a:pPr>
+            <a:r>
+              <a:rPr kumimoji="0" lang="de-DE" sz="1400" b="1" i="0" u="none" strike="noStrike" kern="0" cap="none" spc="0" normalizeH="0" baseline="0" noProof="0" dirty="0" smtClean="0">
+                <a:ln>
+                  <a:noFill/>
+                </a:ln>
+                <a:solidFill>
+                  <a:schemeClr val="bg1"/>
+                </a:solidFill>
+                <a:effectLst/>
+                <a:uLnTx/>
+                <a:uFillTx/>
+                <a:ea typeface="Arial Unicode MS" pitchFamily="34" charset="-128"/>
+                <a:cs typeface="Arial Unicode MS" pitchFamily="34" charset="-128"/>
+              </a:rPr>
+              <a:t>4</a:t>
+            </a:r>
+            <a:endParaRPr kumimoji="0" lang="en-US" sz="1400" b="1" i="0" u="none" strike="noStrike" kern="0" cap="none" spc="0" normalizeH="0" baseline="0" noProof="0" dirty="0" err="1" smtClean="0">
+              <a:ln>
+                <a:noFill/>
+              </a:ln>
+              <a:solidFill>
+                <a:schemeClr val="bg1"/>
+              </a:solidFill>
+              <a:effectLst/>
+              <a:uLnTx/>
+              <a:uFillTx/>
               <a:ea typeface="Arial Unicode MS" pitchFamily="34" charset="-128"/>
               <a:cs typeface="Arial Unicode MS" pitchFamily="34" charset="-128"/>
             </a:endParaRPr>
@@ -13525,6 +14897,89 @@
           <a:chExt cx="0" cy="0"/>
         </a:xfrm>
       </p:grpSpPr>
+      <p:sp>
+        <p:nvSpPr>
+          <p:cNvPr id="66" name="Rectangle 65"/>
+          <p:cNvSpPr/>
+          <p:nvPr/>
+        </p:nvSpPr>
+        <p:spPr bwMode="gray">
+          <a:xfrm>
+            <a:off x="5161483" y="1773610"/>
+            <a:ext cx="6696744" cy="4608512"/>
+          </a:xfrm>
+          <a:prstGeom prst="rect">
+            <a:avLst/>
+          </a:prstGeom>
+          <a:gradFill>
+            <a:gsLst>
+              <a:gs pos="0">
+                <a:schemeClr val="bg1">
+                  <a:lumMod val="85000"/>
+                </a:schemeClr>
+              </a:gs>
+              <a:gs pos="50000">
+                <a:schemeClr val="bg1">
+                  <a:lumMod val="95000"/>
+                </a:schemeClr>
+              </a:gs>
+              <a:gs pos="100000">
+                <a:schemeClr val="bg1"/>
+              </a:gs>
+            </a:gsLst>
+            <a:lin ang="3000000" scaled="0"/>
+          </a:gradFill>
+          <a:ln w="60325" algn="ctr">
+            <a:solidFill>
+              <a:schemeClr val="tx2">
+                <a:lumMod val="75000"/>
+              </a:schemeClr>
+            </a:solidFill>
+            <a:miter lim="800000"/>
+            <a:headEnd/>
+            <a:tailEnd/>
+          </a:ln>
+          <a:effectLst>
+            <a:outerShdw blurRad="50800" dist="38100" dir="2700000" algn="tl" rotWithShape="0">
+              <a:prstClr val="black">
+                <a:alpha val="40000"/>
+              </a:prstClr>
+            </a:outerShdw>
+          </a:effectLst>
+        </p:spPr>
+        <p:txBody>
+          <a:bodyPr lIns="90000" tIns="72000" rIns="90000" bIns="72000" rtlCol="0" anchor="ctr"/>
+          <a:lstStyle/>
+          <a:p>
+            <a:pPr marR="0" algn="ctr" defTabSz="914400" eaLnBrk="1" fontAlgn="base" latinLnBrk="0" hangingPunct="1">
+              <a:lnSpc>
+                <a:spcPct val="100000"/>
+              </a:lnSpc>
+              <a:spcBef>
+                <a:spcPct val="50000"/>
+              </a:spcBef>
+              <a:spcAft>
+                <a:spcPct val="0"/>
+              </a:spcAft>
+              <a:buClr>
+                <a:srgbClr val="F0AB00"/>
+              </a:buClr>
+              <a:buSzPct val="80000"/>
+              <a:tabLst/>
+            </a:pPr>
+            <a:endParaRPr kumimoji="0" lang="de-DE" sz="2000" b="0" i="0" u="none" strike="noStrike" kern="0" cap="none" spc="0" normalizeH="0" baseline="0" noProof="0" dirty="0" err="1" smtClean="0">
+              <a:ln>
+                <a:noFill/>
+              </a:ln>
+              <a:effectLst/>
+              <a:uLnTx/>
+              <a:uFillTx/>
+              <a:ea typeface="Arial Unicode MS" pitchFamily="34" charset="-128"/>
+              <a:cs typeface="Arial Unicode MS" pitchFamily="34" charset="-128"/>
+            </a:endParaRPr>
+          </a:p>
+        </p:txBody>
+      </p:sp>
       <p:sp>
         <p:nvSpPr>
           <p:cNvPr id="119" name="Rectangle 118"/>
@@ -13900,15 +15355,7 @@
           <a:p>
             <a:r>
               <a:rPr lang="de-DE" dirty="0" smtClean="0"/>
-              <a:t>OTA Service – </a:t>
-            </a:r>
-            <a:r>
-              <a:rPr lang="de-DE" dirty="0" err="1" smtClean="0"/>
-              <a:t>with</a:t>
-            </a:r>
-            <a:r>
-              <a:rPr lang="de-DE" dirty="0" smtClean="0"/>
-              <a:t> Firewall</a:t>
+              <a:t>OTA Service</a:t>
             </a:r>
             <a:endParaRPr lang="de-DE" dirty="0"/>
           </a:p>
@@ -13922,8 +15369,8 @@
         </p:nvSpPr>
         <p:spPr bwMode="gray">
           <a:xfrm>
-            <a:off x="5127575" y="3045149"/>
-            <a:ext cx="1930405" cy="1752796"/>
+            <a:off x="5511904" y="3394117"/>
+            <a:ext cx="1161748" cy="1054860"/>
           </a:xfrm>
           <a:prstGeom prst="rect">
             <a:avLst/>
@@ -13987,7 +15434,7 @@
               <a:tabLst/>
             </a:pPr>
             <a:r>
-              <a:rPr kumimoji="0" lang="de-DE" sz="3200" b="1" i="0" u="none" strike="noStrike" kern="0" cap="none" spc="0" normalizeH="0" baseline="0" noProof="0" dirty="0" smtClean="0">
+              <a:rPr kumimoji="0" lang="de-DE" sz="1800" b="1" i="0" u="none" strike="noStrike" kern="0" cap="none" spc="0" normalizeH="0" baseline="0" noProof="0" dirty="0" smtClean="0">
                 <a:ln>
                   <a:noFill/>
                 </a:ln>
@@ -14011,9 +15458,9 @@
         <p:grpSpPr>
           <a:xfrm>
             <a:off x="5881563" y="2417756"/>
-            <a:ext cx="428002" cy="616714"/>
+            <a:ext cx="428002" cy="976361"/>
             <a:chOff x="1925954" y="4613280"/>
-            <a:chExt cx="428002" cy="616714"/>
+            <a:chExt cx="428002" cy="976361"/>
           </a:xfrm>
         </p:grpSpPr>
         <p:grpSp>
@@ -14025,23 +15472,24 @@
           <p:grpSpPr>
             <a:xfrm>
               <a:off x="2029135" y="4845204"/>
-              <a:ext cx="216024" cy="384790"/>
+              <a:ext cx="216024" cy="744437"/>
               <a:chOff x="2029135" y="4845204"/>
-              <a:chExt cx="216024" cy="384790"/>
+              <a:chExt cx="216024" cy="744437"/>
             </a:xfrm>
           </p:grpSpPr>
           <p:cxnSp>
             <p:nvCxnSpPr>
               <p:cNvPr id="4" name="Straight Connector 3"/>
               <p:cNvCxnSpPr>
+                <a:stCxn id="2" idx="0"/>
                 <a:endCxn id="5" idx="4"/>
               </p:cNvCxnSpPr>
               <p:nvPr/>
             </p:nvCxnSpPr>
             <p:spPr>
-              <a:xfrm flipV="1">
+              <a:xfrm flipH="1" flipV="1">
                 <a:off x="2137147" y="5061228"/>
-                <a:ext cx="0" cy="168766"/>
+                <a:ext cx="22" cy="528413"/>
               </a:xfrm>
               <a:prstGeom prst="line">
                 <a:avLst/>
@@ -14181,16 +15629,16 @@
       </p:grpSp>
       <p:grpSp>
         <p:nvGrpSpPr>
-          <p:cNvPr id="12" name="Group 11"/>
+          <p:cNvPr id="26" name="Group 25"/>
           <p:cNvGrpSpPr/>
           <p:nvPr/>
         </p:nvGrpSpPr>
         <p:grpSpPr>
-          <a:xfrm rot="16200000">
-            <a:off x="7093675" y="3484206"/>
-            <a:ext cx="485957" cy="557347"/>
-            <a:chOff x="7681763" y="4701188"/>
-            <a:chExt cx="485957" cy="557347"/>
+          <a:xfrm>
+            <a:off x="5886872" y="4448977"/>
+            <a:ext cx="437620" cy="987749"/>
+            <a:chOff x="5886872" y="4448977"/>
+            <a:chExt cx="437620" cy="987749"/>
           </a:xfrm>
         </p:grpSpPr>
         <p:grpSp>
@@ -14201,22 +15649,24 @@
           </p:nvGrpSpPr>
           <p:grpSpPr>
             <a:xfrm>
-              <a:off x="7681763" y="4701188"/>
-              <a:ext cx="216024" cy="384790"/>
-              <a:chOff x="2029135" y="4701188"/>
-              <a:chExt cx="216024" cy="384790"/>
+              <a:off x="5979290" y="4448977"/>
+              <a:ext cx="216024" cy="731773"/>
+              <a:chOff x="2029135" y="4354205"/>
+              <a:chExt cx="216024" cy="731773"/>
             </a:xfrm>
           </p:grpSpPr>
           <p:cxnSp>
             <p:nvCxnSpPr>
               <p:cNvPr id="35" name="Straight Connector 34"/>
-              <p:cNvCxnSpPr/>
+              <p:cNvCxnSpPr>
+                <a:endCxn id="2" idx="2"/>
+              </p:cNvCxnSpPr>
               <p:nvPr/>
             </p:nvCxnSpPr>
             <p:spPr>
               <a:xfrm flipV="1">
-                <a:off x="2137147" y="4701188"/>
-                <a:ext cx="0" cy="168766"/>
+                <a:off x="2137147" y="4354205"/>
+                <a:ext cx="5476" cy="515749"/>
               </a:xfrm>
               <a:prstGeom prst="line">
                 <a:avLst/>
@@ -14311,8 +15761,8 @@
             <p:nvPr/>
           </p:nvSpPr>
           <p:spPr>
-            <a:xfrm rot="5400000">
-              <a:off x="7856577" y="4947392"/>
+            <a:xfrm>
+              <a:off x="5886872" y="5252060"/>
               <a:ext cx="437620" cy="184666"/>
             </a:xfrm>
             <a:prstGeom prst="rect">
@@ -14910,6 +16360,7 @@
                 <a:lumMod val="75000"/>
               </a:schemeClr>
             </a:solidFill>
+            <a:prstDash val="sysDot"/>
             <a:round/>
             <a:tailEnd type="arrow"/>
           </a:ln>
@@ -14992,8 +16443,8 @@
         </p:nvCxnSpPr>
         <p:spPr>
           <a:xfrm flipH="1">
-            <a:off x="7537747" y="3009910"/>
-            <a:ext cx="2686453" cy="851932"/>
+            <a:off x="6250177" y="3009910"/>
+            <a:ext cx="3974023" cy="1960204"/>
           </a:xfrm>
           <a:prstGeom prst="straightConnector1">
             <a:avLst/>
@@ -15004,6 +16455,7 @@
                 <a:lumMod val="75000"/>
               </a:schemeClr>
             </a:solidFill>
+            <a:prstDash val="sysDot"/>
             <a:round/>
             <a:tailEnd type="arrow"/>
           </a:ln>
@@ -15038,8 +16490,8 @@
         </p:nvCxnSpPr>
         <p:spPr>
           <a:xfrm>
-            <a:off x="7537747" y="3933850"/>
-            <a:ext cx="2448272" cy="720080"/>
+            <a:off x="6297096" y="5133120"/>
+            <a:ext cx="3705438" cy="0"/>
           </a:xfrm>
           <a:prstGeom prst="straightConnector1">
             <a:avLst/>
@@ -15078,14 +16530,14 @@
       </p:cxnSp>
       <p:sp>
         <p:nvSpPr>
-          <p:cNvPr id="70" name="TextBox 69"/>
+          <p:cNvPr id="69" name="TextBox 68"/>
           <p:cNvSpPr txBox="1"/>
           <p:nvPr/>
         </p:nvSpPr>
         <p:spPr>
-          <a:xfrm rot="20538618">
-            <a:off x="7942535" y="3205154"/>
-            <a:ext cx="1734449" cy="169277"/>
+          <a:xfrm>
+            <a:off x="3143352" y="2187471"/>
+            <a:ext cx="1082027" cy="507831"/>
           </a:xfrm>
           <a:prstGeom prst="rect">
             <a:avLst/>
@@ -15098,7 +16550,7 @@
           </a:bodyPr>
           <a:lstStyle/>
           <a:p>
-            <a:pPr fontAlgn="base">
+            <a:pPr algn="ctr" fontAlgn="base">
               <a:spcBef>
                 <a:spcPct val="50000"/>
               </a:spcBef>
@@ -15120,7 +16572,154 @@
                 <a:ea typeface="Arial Unicode MS" pitchFamily="34" charset="-128"/>
                 <a:cs typeface="Arial Unicode MS" pitchFamily="34" charset="-128"/>
               </a:rPr>
-              <a:t>App Parameters + </a:t>
+              <a:t>URL: </a:t>
+            </a:r>
+            <a:br>
+              <a:rPr lang="de-DE" sz="1100" b="1" kern="0" dirty="0" smtClean="0">
+                <a:solidFill>
+                  <a:schemeClr val="tx2">
+                    <a:lumMod val="50000"/>
+                  </a:schemeClr>
+                </a:solidFill>
+                <a:ea typeface="Arial Unicode MS" pitchFamily="34" charset="-128"/>
+                <a:cs typeface="Arial Unicode MS" pitchFamily="34" charset="-128"/>
+              </a:rPr>
+            </a:br>
+            <a:r>
+              <a:rPr lang="de-DE" sz="1100" b="1" kern="0" dirty="0" smtClean="0">
+                <a:solidFill>
+                  <a:schemeClr val="tx2">
+                    <a:lumMod val="50000"/>
+                  </a:schemeClr>
+                </a:solidFill>
+                <a:ea typeface="Arial Unicode MS" pitchFamily="34" charset="-128"/>
+                <a:cs typeface="Arial Unicode MS" pitchFamily="34" charset="-128"/>
+              </a:rPr>
+              <a:t>App Parameters</a:t>
+            </a:r>
+            <a:br>
+              <a:rPr lang="de-DE" sz="1100" b="1" kern="0" dirty="0" smtClean="0">
+                <a:solidFill>
+                  <a:schemeClr val="tx2">
+                    <a:lumMod val="50000"/>
+                  </a:schemeClr>
+                </a:solidFill>
+                <a:ea typeface="Arial Unicode MS" pitchFamily="34" charset="-128"/>
+                <a:cs typeface="Arial Unicode MS" pitchFamily="34" charset="-128"/>
+              </a:rPr>
+            </a:br>
+            <a:r>
+              <a:rPr lang="de-DE" sz="1100" b="1" kern="0" dirty="0" smtClean="0">
+                <a:solidFill>
+                  <a:schemeClr val="tx2">
+                    <a:lumMod val="50000"/>
+                  </a:schemeClr>
+                </a:solidFill>
+                <a:ea typeface="Arial Unicode MS" pitchFamily="34" charset="-128"/>
+                <a:cs typeface="Arial Unicode MS" pitchFamily="34" charset="-128"/>
+              </a:rPr>
+              <a:t>+ </a:t>
+            </a:r>
+            <a:r>
+              <a:rPr lang="de-DE" sz="1100" b="1" kern="0" dirty="0" err="1" smtClean="0">
+                <a:solidFill>
+                  <a:srgbClr val="FFC000"/>
+                </a:solidFill>
+                <a:ea typeface="Arial Unicode MS" pitchFamily="34" charset="-128"/>
+                <a:cs typeface="Arial Unicode MS" pitchFamily="34" charset="-128"/>
+              </a:rPr>
+              <a:t>Referer</a:t>
+            </a:r>
+            <a:endParaRPr lang="de-DE" sz="1100" b="1" kern="0" dirty="0" smtClean="0">
+              <a:solidFill>
+                <a:srgbClr val="FFC000"/>
+              </a:solidFill>
+              <a:ea typeface="Arial Unicode MS" pitchFamily="34" charset="-128"/>
+              <a:cs typeface="Arial Unicode MS" pitchFamily="34" charset="-128"/>
+            </a:endParaRPr>
+          </a:p>
+        </p:txBody>
+      </p:sp>
+      <p:sp>
+        <p:nvSpPr>
+          <p:cNvPr id="70" name="TextBox 69"/>
+          <p:cNvSpPr txBox="1"/>
+          <p:nvPr/>
+        </p:nvSpPr>
+        <p:spPr>
+          <a:xfrm rot="20031545">
+            <a:off x="7307598" y="3578538"/>
+            <a:ext cx="1734449" cy="338554"/>
+          </a:xfrm>
+          <a:prstGeom prst="rect">
+            <a:avLst/>
+          </a:prstGeom>
+          <a:noFill/>
+        </p:spPr>
+        <p:txBody>
+          <a:bodyPr wrap="none" lIns="0" tIns="0" rIns="0" bIns="0" rtlCol="0">
+            <a:spAutoFit/>
+          </a:bodyPr>
+          <a:lstStyle/>
+          <a:p>
+            <a:pPr algn="ctr" fontAlgn="base">
+              <a:spcBef>
+                <a:spcPct val="50000"/>
+              </a:spcBef>
+              <a:spcAft>
+                <a:spcPct val="0"/>
+              </a:spcAft>
+              <a:buClr>
+                <a:srgbClr val="F0AB00"/>
+              </a:buClr>
+              <a:buSzPct val="80000"/>
+            </a:pPr>
+            <a:r>
+              <a:rPr lang="de-DE" sz="1100" b="1" kern="0" dirty="0" smtClean="0">
+                <a:solidFill>
+                  <a:schemeClr val="tx2">
+                    <a:lumMod val="50000"/>
+                  </a:schemeClr>
+                </a:solidFill>
+                <a:ea typeface="Arial Unicode MS" pitchFamily="34" charset="-128"/>
+                <a:cs typeface="Arial Unicode MS" pitchFamily="34" charset="-128"/>
+              </a:rPr>
+              <a:t>URL:</a:t>
+            </a:r>
+            <a:br>
+              <a:rPr lang="de-DE" sz="1100" b="1" kern="0" dirty="0" smtClean="0">
+                <a:solidFill>
+                  <a:schemeClr val="tx2">
+                    <a:lumMod val="50000"/>
+                  </a:schemeClr>
+                </a:solidFill>
+                <a:ea typeface="Arial Unicode MS" pitchFamily="34" charset="-128"/>
+                <a:cs typeface="Arial Unicode MS" pitchFamily="34" charset="-128"/>
+              </a:rPr>
+            </a:br>
+            <a:r>
+              <a:rPr lang="de-DE" sz="1100" b="1" kern="0" dirty="0" smtClean="0">
+                <a:solidFill>
+                  <a:schemeClr val="tx2">
+                    <a:lumMod val="50000"/>
+                  </a:schemeClr>
+                </a:solidFill>
+                <a:ea typeface="Arial Unicode MS" pitchFamily="34" charset="-128"/>
+                <a:cs typeface="Arial Unicode MS" pitchFamily="34" charset="-128"/>
+              </a:rPr>
+              <a:t>App </a:t>
+            </a:r>
+            <a:r>
+              <a:rPr lang="de-DE" sz="1100" b="1" kern="0" dirty="0" smtClean="0">
+                <a:solidFill>
+                  <a:schemeClr val="tx2">
+                    <a:lumMod val="50000"/>
+                  </a:schemeClr>
+                </a:solidFill>
+                <a:ea typeface="Arial Unicode MS" pitchFamily="34" charset="-128"/>
+                <a:cs typeface="Arial Unicode MS" pitchFamily="34" charset="-128"/>
+              </a:rPr>
+              <a:t>Parameters + </a:t>
             </a:r>
             <a:r>
               <a:rPr lang="de-DE" sz="1100" b="1" kern="0" dirty="0" err="1" smtClean="0">
@@ -15451,7 +17050,7 @@
         </p:nvGrpSpPr>
         <p:grpSpPr>
           <a:xfrm>
-            <a:off x="9986019" y="4156317"/>
+            <a:off x="9986019" y="4582638"/>
             <a:ext cx="1440160" cy="1655468"/>
             <a:chOff x="467154" y="1976766"/>
             <a:chExt cx="3118619" cy="2202572"/>
@@ -15728,7 +17327,7 @@
         </p:nvSpPr>
         <p:spPr bwMode="gray">
           <a:xfrm>
-            <a:off x="10219191" y="5008801"/>
+            <a:off x="10219191" y="5512299"/>
             <a:ext cx="1083346" cy="263705"/>
           </a:xfrm>
           <a:prstGeom prst="rect">
@@ -15799,7 +17398,7 @@
         </p:nvCxnSpPr>
         <p:spPr>
           <a:xfrm flipH="1">
-            <a:off x="2281163" y="5157986"/>
+            <a:off x="2281163" y="5661484"/>
             <a:ext cx="7938028" cy="0"/>
           </a:xfrm>
           <a:prstGeom prst="straightConnector1">
@@ -15810,6 +17409,399 @@
               <a:schemeClr val="tx2">
                 <a:lumMod val="75000"/>
               </a:schemeClr>
+            </a:solidFill>
+            <a:prstDash val="sysDot"/>
+            <a:round/>
+            <a:tailEnd type="arrow"/>
+          </a:ln>
+          <a:effectLst>
+            <a:outerShdw blurRad="50800" dist="38100" dir="2700000" algn="tl" rotWithShape="0">
+              <a:prstClr val="black">
+                <a:alpha val="40000"/>
+              </a:prstClr>
+            </a:outerShdw>
+          </a:effectLst>
+        </p:spPr>
+        <p:style>
+          <a:lnRef idx="1">
+            <a:schemeClr val="accent1"/>
+          </a:lnRef>
+          <a:fillRef idx="0">
+            <a:schemeClr val="accent1"/>
+          </a:fillRef>
+          <a:effectRef idx="0">
+            <a:schemeClr val="accent1"/>
+          </a:effectRef>
+          <a:fontRef idx="minor">
+            <a:schemeClr val="tx1"/>
+          </a:fontRef>
+        </p:style>
+      </p:cxnSp>
+      <p:sp>
+        <p:nvSpPr>
+          <p:cNvPr id="123" name="TextBox 122"/>
+          <p:cNvSpPr txBox="1"/>
+          <p:nvPr/>
+        </p:nvSpPr>
+        <p:spPr>
+          <a:xfrm>
+            <a:off x="336948" y="1341562"/>
+            <a:ext cx="2304256" cy="276999"/>
+          </a:xfrm>
+          <a:prstGeom prst="rect">
+            <a:avLst/>
+          </a:prstGeom>
+          <a:noFill/>
+          <a:effectLst>
+            <a:outerShdw blurRad="38100" dist="12700" dir="2700000" algn="tl" rotWithShape="0">
+              <a:prstClr val="black">
+                <a:alpha val="40000"/>
+              </a:prstClr>
+            </a:outerShdw>
+          </a:effectLst>
+        </p:spPr>
+        <p:txBody>
+          <a:bodyPr wrap="square" lIns="0" tIns="0" rIns="0" bIns="0" rtlCol="0">
+            <a:spAutoFit/>
+          </a:bodyPr>
+          <a:lstStyle/>
+          <a:p>
+            <a:pPr algn="ctr" fontAlgn="base">
+              <a:spcBef>
+                <a:spcPct val="50000"/>
+              </a:spcBef>
+              <a:spcAft>
+                <a:spcPct val="0"/>
+              </a:spcAft>
+              <a:buClr>
+                <a:srgbClr val="F0AB00"/>
+              </a:buClr>
+              <a:buSzPct val="80000"/>
+            </a:pPr>
+            <a:r>
+              <a:rPr lang="de-DE" sz="1800" b="1" kern="0" dirty="0" smtClean="0">
+                <a:latin typeface="+mn-lt"/>
+                <a:ea typeface="Arial Unicode MS" pitchFamily="34" charset="-128"/>
+                <a:cs typeface="Arial Unicode MS" pitchFamily="34" charset="-128"/>
+              </a:rPr>
+              <a:t>Web Server</a:t>
+            </a:r>
+          </a:p>
+        </p:txBody>
+      </p:sp>
+      <p:sp>
+        <p:nvSpPr>
+          <p:cNvPr id="127" name="TextBox 126"/>
+          <p:cNvSpPr txBox="1"/>
+          <p:nvPr/>
+        </p:nvSpPr>
+        <p:spPr>
+          <a:xfrm>
+            <a:off x="7726978" y="2540437"/>
+            <a:ext cx="588303" cy="169277"/>
+          </a:xfrm>
+          <a:prstGeom prst="rect">
+            <a:avLst/>
+          </a:prstGeom>
+          <a:noFill/>
+        </p:spPr>
+        <p:txBody>
+          <a:bodyPr wrap="none" lIns="0" tIns="0" rIns="0" bIns="0" rtlCol="0">
+            <a:spAutoFit/>
+          </a:bodyPr>
+          <a:lstStyle/>
+          <a:p>
+            <a:pPr fontAlgn="base">
+              <a:spcBef>
+                <a:spcPct val="50000"/>
+              </a:spcBef>
+              <a:spcAft>
+                <a:spcPct val="0"/>
+              </a:spcAft>
+              <a:buClr>
+                <a:srgbClr val="F0AB00"/>
+              </a:buClr>
+              <a:buSzPct val="80000"/>
+            </a:pPr>
+            <a:r>
+              <a:rPr lang="de-DE" sz="1100" b="1" kern="0" dirty="0" err="1">
+                <a:solidFill>
+                  <a:schemeClr val="bg2">
+                    <a:lumMod val="50000"/>
+                  </a:schemeClr>
+                </a:solidFill>
+                <a:ea typeface="Arial Unicode MS" pitchFamily="34" charset="-128"/>
+                <a:cs typeface="Arial Unicode MS" pitchFamily="34" charset="-128"/>
+              </a:rPr>
+              <a:t>generate</a:t>
+            </a:r>
+            <a:endParaRPr lang="de-DE" sz="1100" b="1" kern="0" dirty="0">
+              <a:solidFill>
+                <a:schemeClr val="bg2">
+                  <a:lumMod val="50000"/>
+                </a:schemeClr>
+              </a:solidFill>
+              <a:ea typeface="Arial Unicode MS" pitchFamily="34" charset="-128"/>
+              <a:cs typeface="Arial Unicode MS" pitchFamily="34" charset="-128"/>
+            </a:endParaRPr>
+          </a:p>
+        </p:txBody>
+      </p:sp>
+      <p:sp>
+        <p:nvSpPr>
+          <p:cNvPr id="128" name="TextBox 127"/>
+          <p:cNvSpPr txBox="1"/>
+          <p:nvPr/>
+        </p:nvSpPr>
+        <p:spPr>
+          <a:xfrm>
+            <a:off x="7963675" y="4903461"/>
+            <a:ext cx="588303" cy="169277"/>
+          </a:xfrm>
+          <a:prstGeom prst="rect">
+            <a:avLst/>
+          </a:prstGeom>
+          <a:noFill/>
+        </p:spPr>
+        <p:txBody>
+          <a:bodyPr wrap="none" lIns="0" tIns="0" rIns="0" bIns="0" rtlCol="0">
+            <a:spAutoFit/>
+          </a:bodyPr>
+          <a:lstStyle/>
+          <a:p>
+            <a:pPr fontAlgn="base">
+              <a:spcBef>
+                <a:spcPct val="50000"/>
+              </a:spcBef>
+              <a:spcAft>
+                <a:spcPct val="0"/>
+              </a:spcAft>
+              <a:buClr>
+                <a:srgbClr val="F0AB00"/>
+              </a:buClr>
+              <a:buSzPct val="80000"/>
+            </a:pPr>
+            <a:r>
+              <a:rPr lang="de-DE" sz="1100" b="1" kern="0" dirty="0" err="1">
+                <a:solidFill>
+                  <a:schemeClr val="bg2">
+                    <a:lumMod val="50000"/>
+                  </a:schemeClr>
+                </a:solidFill>
+                <a:ea typeface="Arial Unicode MS" pitchFamily="34" charset="-128"/>
+                <a:cs typeface="Arial Unicode MS" pitchFamily="34" charset="-128"/>
+              </a:rPr>
+              <a:t>generate</a:t>
+            </a:r>
+            <a:endParaRPr lang="de-DE" sz="1100" b="1" kern="0" dirty="0">
+              <a:solidFill>
+                <a:schemeClr val="bg2">
+                  <a:lumMod val="50000"/>
+                </a:schemeClr>
+              </a:solidFill>
+              <a:ea typeface="Arial Unicode MS" pitchFamily="34" charset="-128"/>
+              <a:cs typeface="Arial Unicode MS" pitchFamily="34" charset="-128"/>
+            </a:endParaRPr>
+          </a:p>
+        </p:txBody>
+      </p:sp>
+      <p:pic>
+        <p:nvPicPr>
+          <p:cNvPr id="48" name="Picture 2" descr="Apple iPhone 5 16GB Weiss &amp; Silber"/>
+          <p:cNvPicPr>
+            <a:picLocks noChangeAspect="1" noChangeArrowheads="1"/>
+          </p:cNvPicPr>
+          <p:nvPr/>
+        </p:nvPicPr>
+        <p:blipFill>
+          <a:blip r:embed="rId3" cstate="print">
+            <a:extLst>
+              <a:ext uri="{28A0092B-C50C-407E-A947-70E740481C1C}">
+                <a14:useLocalDpi xmlns:a14="http://schemas.microsoft.com/office/drawing/2010/main" val="0"/>
+              </a:ext>
+            </a:extLst>
+          </a:blip>
+          <a:srcRect/>
+          <a:stretch>
+            <a:fillRect/>
+          </a:stretch>
+        </p:blipFill>
+        <p:spPr bwMode="auto">
+          <a:xfrm>
+            <a:off x="2929235" y="3501802"/>
+            <a:ext cx="936104" cy="1072619"/>
+          </a:xfrm>
+          <a:prstGeom prst="rect">
+            <a:avLst/>
+          </a:prstGeom>
+          <a:noFill/>
+          <a:extLst>
+            <a:ext uri="{909E8E84-426E-40DD-AFC4-6F175D3DCCD1}">
+              <a14:hiddenFill xmlns:a14="http://schemas.microsoft.com/office/drawing/2010/main">
+                <a:solidFill>
+                  <a:srgbClr val="FFFFFF"/>
+                </a:solidFill>
+              </a14:hiddenFill>
+            </a:ext>
+          </a:extLst>
+        </p:spPr>
+      </p:pic>
+      <p:sp>
+        <p:nvSpPr>
+          <p:cNvPr id="71" name="TextBox 70"/>
+          <p:cNvSpPr txBox="1"/>
+          <p:nvPr/>
+        </p:nvSpPr>
+        <p:spPr>
+          <a:xfrm>
+            <a:off x="6673652" y="5773138"/>
+            <a:ext cx="1431482" cy="338554"/>
+          </a:xfrm>
+          <a:prstGeom prst="rect">
+            <a:avLst/>
+          </a:prstGeom>
+          <a:noFill/>
+        </p:spPr>
+        <p:txBody>
+          <a:bodyPr wrap="none" lIns="0" tIns="0" rIns="0" bIns="0" rtlCol="0">
+            <a:spAutoFit/>
+          </a:bodyPr>
+          <a:lstStyle/>
+          <a:p>
+            <a:pPr algn="ctr" fontAlgn="base">
+              <a:spcBef>
+                <a:spcPct val="50000"/>
+              </a:spcBef>
+              <a:spcAft>
+                <a:spcPct val="0"/>
+              </a:spcAft>
+              <a:buClr>
+                <a:srgbClr val="F0AB00"/>
+              </a:buClr>
+              <a:buSzPct val="80000"/>
+            </a:pPr>
+            <a:r>
+              <a:rPr lang="de-DE" sz="1100" b="1" kern="0" dirty="0" smtClean="0">
+                <a:solidFill>
+                  <a:schemeClr val="tx2">
+                    <a:lumMod val="50000"/>
+                  </a:schemeClr>
+                </a:solidFill>
+                <a:ea typeface="Arial Unicode MS" pitchFamily="34" charset="-128"/>
+                <a:cs typeface="Arial Unicode MS" pitchFamily="34" charset="-128"/>
+              </a:rPr>
+              <a:t>URL:</a:t>
+            </a:r>
+            <a:br>
+              <a:rPr lang="de-DE" sz="1100" b="1" kern="0" dirty="0" smtClean="0">
+                <a:solidFill>
+                  <a:schemeClr val="tx2">
+                    <a:lumMod val="50000"/>
+                  </a:schemeClr>
+                </a:solidFill>
+                <a:ea typeface="Arial Unicode MS" pitchFamily="34" charset="-128"/>
+                <a:cs typeface="Arial Unicode MS" pitchFamily="34" charset="-128"/>
+              </a:rPr>
+            </a:br>
+            <a:r>
+              <a:rPr lang="de-DE" sz="1100" b="1" kern="0" dirty="0" smtClean="0">
+                <a:solidFill>
+                  <a:schemeClr val="tx2">
+                    <a:lumMod val="50000"/>
+                  </a:schemeClr>
+                </a:solidFill>
+                <a:ea typeface="Arial Unicode MS" pitchFamily="34" charset="-128"/>
+                <a:cs typeface="Arial Unicode MS" pitchFamily="34" charset="-128"/>
+              </a:rPr>
+              <a:t>Original IPA Location</a:t>
+            </a:r>
+            <a:endParaRPr lang="de-DE" sz="1100" b="1" kern="0" dirty="0" smtClean="0">
+              <a:solidFill>
+                <a:srgbClr val="FFC000"/>
+              </a:solidFill>
+              <a:ea typeface="Arial Unicode MS" pitchFamily="34" charset="-128"/>
+              <a:cs typeface="Arial Unicode MS" pitchFamily="34" charset="-128"/>
+            </a:endParaRPr>
+          </a:p>
+        </p:txBody>
+      </p:sp>
+      <p:sp>
+        <p:nvSpPr>
+          <p:cNvPr id="72" name="TextBox 71"/>
+          <p:cNvSpPr txBox="1"/>
+          <p:nvPr/>
+        </p:nvSpPr>
+        <p:spPr>
+          <a:xfrm>
+            <a:off x="7105698" y="1341561"/>
+            <a:ext cx="2304256" cy="276999"/>
+          </a:xfrm>
+          <a:prstGeom prst="rect">
+            <a:avLst/>
+          </a:prstGeom>
+          <a:noFill/>
+          <a:effectLst>
+            <a:outerShdw blurRad="38100" dist="12700" dir="2700000" algn="tl" rotWithShape="0">
+              <a:prstClr val="black">
+                <a:alpha val="40000"/>
+              </a:prstClr>
+            </a:outerShdw>
+          </a:effectLst>
+        </p:spPr>
+        <p:txBody>
+          <a:bodyPr wrap="square" lIns="0" tIns="0" rIns="0" bIns="0" rtlCol="0">
+            <a:spAutoFit/>
+          </a:bodyPr>
+          <a:lstStyle/>
+          <a:p>
+            <a:pPr algn="ctr" fontAlgn="base">
+              <a:spcBef>
+                <a:spcPct val="50000"/>
+              </a:spcBef>
+              <a:spcAft>
+                <a:spcPct val="0"/>
+              </a:spcAft>
+              <a:buClr>
+                <a:srgbClr val="F0AB00"/>
+              </a:buClr>
+              <a:buSzPct val="80000"/>
+            </a:pPr>
+            <a:r>
+              <a:rPr lang="de-DE" sz="1800" b="1" kern="0" dirty="0" smtClean="0">
+                <a:latin typeface="+mn-lt"/>
+                <a:ea typeface="Arial Unicode MS" pitchFamily="34" charset="-128"/>
+                <a:cs typeface="Arial Unicode MS" pitchFamily="34" charset="-128"/>
+              </a:rPr>
+              <a:t>OTA Web </a:t>
+            </a:r>
+            <a:r>
+              <a:rPr lang="de-DE" sz="1800" b="1" kern="0" dirty="0" smtClean="0">
+                <a:latin typeface="+mn-lt"/>
+                <a:ea typeface="Arial Unicode MS" pitchFamily="34" charset="-128"/>
+                <a:cs typeface="Arial Unicode MS" pitchFamily="34" charset="-128"/>
+              </a:rPr>
+              <a:t>Server</a:t>
+            </a:r>
+          </a:p>
+        </p:txBody>
+      </p:sp>
+      <p:cxnSp>
+        <p:nvCxnSpPr>
+          <p:cNvPr id="73" name="Straight Arrow Connector 72"/>
+          <p:cNvCxnSpPr/>
+          <p:nvPr/>
+        </p:nvCxnSpPr>
+        <p:spPr>
+          <a:xfrm flipV="1">
+            <a:off x="3649315" y="2925741"/>
+            <a:ext cx="2232248" cy="864093"/>
+          </a:xfrm>
+          <a:prstGeom prst="straightConnector1">
+            <a:avLst/>
+          </a:prstGeom>
+          <a:ln w="38100">
+            <a:solidFill>
+              <a:srgbClr val="FFC000"/>
             </a:solidFill>
             <a:round/>
             <a:tailEnd type="arrow"/>
@@ -15837,23 +17829,459 @@
           </a:fontRef>
         </p:style>
       </p:cxnSp>
+      <p:cxnSp>
+        <p:nvCxnSpPr>
+          <p:cNvPr id="76" name="Straight Arrow Connector 75"/>
+          <p:cNvCxnSpPr/>
+          <p:nvPr/>
+        </p:nvCxnSpPr>
+        <p:spPr>
+          <a:xfrm>
+            <a:off x="3649315" y="4306266"/>
+            <a:ext cx="2232248" cy="681833"/>
+          </a:xfrm>
+          <a:prstGeom prst="straightConnector1">
+            <a:avLst/>
+          </a:prstGeom>
+          <a:ln w="38100">
+            <a:solidFill>
+              <a:srgbClr val="FFC000"/>
+            </a:solidFill>
+            <a:round/>
+            <a:tailEnd type="arrow"/>
+          </a:ln>
+          <a:effectLst>
+            <a:outerShdw blurRad="50800" dist="38100" dir="2700000" algn="tl" rotWithShape="0">
+              <a:prstClr val="black">
+                <a:alpha val="40000"/>
+              </a:prstClr>
+            </a:outerShdw>
+          </a:effectLst>
+        </p:spPr>
+        <p:style>
+          <a:lnRef idx="1">
+            <a:schemeClr val="accent1"/>
+          </a:lnRef>
+          <a:fillRef idx="0">
+            <a:schemeClr val="accent1"/>
+          </a:fillRef>
+          <a:effectRef idx="0">
+            <a:schemeClr val="accent1"/>
+          </a:effectRef>
+          <a:fontRef idx="minor">
+            <a:schemeClr val="tx1"/>
+          </a:fontRef>
+        </p:style>
+      </p:cxnSp>
+      <p:cxnSp>
+        <p:nvCxnSpPr>
+          <p:cNvPr id="93" name="Straight Arrow Connector 92"/>
+          <p:cNvCxnSpPr/>
+          <p:nvPr/>
+        </p:nvCxnSpPr>
+        <p:spPr>
+          <a:xfrm flipH="1" flipV="1">
+            <a:off x="2281164" y="3558127"/>
+            <a:ext cx="862188" cy="231707"/>
+          </a:xfrm>
+          <a:prstGeom prst="straightConnector1">
+            <a:avLst/>
+          </a:prstGeom>
+          <a:ln w="38100">
+            <a:solidFill>
+              <a:srgbClr val="FFC000"/>
+            </a:solidFill>
+            <a:round/>
+            <a:tailEnd type="arrow"/>
+          </a:ln>
+          <a:effectLst>
+            <a:outerShdw blurRad="50800" dist="38100" dir="2700000" algn="tl" rotWithShape="0">
+              <a:prstClr val="black">
+                <a:alpha val="40000"/>
+              </a:prstClr>
+            </a:outerShdw>
+          </a:effectLst>
+        </p:spPr>
+        <p:style>
+          <a:lnRef idx="1">
+            <a:schemeClr val="accent1"/>
+          </a:lnRef>
+          <a:fillRef idx="0">
+            <a:schemeClr val="accent1"/>
+          </a:fillRef>
+          <a:effectRef idx="0">
+            <a:schemeClr val="accent1"/>
+          </a:effectRef>
+          <a:fontRef idx="minor">
+            <a:schemeClr val="tx1"/>
+          </a:fontRef>
+        </p:style>
+      </p:cxnSp>
+      <p:cxnSp>
+        <p:nvCxnSpPr>
+          <p:cNvPr id="94" name="Straight Arrow Connector 93"/>
+          <p:cNvCxnSpPr/>
+          <p:nvPr/>
+        </p:nvCxnSpPr>
+        <p:spPr>
+          <a:xfrm flipH="1">
+            <a:off x="2281164" y="4281860"/>
+            <a:ext cx="862188" cy="292561"/>
+          </a:xfrm>
+          <a:prstGeom prst="straightConnector1">
+            <a:avLst/>
+          </a:prstGeom>
+          <a:ln w="38100">
+            <a:solidFill>
+              <a:srgbClr val="FFC000"/>
+            </a:solidFill>
+            <a:round/>
+            <a:tailEnd type="arrow"/>
+          </a:ln>
+          <a:effectLst>
+            <a:outerShdw blurRad="50800" dist="38100" dir="2700000" algn="tl" rotWithShape="0">
+              <a:prstClr val="black">
+                <a:alpha val="40000"/>
+              </a:prstClr>
+            </a:outerShdw>
+          </a:effectLst>
+        </p:spPr>
+        <p:style>
+          <a:lnRef idx="1">
+            <a:schemeClr val="accent1"/>
+          </a:lnRef>
+          <a:fillRef idx="0">
+            <a:schemeClr val="accent1"/>
+          </a:fillRef>
+          <a:effectRef idx="0">
+            <a:schemeClr val="accent1"/>
+          </a:effectRef>
+          <a:fontRef idx="minor">
+            <a:schemeClr val="tx1"/>
+          </a:fontRef>
+        </p:style>
+      </p:cxnSp>
+      <p:sp>
+        <p:nvSpPr>
+          <p:cNvPr id="75" name="Oval 74"/>
+          <p:cNvSpPr/>
+          <p:nvPr/>
+        </p:nvSpPr>
+        <p:spPr bwMode="gray">
+          <a:xfrm>
+            <a:off x="2935687" y="3398436"/>
+            <a:ext cx="216978" cy="208506"/>
+          </a:xfrm>
+          <a:prstGeom prst="ellipse">
+            <a:avLst/>
+          </a:prstGeom>
+          <a:solidFill>
+            <a:schemeClr val="accent1"/>
+          </a:solidFill>
+          <a:ln w="6350" algn="ctr">
+            <a:noFill/>
+            <a:miter lim="800000"/>
+            <a:headEnd/>
+            <a:tailEnd/>
+          </a:ln>
+        </p:spPr>
+        <p:txBody>
+          <a:bodyPr lIns="90000" tIns="72000" rIns="90000" bIns="72000" rtlCol="0" anchor="ctr"/>
+          <a:lstStyle/>
+          <a:p>
+            <a:pPr marR="0" algn="ctr" defTabSz="914400" eaLnBrk="1" fontAlgn="base" latinLnBrk="0" hangingPunct="1">
+              <a:lnSpc>
+                <a:spcPct val="100000"/>
+              </a:lnSpc>
+              <a:spcBef>
+                <a:spcPct val="50000"/>
+              </a:spcBef>
+              <a:spcAft>
+                <a:spcPct val="0"/>
+              </a:spcAft>
+              <a:buClr>
+                <a:srgbClr val="F0AB00"/>
+              </a:buClr>
+              <a:buSzPct val="80000"/>
+              <a:tabLst/>
+            </a:pPr>
+            <a:r>
+              <a:rPr kumimoji="0" lang="de-DE" sz="1400" b="1" i="0" u="none" strike="noStrike" kern="0" cap="none" spc="0" normalizeH="0" baseline="0" noProof="0" dirty="0" smtClean="0">
+                <a:ln>
+                  <a:noFill/>
+                </a:ln>
+                <a:solidFill>
+                  <a:schemeClr val="bg1"/>
+                </a:solidFill>
+                <a:effectLst/>
+                <a:uLnTx/>
+                <a:uFillTx/>
+                <a:ea typeface="Arial Unicode MS" pitchFamily="34" charset="-128"/>
+                <a:cs typeface="Arial Unicode MS" pitchFamily="34" charset="-128"/>
+              </a:rPr>
+              <a:t>1</a:t>
+            </a:r>
+            <a:endParaRPr kumimoji="0" lang="en-US" sz="1400" b="1" i="0" u="none" strike="noStrike" kern="0" cap="none" spc="0" normalizeH="0" baseline="0" noProof="0" dirty="0" err="1" smtClean="0">
+              <a:ln>
+                <a:noFill/>
+              </a:ln>
+              <a:solidFill>
+                <a:schemeClr val="bg1"/>
+              </a:solidFill>
+              <a:effectLst/>
+              <a:uLnTx/>
+              <a:uFillTx/>
+              <a:ea typeface="Arial Unicode MS" pitchFamily="34" charset="-128"/>
+              <a:cs typeface="Arial Unicode MS" pitchFamily="34" charset="-128"/>
+            </a:endParaRPr>
+          </a:p>
+        </p:txBody>
+      </p:sp>
+      <p:sp>
+        <p:nvSpPr>
+          <p:cNvPr id="100" name="Oval 99"/>
+          <p:cNvSpPr/>
+          <p:nvPr/>
+        </p:nvSpPr>
+        <p:spPr bwMode="gray">
+          <a:xfrm>
+            <a:off x="3648361" y="3402373"/>
+            <a:ext cx="216978" cy="208506"/>
+          </a:xfrm>
+          <a:prstGeom prst="ellipse">
+            <a:avLst/>
+          </a:prstGeom>
+          <a:solidFill>
+            <a:schemeClr val="accent1"/>
+          </a:solidFill>
+          <a:ln w="6350" algn="ctr">
+            <a:noFill/>
+            <a:miter lim="800000"/>
+            <a:headEnd/>
+            <a:tailEnd/>
+          </a:ln>
+        </p:spPr>
+        <p:txBody>
+          <a:bodyPr lIns="90000" tIns="72000" rIns="90000" bIns="72000" rtlCol="0" anchor="ctr"/>
+          <a:lstStyle/>
+          <a:p>
+            <a:pPr marR="0" algn="ctr" defTabSz="914400" eaLnBrk="1" fontAlgn="base" latinLnBrk="0" hangingPunct="1">
+              <a:lnSpc>
+                <a:spcPct val="100000"/>
+              </a:lnSpc>
+              <a:spcBef>
+                <a:spcPct val="50000"/>
+              </a:spcBef>
+              <a:spcAft>
+                <a:spcPct val="0"/>
+              </a:spcAft>
+              <a:buClr>
+                <a:srgbClr val="F0AB00"/>
+              </a:buClr>
+              <a:buSzPct val="80000"/>
+              <a:tabLst/>
+            </a:pPr>
+            <a:r>
+              <a:rPr kumimoji="0" lang="de-DE" sz="1400" b="1" i="0" u="none" strike="noStrike" kern="0" cap="none" spc="0" normalizeH="0" baseline="0" noProof="0" dirty="0" smtClean="0">
+                <a:ln>
+                  <a:noFill/>
+                </a:ln>
+                <a:solidFill>
+                  <a:schemeClr val="bg1"/>
+                </a:solidFill>
+                <a:effectLst/>
+                <a:uLnTx/>
+                <a:uFillTx/>
+                <a:ea typeface="Arial Unicode MS" pitchFamily="34" charset="-128"/>
+                <a:cs typeface="Arial Unicode MS" pitchFamily="34" charset="-128"/>
+              </a:rPr>
+              <a:t>2</a:t>
+            </a:r>
+            <a:endParaRPr kumimoji="0" lang="en-US" sz="1400" b="1" i="0" u="none" strike="noStrike" kern="0" cap="none" spc="0" normalizeH="0" baseline="0" noProof="0" dirty="0" err="1" smtClean="0">
+              <a:ln>
+                <a:noFill/>
+              </a:ln>
+              <a:solidFill>
+                <a:schemeClr val="bg1"/>
+              </a:solidFill>
+              <a:effectLst/>
+              <a:uLnTx/>
+              <a:uFillTx/>
+              <a:ea typeface="Arial Unicode MS" pitchFamily="34" charset="-128"/>
+              <a:cs typeface="Arial Unicode MS" pitchFamily="34" charset="-128"/>
+            </a:endParaRPr>
+          </a:p>
+        </p:txBody>
+      </p:sp>
+      <p:sp>
+        <p:nvSpPr>
+          <p:cNvPr id="101" name="Oval 100"/>
+          <p:cNvSpPr/>
+          <p:nvPr/>
+        </p:nvSpPr>
+        <p:spPr bwMode="gray">
+          <a:xfrm>
+            <a:off x="3648361" y="4448977"/>
+            <a:ext cx="216978" cy="208506"/>
+          </a:xfrm>
+          <a:prstGeom prst="ellipse">
+            <a:avLst/>
+          </a:prstGeom>
+          <a:solidFill>
+            <a:schemeClr val="accent1"/>
+          </a:solidFill>
+          <a:ln w="6350" algn="ctr">
+            <a:noFill/>
+            <a:miter lim="800000"/>
+            <a:headEnd/>
+            <a:tailEnd/>
+          </a:ln>
+        </p:spPr>
+        <p:txBody>
+          <a:bodyPr lIns="90000" tIns="72000" rIns="90000" bIns="72000" rtlCol="0" anchor="ctr"/>
+          <a:lstStyle/>
+          <a:p>
+            <a:pPr marR="0" algn="ctr" defTabSz="914400" eaLnBrk="1" fontAlgn="base" latinLnBrk="0" hangingPunct="1">
+              <a:lnSpc>
+                <a:spcPct val="100000"/>
+              </a:lnSpc>
+              <a:spcBef>
+                <a:spcPct val="50000"/>
+              </a:spcBef>
+              <a:spcAft>
+                <a:spcPct val="0"/>
+              </a:spcAft>
+              <a:buClr>
+                <a:srgbClr val="F0AB00"/>
+              </a:buClr>
+              <a:buSzPct val="80000"/>
+              <a:tabLst/>
+            </a:pPr>
+            <a:r>
+              <a:rPr kumimoji="0" lang="de-DE" sz="1400" b="1" i="0" u="none" strike="noStrike" kern="0" cap="none" spc="0" normalizeH="0" baseline="0" noProof="0" dirty="0" smtClean="0">
+                <a:ln>
+                  <a:noFill/>
+                </a:ln>
+                <a:solidFill>
+                  <a:schemeClr val="bg1"/>
+                </a:solidFill>
+                <a:effectLst/>
+                <a:uLnTx/>
+                <a:uFillTx/>
+                <a:ea typeface="Arial Unicode MS" pitchFamily="34" charset="-128"/>
+                <a:cs typeface="Arial Unicode MS" pitchFamily="34" charset="-128"/>
+              </a:rPr>
+              <a:t>3</a:t>
+            </a:r>
+            <a:endParaRPr kumimoji="0" lang="en-US" sz="1400" b="1" i="0" u="none" strike="noStrike" kern="0" cap="none" spc="0" normalizeH="0" baseline="0" noProof="0" dirty="0" err="1" smtClean="0">
+              <a:ln>
+                <a:noFill/>
+              </a:ln>
+              <a:solidFill>
+                <a:schemeClr val="bg1"/>
+              </a:solidFill>
+              <a:effectLst/>
+              <a:uLnTx/>
+              <a:uFillTx/>
+              <a:ea typeface="Arial Unicode MS" pitchFamily="34" charset="-128"/>
+              <a:cs typeface="Arial Unicode MS" pitchFamily="34" charset="-128"/>
+            </a:endParaRPr>
+          </a:p>
+        </p:txBody>
+      </p:sp>
+      <p:sp>
+        <p:nvSpPr>
+          <p:cNvPr id="102" name="Oval 101"/>
+          <p:cNvSpPr/>
+          <p:nvPr/>
+        </p:nvSpPr>
+        <p:spPr bwMode="gray">
+          <a:xfrm>
+            <a:off x="2935687" y="4442755"/>
+            <a:ext cx="216978" cy="208506"/>
+          </a:xfrm>
+          <a:prstGeom prst="ellipse">
+            <a:avLst/>
+          </a:prstGeom>
+          <a:solidFill>
+            <a:schemeClr val="accent1"/>
+          </a:solidFill>
+          <a:ln w="6350" algn="ctr">
+            <a:noFill/>
+            <a:miter lim="800000"/>
+            <a:headEnd/>
+            <a:tailEnd/>
+          </a:ln>
+        </p:spPr>
+        <p:txBody>
+          <a:bodyPr lIns="90000" tIns="72000" rIns="90000" bIns="72000" rtlCol="0" anchor="ctr"/>
+          <a:lstStyle/>
+          <a:p>
+            <a:pPr marR="0" algn="ctr" defTabSz="914400" eaLnBrk="1" fontAlgn="base" latinLnBrk="0" hangingPunct="1">
+              <a:lnSpc>
+                <a:spcPct val="100000"/>
+              </a:lnSpc>
+              <a:spcBef>
+                <a:spcPct val="50000"/>
+              </a:spcBef>
+              <a:spcAft>
+                <a:spcPct val="0"/>
+              </a:spcAft>
+              <a:buClr>
+                <a:srgbClr val="F0AB00"/>
+              </a:buClr>
+              <a:buSzPct val="80000"/>
+              <a:tabLst/>
+            </a:pPr>
+            <a:r>
+              <a:rPr kumimoji="0" lang="de-DE" sz="1400" b="1" i="0" u="none" strike="noStrike" kern="0" cap="none" spc="0" normalizeH="0" baseline="0" noProof="0" dirty="0" smtClean="0">
+                <a:ln>
+                  <a:noFill/>
+                </a:ln>
+                <a:solidFill>
+                  <a:schemeClr val="bg1"/>
+                </a:solidFill>
+                <a:effectLst/>
+                <a:uLnTx/>
+                <a:uFillTx/>
+                <a:ea typeface="Arial Unicode MS" pitchFamily="34" charset="-128"/>
+                <a:cs typeface="Arial Unicode MS" pitchFamily="34" charset="-128"/>
+              </a:rPr>
+              <a:t>4</a:t>
+            </a:r>
+            <a:endParaRPr kumimoji="0" lang="en-US" sz="1400" b="1" i="0" u="none" strike="noStrike" kern="0" cap="none" spc="0" normalizeH="0" baseline="0" noProof="0" dirty="0" err="1" smtClean="0">
+              <a:ln>
+                <a:noFill/>
+              </a:ln>
+              <a:solidFill>
+                <a:schemeClr val="bg1"/>
+              </a:solidFill>
+              <a:effectLst/>
+              <a:uLnTx/>
+              <a:uFillTx/>
+              <a:ea typeface="Arial Unicode MS" pitchFamily="34" charset="-128"/>
+              <a:cs typeface="Arial Unicode MS" pitchFamily="34" charset="-128"/>
+            </a:endParaRPr>
+          </a:p>
+        </p:txBody>
+      </p:sp>
       <p:grpSp>
         <p:nvGrpSpPr>
-          <p:cNvPr id="118" name="Group 117"/>
+          <p:cNvPr id="60" name="Group 59"/>
           <p:cNvGrpSpPr/>
           <p:nvPr/>
         </p:nvGrpSpPr>
         <p:grpSpPr>
           <a:xfrm>
-            <a:off x="3217267" y="1773610"/>
-            <a:ext cx="984737" cy="4680520"/>
-            <a:chOff x="2785219" y="1485578"/>
-            <a:chExt cx="984737" cy="4680520"/>
+            <a:off x="4278855" y="1773610"/>
+            <a:ext cx="636504" cy="4680520"/>
+            <a:chOff x="2959336" y="1485578"/>
+            <a:chExt cx="636504" cy="4680520"/>
           </a:xfrm>
         </p:grpSpPr>
         <p:cxnSp>
           <p:nvCxnSpPr>
-            <p:cNvPr id="113" name="Straight Connector 112"/>
+            <p:cNvPr id="62" name="Straight Connector 61"/>
             <p:cNvCxnSpPr/>
             <p:nvPr/>
           </p:nvCxnSpPr>
@@ -15894,14 +18322,14 @@
         </p:cxnSp>
         <p:pic>
           <p:nvPicPr>
-            <p:cNvPr id="1027" name="Picture 3" descr="C:\Users\d036706\AppData\Local\Microsoft\Windows\Temporary Internet Files\Low\Content.IE5\RRJAPOLF\MC900431622[1].PNG"/>
+            <p:cNvPr id="67" name="Picture 3" descr="C:\Users\d036706\AppData\Local\Microsoft\Windows\Temporary Internet Files\Low\Content.IE5\RRJAPOLF\MC900431622[1].PNG"/>
             <p:cNvPicPr>
               <a:picLocks noChangeAspect="1" noChangeArrowheads="1"/>
             </p:cNvPicPr>
             <p:nvPr/>
           </p:nvPicPr>
           <p:blipFill>
-            <a:blip r:embed="rId3">
+            <a:blip r:embed="rId4" cstate="print">
               <a:extLst>
                 <a:ext uri="{28A0092B-C50C-407E-A947-70E740481C1C}">
                   <a14:useLocalDpi xmlns:a14="http://schemas.microsoft.com/office/drawing/2010/main" val="0"/>
@@ -15915,8 +18343,8 @@
           </p:blipFill>
           <p:spPr bwMode="auto">
             <a:xfrm>
-              <a:off x="2785219" y="3045148"/>
-              <a:ext cx="984737" cy="984737"/>
+              <a:off x="2959336" y="3369354"/>
+              <a:ext cx="636504" cy="636504"/>
             </a:xfrm>
             <a:prstGeom prst="rect">
               <a:avLst/>
@@ -15934,296 +18362,10 @@
           </p:spPr>
         </p:pic>
       </p:grpSp>
-      <p:sp>
-        <p:nvSpPr>
-          <p:cNvPr id="123" name="TextBox 122"/>
-          <p:cNvSpPr txBox="1"/>
-          <p:nvPr/>
-        </p:nvSpPr>
-        <p:spPr>
-          <a:xfrm>
-            <a:off x="336948" y="1341562"/>
-            <a:ext cx="2304256" cy="276999"/>
-          </a:xfrm>
-          <a:prstGeom prst="rect">
-            <a:avLst/>
-          </a:prstGeom>
-          <a:noFill/>
-          <a:effectLst>
-            <a:outerShdw blurRad="38100" dist="12700" dir="2700000" algn="tl" rotWithShape="0">
-              <a:prstClr val="black">
-                <a:alpha val="40000"/>
-              </a:prstClr>
-            </a:outerShdw>
-          </a:effectLst>
-        </p:spPr>
-        <p:txBody>
-          <a:bodyPr wrap="square" lIns="0" tIns="0" rIns="0" bIns="0" rtlCol="0">
-            <a:spAutoFit/>
-          </a:bodyPr>
-          <a:lstStyle/>
-          <a:p>
-            <a:pPr algn="ctr" fontAlgn="base">
-              <a:spcBef>
-                <a:spcPct val="50000"/>
-              </a:spcBef>
-              <a:spcAft>
-                <a:spcPct val="0"/>
-              </a:spcAft>
-              <a:buClr>
-                <a:srgbClr val="F0AB00"/>
-              </a:buClr>
-              <a:buSzPct val="80000"/>
-            </a:pPr>
-            <a:r>
-              <a:rPr lang="de-DE" sz="1800" b="1" kern="0" dirty="0" smtClean="0">
-                <a:latin typeface="+mn-lt"/>
-                <a:ea typeface="Arial Unicode MS" pitchFamily="34" charset="-128"/>
-                <a:cs typeface="Arial Unicode MS" pitchFamily="34" charset="-128"/>
-              </a:rPr>
-              <a:t>Internal Web Server</a:t>
-            </a:r>
-          </a:p>
-        </p:txBody>
-      </p:sp>
-      <p:sp>
-        <p:nvSpPr>
-          <p:cNvPr id="126" name="TextBox 125"/>
-          <p:cNvSpPr txBox="1"/>
-          <p:nvPr/>
-        </p:nvSpPr>
-        <p:spPr>
-          <a:xfrm>
-            <a:off x="3933572" y="1341562"/>
-            <a:ext cx="6158584" cy="276999"/>
-          </a:xfrm>
-          <a:prstGeom prst="rect">
-            <a:avLst/>
-          </a:prstGeom>
-          <a:noFill/>
-          <a:effectLst>
-            <a:outerShdw blurRad="38100" dist="12700" dir="2700000" algn="tl" rotWithShape="0">
-              <a:prstClr val="black">
-                <a:alpha val="40000"/>
-              </a:prstClr>
-            </a:outerShdw>
-          </a:effectLst>
-        </p:spPr>
-        <p:txBody>
-          <a:bodyPr wrap="square" lIns="0" tIns="0" rIns="0" bIns="0" rtlCol="0">
-            <a:spAutoFit/>
-          </a:bodyPr>
-          <a:lstStyle/>
-          <a:p>
-            <a:pPr algn="ctr" fontAlgn="base">
-              <a:spcBef>
-                <a:spcPct val="50000"/>
-              </a:spcBef>
-              <a:spcAft>
-                <a:spcPct val="0"/>
-              </a:spcAft>
-              <a:buClr>
-                <a:srgbClr val="F0AB00"/>
-              </a:buClr>
-              <a:buSzPct val="80000"/>
-            </a:pPr>
-            <a:r>
-              <a:rPr lang="de-DE" sz="1800" b="1" kern="0" dirty="0" smtClean="0">
-                <a:latin typeface="+mn-lt"/>
-                <a:ea typeface="Arial Unicode MS" pitchFamily="34" charset="-128"/>
-                <a:cs typeface="Arial Unicode MS" pitchFamily="34" charset="-128"/>
-              </a:rPr>
-              <a:t>Internet</a:t>
-            </a:r>
-          </a:p>
-        </p:txBody>
-      </p:sp>
-      <p:sp>
-        <p:nvSpPr>
-          <p:cNvPr id="127" name="TextBox 126"/>
-          <p:cNvSpPr txBox="1"/>
-          <p:nvPr/>
-        </p:nvSpPr>
-        <p:spPr>
-          <a:xfrm>
-            <a:off x="7726978" y="2540437"/>
-            <a:ext cx="588303" cy="169277"/>
-          </a:xfrm>
-          <a:prstGeom prst="rect">
-            <a:avLst/>
-          </a:prstGeom>
-          <a:noFill/>
-        </p:spPr>
-        <p:txBody>
-          <a:bodyPr wrap="none" lIns="0" tIns="0" rIns="0" bIns="0" rtlCol="0">
-            <a:spAutoFit/>
-          </a:bodyPr>
-          <a:lstStyle/>
-          <a:p>
-            <a:pPr fontAlgn="base">
-              <a:spcBef>
-                <a:spcPct val="50000"/>
-              </a:spcBef>
-              <a:spcAft>
-                <a:spcPct val="0"/>
-              </a:spcAft>
-              <a:buClr>
-                <a:srgbClr val="F0AB00"/>
-              </a:buClr>
-              <a:buSzPct val="80000"/>
-            </a:pPr>
-            <a:r>
-              <a:rPr lang="de-DE" sz="1100" b="1" kern="0" dirty="0" err="1">
-                <a:solidFill>
-                  <a:schemeClr val="bg2">
-                    <a:lumMod val="50000"/>
-                  </a:schemeClr>
-                </a:solidFill>
-                <a:ea typeface="Arial Unicode MS" pitchFamily="34" charset="-128"/>
-                <a:cs typeface="Arial Unicode MS" pitchFamily="34" charset="-128"/>
-              </a:rPr>
-              <a:t>generate</a:t>
-            </a:r>
-            <a:endParaRPr lang="de-DE" sz="1100" b="1" kern="0" dirty="0">
-              <a:solidFill>
-                <a:schemeClr val="bg2">
-                  <a:lumMod val="50000"/>
-                </a:schemeClr>
-              </a:solidFill>
-              <a:ea typeface="Arial Unicode MS" pitchFamily="34" charset="-128"/>
-              <a:cs typeface="Arial Unicode MS" pitchFamily="34" charset="-128"/>
-            </a:endParaRPr>
-          </a:p>
-        </p:txBody>
-      </p:sp>
-      <p:sp>
-        <p:nvSpPr>
-          <p:cNvPr id="128" name="TextBox 127"/>
-          <p:cNvSpPr txBox="1"/>
-          <p:nvPr/>
-        </p:nvSpPr>
-        <p:spPr>
-          <a:xfrm rot="1026420">
-            <a:off x="8599109" y="4101372"/>
-            <a:ext cx="588303" cy="169277"/>
-          </a:xfrm>
-          <a:prstGeom prst="rect">
-            <a:avLst/>
-          </a:prstGeom>
-          <a:noFill/>
-        </p:spPr>
-        <p:txBody>
-          <a:bodyPr wrap="none" lIns="0" tIns="0" rIns="0" bIns="0" rtlCol="0">
-            <a:spAutoFit/>
-          </a:bodyPr>
-          <a:lstStyle/>
-          <a:p>
-            <a:pPr fontAlgn="base">
-              <a:spcBef>
-                <a:spcPct val="50000"/>
-              </a:spcBef>
-              <a:spcAft>
-                <a:spcPct val="0"/>
-              </a:spcAft>
-              <a:buClr>
-                <a:srgbClr val="F0AB00"/>
-              </a:buClr>
-              <a:buSzPct val="80000"/>
-            </a:pPr>
-            <a:r>
-              <a:rPr lang="de-DE" sz="1100" b="1" kern="0" dirty="0" err="1">
-                <a:solidFill>
-                  <a:schemeClr val="bg2">
-                    <a:lumMod val="50000"/>
-                  </a:schemeClr>
-                </a:solidFill>
-                <a:ea typeface="Arial Unicode MS" pitchFamily="34" charset="-128"/>
-                <a:cs typeface="Arial Unicode MS" pitchFamily="34" charset="-128"/>
-              </a:rPr>
-              <a:t>generate</a:t>
-            </a:r>
-            <a:endParaRPr lang="de-DE" sz="1100" b="1" kern="0" dirty="0">
-              <a:solidFill>
-                <a:schemeClr val="bg2">
-                  <a:lumMod val="50000"/>
-                </a:schemeClr>
-              </a:solidFill>
-              <a:ea typeface="Arial Unicode MS" pitchFamily="34" charset="-128"/>
-              <a:cs typeface="Arial Unicode MS" pitchFamily="34" charset="-128"/>
-            </a:endParaRPr>
-          </a:p>
-        </p:txBody>
-      </p:sp>
-      <p:sp>
-        <p:nvSpPr>
-          <p:cNvPr id="67" name="TextBox 66"/>
-          <p:cNvSpPr txBox="1"/>
-          <p:nvPr/>
-        </p:nvSpPr>
-        <p:spPr>
-          <a:xfrm>
-            <a:off x="3865339" y="2540437"/>
-            <a:ext cx="1734449" cy="169277"/>
-          </a:xfrm>
-          <a:prstGeom prst="rect">
-            <a:avLst/>
-          </a:prstGeom>
-          <a:noFill/>
-        </p:spPr>
-        <p:txBody>
-          <a:bodyPr wrap="none" lIns="0" tIns="0" rIns="0" bIns="0" rtlCol="0">
-            <a:spAutoFit/>
-          </a:bodyPr>
-          <a:lstStyle/>
-          <a:p>
-            <a:pPr fontAlgn="base">
-              <a:spcBef>
-                <a:spcPct val="50000"/>
-              </a:spcBef>
-              <a:spcAft>
-                <a:spcPct val="0"/>
-              </a:spcAft>
-              <a:buClr>
-                <a:srgbClr val="F0AB00"/>
-              </a:buClr>
-              <a:buSzPct val="80000"/>
-            </a:pPr>
-            <a:r>
-              <a:rPr lang="de-DE" sz="1100" b="1" kern="0" dirty="0" smtClean="0">
-                <a:solidFill>
-                  <a:schemeClr val="tx2">
-                    <a:lumMod val="50000"/>
-                  </a:schemeClr>
-                </a:solidFill>
-                <a:ea typeface="Arial Unicode MS" pitchFamily="34" charset="-128"/>
-                <a:cs typeface="Arial Unicode MS" pitchFamily="34" charset="-128"/>
-              </a:rPr>
-              <a:t>App Parameters + </a:t>
-            </a:r>
-            <a:r>
-              <a:rPr lang="de-DE" sz="1100" b="1" kern="0" dirty="0" err="1" smtClean="0">
-                <a:solidFill>
-                  <a:srgbClr val="FFC000"/>
-                </a:solidFill>
-                <a:ea typeface="Arial Unicode MS" pitchFamily="34" charset="-128"/>
-                <a:cs typeface="Arial Unicode MS" pitchFamily="34" charset="-128"/>
-              </a:rPr>
-              <a:t>Referer</a:t>
-            </a:r>
-            <a:endParaRPr lang="de-DE" sz="1100" b="1" kern="0" dirty="0" smtClean="0">
-              <a:solidFill>
-                <a:srgbClr val="FFC000"/>
-              </a:solidFill>
-              <a:ea typeface="Arial Unicode MS" pitchFamily="34" charset="-128"/>
-              <a:cs typeface="Arial Unicode MS" pitchFamily="34" charset="-128"/>
-            </a:endParaRPr>
-          </a:p>
-        </p:txBody>
-      </p:sp>
     </p:spTree>
     <p:extLst>
       <p:ext uri="{BB962C8B-B14F-4D97-AF65-F5344CB8AC3E}">
-        <p14:creationId xmlns:p14="http://schemas.microsoft.com/office/powerpoint/2010/main" val="1803351731"/>
+        <p14:creationId xmlns:p14="http://schemas.microsoft.com/office/powerpoint/2010/main" val="1967837272"/>
       </p:ext>
     </p:extLst>
   </p:cSld>
@@ -16257,47 +18399,89 @@
           <a:chExt cx="0" cy="0"/>
         </a:xfrm>
       </p:grpSpPr>
-      <p:pic>
-        <p:nvPicPr>
-          <p:cNvPr id="1026" name="Picture 2" descr="Apple iPhone 5 16GB Weiss &amp; Silber"/>
-          <p:cNvPicPr>
-            <a:picLocks noChangeAspect="1" noChangeArrowheads="1"/>
-          </p:cNvPicPr>
+      <p:sp>
+        <p:nvSpPr>
+          <p:cNvPr id="66" name="Rectangle 65"/>
+          <p:cNvSpPr/>
           <p:nvPr/>
-        </p:nvPicPr>
-        <p:blipFill>
-          <a:blip r:embed="rId3" cstate="print">
-            <a:extLst>
-              <a:ext uri="{28A0092B-C50C-407E-A947-70E740481C1C}">
-                <a14:useLocalDpi xmlns:a14="http://schemas.microsoft.com/office/drawing/2010/main" val="0"/>
-              </a:ext>
-            </a:extLst>
-          </a:blip>
-          <a:srcRect/>
-          <a:stretch>
-            <a:fillRect/>
-          </a:stretch>
-        </p:blipFill>
-        <p:spPr bwMode="auto">
+        </p:nvSpPr>
+        <p:spPr bwMode="gray">
           <a:xfrm>
-            <a:off x="3144441" y="2128213"/>
-            <a:ext cx="1512986" cy="1733629"/>
+            <a:off x="5161483" y="1773610"/>
+            <a:ext cx="6696744" cy="4608512"/>
           </a:xfrm>
           <a:prstGeom prst="rect">
             <a:avLst/>
           </a:prstGeom>
-          <a:noFill/>
-          <a:extLst>
-            <a:ext uri="{909E8E84-426E-40DD-AFC4-6F175D3DCCD1}">
-              <a14:hiddenFill xmlns:a14="http://schemas.microsoft.com/office/drawing/2010/main">
-                <a:solidFill>
-                  <a:srgbClr val="FFFFFF"/>
-                </a:solidFill>
-              </a14:hiddenFill>
-            </a:ext>
-          </a:extLst>
+          <a:gradFill>
+            <a:gsLst>
+              <a:gs pos="0">
+                <a:schemeClr val="bg1">
+                  <a:lumMod val="85000"/>
+                </a:schemeClr>
+              </a:gs>
+              <a:gs pos="50000">
+                <a:schemeClr val="bg1">
+                  <a:lumMod val="95000"/>
+                </a:schemeClr>
+              </a:gs>
+              <a:gs pos="100000">
+                <a:schemeClr val="bg1"/>
+              </a:gs>
+            </a:gsLst>
+            <a:lin ang="3000000" scaled="0"/>
+          </a:gradFill>
+          <a:ln w="60325" algn="ctr">
+            <a:solidFill>
+              <a:schemeClr val="tx2">
+                <a:lumMod val="75000"/>
+              </a:schemeClr>
+            </a:solidFill>
+            <a:miter lim="800000"/>
+            <a:headEnd/>
+            <a:tailEnd/>
+          </a:ln>
+          <a:effectLst>
+            <a:outerShdw blurRad="50800" dist="38100" dir="2700000" algn="tl" rotWithShape="0">
+              <a:prstClr val="black">
+                <a:alpha val="40000"/>
+              </a:prstClr>
+            </a:outerShdw>
+          </a:effectLst>
         </p:spPr>
-      </p:pic>
+        <p:txBody>
+          <a:bodyPr lIns="90000" tIns="72000" rIns="90000" bIns="72000" rtlCol="0" anchor="ctr"/>
+          <a:lstStyle/>
+          <a:p>
+            <a:pPr marR="0" algn="ctr" defTabSz="914400" eaLnBrk="1" fontAlgn="base" latinLnBrk="0" hangingPunct="1">
+              <a:lnSpc>
+                <a:spcPct val="100000"/>
+              </a:lnSpc>
+              <a:spcBef>
+                <a:spcPct val="50000"/>
+              </a:spcBef>
+              <a:spcAft>
+                <a:spcPct val="0"/>
+              </a:spcAft>
+              <a:buClr>
+                <a:srgbClr val="F0AB00"/>
+              </a:buClr>
+              <a:buSzPct val="80000"/>
+              <a:tabLst/>
+            </a:pPr>
+            <a:endParaRPr kumimoji="0" lang="de-DE" sz="2000" b="0" i="0" u="none" strike="noStrike" kern="0" cap="none" spc="0" normalizeH="0" baseline="0" noProof="0" dirty="0" err="1" smtClean="0">
+              <a:ln>
+                <a:noFill/>
+              </a:ln>
+              <a:effectLst/>
+              <a:uLnTx/>
+              <a:uFillTx/>
+              <a:ea typeface="Arial Unicode MS" pitchFamily="34" charset="-128"/>
+              <a:cs typeface="Arial Unicode MS" pitchFamily="34" charset="-128"/>
+            </a:endParaRPr>
+          </a:p>
+        </p:txBody>
+      </p:sp>
       <p:sp>
         <p:nvSpPr>
           <p:cNvPr id="119" name="Rectangle 118"/>
@@ -16379,6 +18563,283 @@
           </a:p>
         </p:txBody>
       </p:sp>
+      <p:grpSp>
+        <p:nvGrpSpPr>
+          <p:cNvPr id="83" name="Group 82"/>
+          <p:cNvGrpSpPr/>
+          <p:nvPr/>
+        </p:nvGrpSpPr>
+        <p:grpSpPr>
+          <a:xfrm>
+            <a:off x="9986019" y="1995361"/>
+            <a:ext cx="1440160" cy="1655468"/>
+            <a:chOff x="467154" y="1976766"/>
+            <a:chExt cx="3118619" cy="2202572"/>
+          </a:xfrm>
+          <a:solidFill>
+            <a:schemeClr val="accent4">
+              <a:lumMod val="40000"/>
+              <a:lumOff val="60000"/>
+            </a:schemeClr>
+          </a:solidFill>
+        </p:grpSpPr>
+        <p:sp>
+          <p:nvSpPr>
+            <p:cNvPr id="84" name="Snip Single Corner Rectangle 83"/>
+            <p:cNvSpPr/>
+            <p:nvPr/>
+          </p:nvSpPr>
+          <p:spPr bwMode="gray">
+            <a:xfrm>
+              <a:off x="696987" y="1984386"/>
+              <a:ext cx="2880320" cy="2165488"/>
+            </a:xfrm>
+            <a:prstGeom prst="snip1Rect">
+              <a:avLst/>
+            </a:prstGeom>
+            <a:solidFill>
+              <a:schemeClr val="bg1">
+                <a:lumMod val="75000"/>
+              </a:schemeClr>
+            </a:solidFill>
+            <a:ln w="6350" algn="ctr">
+              <a:solidFill>
+                <a:schemeClr val="tx1"/>
+              </a:solidFill>
+              <a:miter lim="800000"/>
+              <a:headEnd/>
+              <a:tailEnd/>
+            </a:ln>
+            <a:effectLst>
+              <a:reflection blurRad="6350" stA="52000" endA="300" endPos="35000" dir="5400000" sy="-100000" algn="bl" rotWithShape="0"/>
+            </a:effectLst>
+          </p:spPr>
+          <p:txBody>
+            <a:bodyPr lIns="90000" tIns="72000" rIns="90000" bIns="72000" rtlCol="0" anchor="ctr"/>
+            <a:lstStyle/>
+            <a:p>
+              <a:pPr marR="0" algn="ctr" defTabSz="914400" eaLnBrk="1" fontAlgn="base" latinLnBrk="0" hangingPunct="1">
+                <a:lnSpc>
+                  <a:spcPct val="100000"/>
+                </a:lnSpc>
+                <a:spcBef>
+                  <a:spcPct val="50000"/>
+                </a:spcBef>
+                <a:spcAft>
+                  <a:spcPct val="0"/>
+                </a:spcAft>
+                <a:buClr>
+                  <a:srgbClr val="F0AB00"/>
+                </a:buClr>
+                <a:buSzPct val="80000"/>
+                <a:tabLst/>
+              </a:pPr>
+              <a:endParaRPr kumimoji="0" lang="de-DE" sz="2000" b="0" i="0" u="none" strike="noStrike" kern="0" cap="none" spc="0" normalizeH="0" baseline="0" noProof="0" dirty="0" err="1" smtClean="0">
+                <a:ln>
+                  <a:noFill/>
+                </a:ln>
+                <a:effectLst/>
+                <a:uLnTx/>
+                <a:uFillTx/>
+                <a:ea typeface="Arial Unicode MS" pitchFamily="34" charset="-128"/>
+                <a:cs typeface="Arial Unicode MS" pitchFamily="34" charset="-128"/>
+              </a:endParaRPr>
+            </a:p>
+          </p:txBody>
+        </p:sp>
+        <p:sp>
+          <p:nvSpPr>
+            <p:cNvPr id="85" name="Right Triangle 84"/>
+            <p:cNvSpPr/>
+            <p:nvPr/>
+          </p:nvSpPr>
+          <p:spPr bwMode="gray">
+            <a:xfrm>
+              <a:off x="3089383" y="1976766"/>
+              <a:ext cx="496390" cy="324000"/>
+            </a:xfrm>
+            <a:prstGeom prst="rtTriangle">
+              <a:avLst/>
+            </a:prstGeom>
+            <a:solidFill>
+              <a:schemeClr val="bg1">
+                <a:lumMod val="95000"/>
+              </a:schemeClr>
+            </a:solidFill>
+            <a:ln w="6350" algn="ctr">
+              <a:solidFill>
+                <a:schemeClr val="tx1"/>
+              </a:solidFill>
+              <a:miter lim="800000"/>
+              <a:headEnd/>
+              <a:tailEnd/>
+            </a:ln>
+            <a:effectLst>
+              <a:outerShdw blurRad="50800" dir="8100000" sx="110000" sy="110000" algn="tr" rotWithShape="0">
+                <a:prstClr val="black">
+                  <a:alpha val="40000"/>
+                </a:prstClr>
+              </a:outerShdw>
+            </a:effectLst>
+          </p:spPr>
+          <p:txBody>
+            <a:bodyPr lIns="90000" tIns="72000" rIns="90000" bIns="72000" rtlCol="0" anchor="ctr"/>
+            <a:lstStyle/>
+            <a:p>
+              <a:pPr marR="0" algn="ctr" defTabSz="914400" eaLnBrk="1" fontAlgn="base" latinLnBrk="0" hangingPunct="1">
+                <a:lnSpc>
+                  <a:spcPct val="100000"/>
+                </a:lnSpc>
+                <a:spcBef>
+                  <a:spcPct val="50000"/>
+                </a:spcBef>
+                <a:spcAft>
+                  <a:spcPct val="0"/>
+                </a:spcAft>
+                <a:buClr>
+                  <a:srgbClr val="F0AB00"/>
+                </a:buClr>
+                <a:buSzPct val="80000"/>
+                <a:tabLst/>
+              </a:pPr>
+              <a:endParaRPr kumimoji="0" lang="de-DE" sz="2000" b="0" i="0" u="none" strike="noStrike" kern="0" cap="none" spc="0" normalizeH="0" baseline="0" noProof="0" dirty="0" err="1" smtClean="0">
+                <a:ln>
+                  <a:noFill/>
+                </a:ln>
+                <a:effectLst/>
+                <a:uLnTx/>
+                <a:uFillTx/>
+                <a:ea typeface="Arial Unicode MS" pitchFamily="34" charset="-128"/>
+                <a:cs typeface="Arial Unicode MS" pitchFamily="34" charset="-128"/>
+              </a:endParaRPr>
+            </a:p>
+          </p:txBody>
+        </p:sp>
+        <p:sp>
+          <p:nvSpPr>
+            <p:cNvPr id="86" name="TextBox 85"/>
+            <p:cNvSpPr txBox="1"/>
+            <p:nvPr/>
+          </p:nvSpPr>
+          <p:spPr>
+            <a:xfrm>
+              <a:off x="467154" y="2127375"/>
+              <a:ext cx="1014049" cy="225220"/>
+            </a:xfrm>
+            <a:prstGeom prst="rect">
+              <a:avLst/>
+            </a:prstGeom>
+            <a:solidFill>
+              <a:schemeClr val="bg1">
+                <a:lumMod val="95000"/>
+              </a:schemeClr>
+            </a:solidFill>
+            <a:ln>
+              <a:solidFill>
+                <a:schemeClr val="tx1"/>
+              </a:solidFill>
+            </a:ln>
+          </p:spPr>
+          <p:txBody>
+            <a:bodyPr wrap="square" lIns="0" tIns="0" rIns="0" bIns="0" rtlCol="0" anchor="ctr" anchorCtr="0">
+              <a:spAutoFit/>
+            </a:bodyPr>
+            <a:lstStyle/>
+            <a:p>
+              <a:pPr algn="ctr" fontAlgn="base">
+                <a:spcBef>
+                  <a:spcPct val="50000"/>
+                </a:spcBef>
+                <a:spcAft>
+                  <a:spcPct val="0"/>
+                </a:spcAft>
+                <a:buClr>
+                  <a:srgbClr val="F0AB00"/>
+                </a:buClr>
+                <a:buSzPct val="80000"/>
+              </a:pPr>
+              <a:r>
+                <a:rPr lang="de-DE" sz="1100" b="1" kern="0" dirty="0" smtClean="0">
+                  <a:ea typeface="Arial Unicode MS" pitchFamily="34" charset="-128"/>
+                  <a:cs typeface="Arial Unicode MS" pitchFamily="34" charset="-128"/>
+                </a:rPr>
+                <a:t>HTML</a:t>
+              </a:r>
+            </a:p>
+          </p:txBody>
+        </p:sp>
+        <p:sp>
+          <p:nvSpPr>
+            <p:cNvPr id="87" name="Rectangle 86"/>
+            <p:cNvSpPr/>
+            <p:nvPr/>
+          </p:nvSpPr>
+          <p:spPr>
+            <a:xfrm>
+              <a:off x="696988" y="3565101"/>
+              <a:ext cx="2880320" cy="614237"/>
+            </a:xfrm>
+            <a:prstGeom prst="rect">
+              <a:avLst/>
+            </a:prstGeom>
+            <a:noFill/>
+          </p:spPr>
+          <p:txBody>
+            <a:bodyPr wrap="square" lIns="91440" tIns="45720" rIns="91440" bIns="45720">
+              <a:spAutoFit/>
+            </a:bodyPr>
+            <a:lstStyle/>
+            <a:p>
+              <a:pPr algn="ctr"/>
+              <a:r>
+                <a:rPr lang="en-US" sz="2400" b="1" cap="none" spc="0" dirty="0" smtClean="0">
+                  <a:ln w="12700" cmpd="sng">
+                    <a:solidFill>
+                      <a:schemeClr val="bg2">
+                        <a:lumMod val="25000"/>
+                      </a:schemeClr>
+                    </a:solidFill>
+                    <a:prstDash val="solid"/>
+                  </a:ln>
+                  <a:solidFill>
+                    <a:srgbClr val="FFFFFF"/>
+                  </a:solidFill>
+                  <a:effectLst>
+                    <a:outerShdw blurRad="50800" dist="38100" dir="2700000" algn="tl" rotWithShape="0">
+                      <a:prstClr val="black">
+                        <a:alpha val="40000"/>
+                      </a:prstClr>
+                    </a:outerShdw>
+                    <a:reflection blurRad="6350" stA="60000" endA="900" endPos="58000" dist="177800" dir="5400000" sy="-100000" algn="bl" rotWithShape="0"/>
+                  </a:effectLst>
+                </a:rPr>
+                <a:t>&lt;/&gt;</a:t>
+              </a:r>
+              <a:endParaRPr lang="en-US" sz="2400" b="1" cap="none" spc="0" dirty="0">
+                <a:ln w="12700" cmpd="sng">
+                  <a:solidFill>
+                    <a:schemeClr val="bg2">
+                      <a:lumMod val="25000"/>
+                    </a:schemeClr>
+                  </a:solidFill>
+                  <a:prstDash val="solid"/>
+                </a:ln>
+                <a:solidFill>
+                  <a:srgbClr val="FFFFFF"/>
+                </a:solidFill>
+                <a:effectLst>
+                  <a:outerShdw blurRad="50800" dist="38100" dir="2700000" algn="tl" rotWithShape="0">
+                    <a:prstClr val="black">
+                      <a:alpha val="40000"/>
+                    </a:prstClr>
+                  </a:outerShdw>
+                  <a:reflection blurRad="6350" stA="60000" endA="900" endPos="58000" dist="177800" dir="5400000" sy="-100000" algn="bl" rotWithShape="0"/>
+                </a:effectLst>
+              </a:endParaRPr>
+            </a:p>
+          </p:txBody>
+        </p:sp>
+      </p:grpSp>
       <p:sp>
         <p:nvSpPr>
           <p:cNvPr id="7" name="Title 6"/>
@@ -16396,15 +18857,7 @@
           <a:p>
             <a:r>
               <a:rPr lang="de-DE" dirty="0" smtClean="0"/>
-              <a:t>OTA Service – </a:t>
-            </a:r>
-            <a:r>
-              <a:rPr lang="de-DE" dirty="0" err="1" smtClean="0"/>
-              <a:t>with</a:t>
-            </a:r>
-            <a:r>
-              <a:rPr lang="de-DE" dirty="0" smtClean="0"/>
-              <a:t> Firewall</a:t>
+              <a:t>OTA Service</a:t>
             </a:r>
             <a:endParaRPr lang="de-DE" dirty="0"/>
           </a:p>
@@ -16418,8 +18871,8 @@
         </p:nvSpPr>
         <p:spPr bwMode="gray">
           <a:xfrm>
-            <a:off x="8146339" y="3045149"/>
-            <a:ext cx="1930405" cy="1752796"/>
+            <a:off x="5511904" y="3394117"/>
+            <a:ext cx="1161748" cy="1054860"/>
           </a:xfrm>
           <a:prstGeom prst="rect">
             <a:avLst/>
@@ -16483,7 +18936,7 @@
               <a:tabLst/>
             </a:pPr>
             <a:r>
-              <a:rPr kumimoji="0" lang="de-DE" sz="3200" b="1" i="0" u="none" strike="noStrike" kern="0" cap="none" spc="0" normalizeH="0" baseline="0" noProof="0" dirty="0" smtClean="0">
+              <a:rPr kumimoji="0" lang="de-DE" sz="1800" b="1" i="0" u="none" strike="noStrike" kern="0" cap="none" spc="0" normalizeH="0" baseline="0" noProof="0" dirty="0" smtClean="0">
                 <a:ln>
                   <a:noFill/>
                 </a:ln>
@@ -16498,6 +18951,361 @@
           </a:p>
         </p:txBody>
       </p:sp>
+      <p:grpSp>
+        <p:nvGrpSpPr>
+          <p:cNvPr id="11" name="Group 10"/>
+          <p:cNvGrpSpPr/>
+          <p:nvPr/>
+        </p:nvGrpSpPr>
+        <p:grpSpPr>
+          <a:xfrm>
+            <a:off x="5881563" y="2417756"/>
+            <a:ext cx="428002" cy="976361"/>
+            <a:chOff x="1925954" y="4613280"/>
+            <a:chExt cx="428002" cy="976361"/>
+          </a:xfrm>
+        </p:grpSpPr>
+        <p:grpSp>
+          <p:nvGrpSpPr>
+            <p:cNvPr id="8" name="Group 7"/>
+            <p:cNvGrpSpPr/>
+            <p:nvPr/>
+          </p:nvGrpSpPr>
+          <p:grpSpPr>
+            <a:xfrm>
+              <a:off x="2029135" y="4845204"/>
+              <a:ext cx="216024" cy="744437"/>
+              <a:chOff x="2029135" y="4845204"/>
+              <a:chExt cx="216024" cy="744437"/>
+            </a:xfrm>
+          </p:grpSpPr>
+          <p:cxnSp>
+            <p:nvCxnSpPr>
+              <p:cNvPr id="4" name="Straight Connector 3"/>
+              <p:cNvCxnSpPr>
+                <a:stCxn id="2" idx="0"/>
+                <a:endCxn id="5" idx="4"/>
+              </p:cNvCxnSpPr>
+              <p:nvPr/>
+            </p:nvCxnSpPr>
+            <p:spPr>
+              <a:xfrm flipH="1" flipV="1">
+                <a:off x="2137147" y="5061228"/>
+                <a:ext cx="22" cy="528413"/>
+              </a:xfrm>
+              <a:prstGeom prst="line">
+                <a:avLst/>
+              </a:prstGeom>
+              <a:ln w="38100">
+                <a:solidFill>
+                  <a:schemeClr val="tx2">
+                    <a:lumMod val="50000"/>
+                  </a:schemeClr>
+                </a:solidFill>
+              </a:ln>
+            </p:spPr>
+            <p:style>
+              <a:lnRef idx="1">
+                <a:schemeClr val="accent1"/>
+              </a:lnRef>
+              <a:fillRef idx="0">
+                <a:schemeClr val="accent1"/>
+              </a:fillRef>
+              <a:effectRef idx="0">
+                <a:schemeClr val="accent1"/>
+              </a:effectRef>
+              <a:fontRef idx="minor">
+                <a:schemeClr val="tx1"/>
+              </a:fontRef>
+            </p:style>
+          </p:cxnSp>
+          <p:sp>
+            <p:nvSpPr>
+              <p:cNvPr id="5" name="Oval 4"/>
+              <p:cNvSpPr/>
+              <p:nvPr/>
+            </p:nvSpPr>
+            <p:spPr bwMode="gray">
+              <a:xfrm>
+                <a:off x="2029135" y="4845204"/>
+                <a:ext cx="216024" cy="216024"/>
+              </a:xfrm>
+              <a:prstGeom prst="ellipse">
+                <a:avLst/>
+              </a:prstGeom>
+              <a:noFill/>
+              <a:ln w="38100" algn="ctr">
+                <a:solidFill>
+                  <a:schemeClr val="tx2">
+                    <a:lumMod val="50000"/>
+                  </a:schemeClr>
+                </a:solidFill>
+                <a:miter lim="800000"/>
+                <a:headEnd/>
+                <a:tailEnd/>
+              </a:ln>
+            </p:spPr>
+            <p:txBody>
+              <a:bodyPr lIns="90000" tIns="72000" rIns="90000" bIns="72000" rtlCol="0" anchor="ctr"/>
+              <a:lstStyle/>
+              <a:p>
+                <a:pPr marR="0" algn="ctr" defTabSz="914400" eaLnBrk="1" fontAlgn="base" latinLnBrk="0" hangingPunct="1">
+                  <a:lnSpc>
+                    <a:spcPct val="100000"/>
+                  </a:lnSpc>
+                  <a:spcBef>
+                    <a:spcPct val="50000"/>
+                  </a:spcBef>
+                  <a:spcAft>
+                    <a:spcPct val="0"/>
+                  </a:spcAft>
+                  <a:buClr>
+                    <a:srgbClr val="F0AB00"/>
+                  </a:buClr>
+                  <a:buSzPct val="80000"/>
+                  <a:tabLst/>
+                </a:pPr>
+                <a:endParaRPr kumimoji="0" lang="de-DE" sz="2000" b="0" i="0" u="none" strike="noStrike" kern="0" cap="none" spc="0" normalizeH="0" baseline="0" noProof="0" dirty="0" err="1" smtClean="0">
+                  <a:ln>
+                    <a:noFill/>
+                  </a:ln>
+                  <a:effectLst/>
+                  <a:uLnTx/>
+                  <a:uFillTx/>
+                  <a:ea typeface="Arial Unicode MS" pitchFamily="34" charset="-128"/>
+                  <a:cs typeface="Arial Unicode MS" pitchFamily="34" charset="-128"/>
+                </a:endParaRPr>
+              </a:p>
+            </p:txBody>
+          </p:sp>
+        </p:grpSp>
+        <p:sp>
+          <p:nvSpPr>
+            <p:cNvPr id="10" name="TextBox 9"/>
+            <p:cNvSpPr txBox="1"/>
+            <p:nvPr/>
+          </p:nvSpPr>
+          <p:spPr>
+            <a:xfrm>
+              <a:off x="1925954" y="4613280"/>
+              <a:ext cx="428002" cy="184666"/>
+            </a:xfrm>
+            <a:prstGeom prst="rect">
+              <a:avLst/>
+            </a:prstGeom>
+            <a:noFill/>
+          </p:spPr>
+          <p:txBody>
+            <a:bodyPr wrap="none" lIns="0" tIns="0" rIns="0" bIns="0" rtlCol="0">
+              <a:spAutoFit/>
+            </a:bodyPr>
+            <a:lstStyle/>
+            <a:p>
+              <a:pPr fontAlgn="base">
+                <a:spcBef>
+                  <a:spcPct val="50000"/>
+                </a:spcBef>
+                <a:spcAft>
+                  <a:spcPct val="0"/>
+                </a:spcAft>
+                <a:buClr>
+                  <a:srgbClr val="F0AB00"/>
+                </a:buClr>
+                <a:buSzPct val="80000"/>
+              </a:pPr>
+              <a:r>
+                <a:rPr lang="de-DE" sz="1200" b="1" kern="0" dirty="0" smtClean="0">
+                  <a:solidFill>
+                    <a:schemeClr val="tx2">
+                      <a:lumMod val="50000"/>
+                    </a:schemeClr>
+                  </a:solidFill>
+                  <a:ea typeface="Arial Unicode MS" pitchFamily="34" charset="-128"/>
+                  <a:cs typeface="Arial Unicode MS" pitchFamily="34" charset="-128"/>
+                </a:rPr>
+                <a:t>HTML</a:t>
+              </a:r>
+            </a:p>
+          </p:txBody>
+        </p:sp>
+      </p:grpSp>
+      <p:grpSp>
+        <p:nvGrpSpPr>
+          <p:cNvPr id="26" name="Group 25"/>
+          <p:cNvGrpSpPr/>
+          <p:nvPr/>
+        </p:nvGrpSpPr>
+        <p:grpSpPr>
+          <a:xfrm>
+            <a:off x="5886872" y="4448977"/>
+            <a:ext cx="437620" cy="987749"/>
+            <a:chOff x="5886872" y="4448977"/>
+            <a:chExt cx="437620" cy="987749"/>
+          </a:xfrm>
+        </p:grpSpPr>
+        <p:grpSp>
+          <p:nvGrpSpPr>
+            <p:cNvPr id="33" name="Group 32"/>
+            <p:cNvGrpSpPr/>
+            <p:nvPr/>
+          </p:nvGrpSpPr>
+          <p:grpSpPr>
+            <a:xfrm>
+              <a:off x="5979290" y="4448977"/>
+              <a:ext cx="216024" cy="731773"/>
+              <a:chOff x="2029135" y="4354205"/>
+              <a:chExt cx="216024" cy="731773"/>
+            </a:xfrm>
+          </p:grpSpPr>
+          <p:cxnSp>
+            <p:nvCxnSpPr>
+              <p:cNvPr id="35" name="Straight Connector 34"/>
+              <p:cNvCxnSpPr>
+                <a:endCxn id="2" idx="2"/>
+              </p:cNvCxnSpPr>
+              <p:nvPr/>
+            </p:nvCxnSpPr>
+            <p:spPr>
+              <a:xfrm flipV="1">
+                <a:off x="2137147" y="4354205"/>
+                <a:ext cx="5476" cy="515749"/>
+              </a:xfrm>
+              <a:prstGeom prst="line">
+                <a:avLst/>
+              </a:prstGeom>
+              <a:ln w="38100">
+                <a:solidFill>
+                  <a:schemeClr val="tx2">
+                    <a:lumMod val="50000"/>
+                  </a:schemeClr>
+                </a:solidFill>
+              </a:ln>
+            </p:spPr>
+            <p:style>
+              <a:lnRef idx="1">
+                <a:schemeClr val="accent1"/>
+              </a:lnRef>
+              <a:fillRef idx="0">
+                <a:schemeClr val="accent1"/>
+              </a:fillRef>
+              <a:effectRef idx="0">
+                <a:schemeClr val="accent1"/>
+              </a:effectRef>
+              <a:fontRef idx="minor">
+                <a:schemeClr val="tx1"/>
+              </a:fontRef>
+            </p:style>
+          </p:cxnSp>
+          <p:sp>
+            <p:nvSpPr>
+              <p:cNvPr id="36" name="Oval 35"/>
+              <p:cNvSpPr/>
+              <p:nvPr/>
+            </p:nvSpPr>
+            <p:spPr bwMode="gray">
+              <a:xfrm>
+                <a:off x="2029135" y="4869954"/>
+                <a:ext cx="216024" cy="216024"/>
+              </a:xfrm>
+              <a:prstGeom prst="ellipse">
+                <a:avLst/>
+              </a:prstGeom>
+              <a:noFill/>
+              <a:ln w="38100" algn="ctr">
+                <a:solidFill>
+                  <a:schemeClr val="tx2">
+                    <a:lumMod val="50000"/>
+                  </a:schemeClr>
+                </a:solidFill>
+                <a:miter lim="800000"/>
+                <a:headEnd/>
+                <a:tailEnd/>
+              </a:ln>
+            </p:spPr>
+            <p:txBody>
+              <a:bodyPr lIns="90000" tIns="72000" rIns="90000" bIns="72000" rtlCol="0" anchor="ctr"/>
+              <a:lstStyle/>
+              <a:p>
+                <a:pPr marR="0" algn="ctr" defTabSz="914400" eaLnBrk="1" fontAlgn="base" latinLnBrk="0" hangingPunct="1">
+                  <a:lnSpc>
+                    <a:spcPct val="100000"/>
+                  </a:lnSpc>
+                  <a:spcBef>
+                    <a:spcPct val="50000"/>
+                  </a:spcBef>
+                  <a:spcAft>
+                    <a:spcPct val="0"/>
+                  </a:spcAft>
+                  <a:buClr>
+                    <a:srgbClr val="F0AB00"/>
+                  </a:buClr>
+                  <a:buSzPct val="80000"/>
+                  <a:tabLst/>
+                </a:pPr>
+                <a:endParaRPr kumimoji="0" lang="de-DE" sz="2000" b="0" i="0" u="none" strike="noStrike" kern="0" cap="none" spc="0" normalizeH="0" baseline="0" noProof="0" dirty="0" err="1" smtClean="0">
+                  <a:ln>
+                    <a:noFill/>
+                  </a:ln>
+                  <a:effectLst/>
+                  <a:uLnTx/>
+                  <a:uFillTx/>
+                  <a:ea typeface="Arial Unicode MS" pitchFamily="34" charset="-128"/>
+                  <a:cs typeface="Arial Unicode MS" pitchFamily="34" charset="-128"/>
+                </a:endParaRPr>
+              </a:p>
+            </p:txBody>
+          </p:sp>
+        </p:grpSp>
+        <p:sp>
+          <p:nvSpPr>
+            <p:cNvPr id="34" name="TextBox 33"/>
+            <p:cNvSpPr txBox="1"/>
+            <p:nvPr/>
+          </p:nvSpPr>
+          <p:spPr>
+            <a:xfrm>
+              <a:off x="5886872" y="5252060"/>
+              <a:ext cx="437620" cy="184666"/>
+            </a:xfrm>
+            <a:prstGeom prst="rect">
+              <a:avLst/>
+            </a:prstGeom>
+            <a:noFill/>
+          </p:spPr>
+          <p:txBody>
+            <a:bodyPr wrap="none" lIns="0" tIns="0" rIns="0" bIns="0" rtlCol="0">
+              <a:spAutoFit/>
+            </a:bodyPr>
+            <a:lstStyle/>
+            <a:p>
+              <a:pPr fontAlgn="base">
+                <a:spcBef>
+                  <a:spcPct val="50000"/>
+                </a:spcBef>
+                <a:spcAft>
+                  <a:spcPct val="0"/>
+                </a:spcAft>
+                <a:buClr>
+                  <a:srgbClr val="F0AB00"/>
+                </a:buClr>
+                <a:buSzPct val="80000"/>
+              </a:pPr>
+              <a:r>
+                <a:rPr lang="de-DE" sz="1200" b="1" kern="0" dirty="0" smtClean="0">
+                  <a:solidFill>
+                    <a:schemeClr val="tx2">
+                      <a:lumMod val="50000"/>
+                    </a:schemeClr>
+                  </a:solidFill>
+                  <a:ea typeface="Arial Unicode MS" pitchFamily="34" charset="-128"/>
+                  <a:cs typeface="Arial Unicode MS" pitchFamily="34" charset="-128"/>
+                </a:rPr>
+                <a:t>PLIST</a:t>
+              </a:r>
+            </a:p>
+          </p:txBody>
+        </p:sp>
+      </p:grpSp>
       <p:grpSp>
         <p:nvGrpSpPr>
           <p:cNvPr id="49" name="Group 48"/>
@@ -16801,6 +19609,110 @@
       </p:grpSp>
       <p:sp>
         <p:nvSpPr>
+          <p:cNvPr id="9" name="Rectangle 8"/>
+          <p:cNvSpPr/>
+          <p:nvPr/>
+        </p:nvSpPr>
+        <p:spPr bwMode="gray">
+          <a:xfrm>
+            <a:off x="10224200" y="2878057"/>
+            <a:ext cx="1083346" cy="263705"/>
+          </a:xfrm>
+          <a:prstGeom prst="rect">
+            <a:avLst/>
+          </a:prstGeom>
+          <a:ln>
+            <a:headEnd/>
+            <a:tailEnd/>
+          </a:ln>
+          <a:effectLst>
+            <a:outerShdw blurRad="50800" dist="38100" dir="2700000" algn="tl" rotWithShape="0">
+              <a:prstClr val="black">
+                <a:alpha val="40000"/>
+              </a:prstClr>
+            </a:outerShdw>
+          </a:effectLst>
+        </p:spPr>
+        <p:style>
+          <a:lnRef idx="2">
+            <a:schemeClr val="accent3">
+              <a:shade val="50000"/>
+            </a:schemeClr>
+          </a:lnRef>
+          <a:fillRef idx="1">
+            <a:schemeClr val="accent3"/>
+          </a:fillRef>
+          <a:effectRef idx="0">
+            <a:schemeClr val="accent3"/>
+          </a:effectRef>
+          <a:fontRef idx="minor">
+            <a:schemeClr val="lt1"/>
+          </a:fontRef>
+        </p:style>
+        <p:txBody>
+          <a:bodyPr lIns="90000" tIns="72000" rIns="90000" bIns="72000" rtlCol="0" anchor="ctr"/>
+          <a:lstStyle/>
+          <a:p>
+            <a:pPr marR="0" algn="ctr" defTabSz="914400" eaLnBrk="1" fontAlgn="base" latinLnBrk="0" hangingPunct="1">
+              <a:lnSpc>
+                <a:spcPct val="100000"/>
+              </a:lnSpc>
+              <a:spcBef>
+                <a:spcPct val="50000"/>
+              </a:spcBef>
+              <a:spcAft>
+                <a:spcPct val="0"/>
+              </a:spcAft>
+              <a:buClr>
+                <a:srgbClr val="F0AB00"/>
+              </a:buClr>
+              <a:buSzPct val="80000"/>
+              <a:tabLst/>
+            </a:pPr>
+            <a:r>
+              <a:rPr kumimoji="0" lang="de-DE" sz="1200" b="1" i="0" u="none" strike="noStrike" kern="0" cap="none" spc="0" normalizeH="0" baseline="0" noProof="0" dirty="0" err="1" smtClean="0">
+                <a:ln>
+                  <a:noFill/>
+                </a:ln>
+                <a:effectLst/>
+                <a:uLnTx/>
+                <a:uFillTx/>
+                <a:ea typeface="Arial Unicode MS" pitchFamily="34" charset="-128"/>
+                <a:cs typeface="Arial Unicode MS" pitchFamily="34" charset="-128"/>
+              </a:rPr>
+              <a:t>Install</a:t>
+            </a:r>
+            <a:r>
+              <a:rPr kumimoji="0" lang="de-DE" sz="1200" b="1" i="0" u="none" strike="noStrike" kern="0" cap="none" spc="0" normalizeH="0" noProof="0" dirty="0" smtClean="0">
+                <a:ln>
+                  <a:noFill/>
+                </a:ln>
+                <a:effectLst/>
+                <a:uLnTx/>
+                <a:uFillTx/>
+                <a:ea typeface="Arial Unicode MS" pitchFamily="34" charset="-128"/>
+                <a:cs typeface="Arial Unicode MS" pitchFamily="34" charset="-128"/>
+              </a:rPr>
+              <a:t> </a:t>
+            </a:r>
+            <a:r>
+              <a:rPr kumimoji="0" lang="de-DE" sz="1200" b="1" i="0" u="none" strike="noStrike" kern="0" cap="none" spc="0" normalizeH="0" baseline="0" noProof="0" dirty="0" smtClean="0">
+                <a:ln>
+                  <a:noFill/>
+                </a:ln>
+                <a:effectLst/>
+                <a:uLnTx/>
+                <a:uFillTx/>
+                <a:ea typeface="Arial Unicode MS" pitchFamily="34" charset="-128"/>
+                <a:cs typeface="Arial Unicode MS" pitchFamily="34" charset="-128"/>
+              </a:rPr>
+              <a:t>Link</a:t>
+            </a:r>
+          </a:p>
+        </p:txBody>
+      </p:sp>
+      <p:sp>
+        <p:nvSpPr>
           <p:cNvPr id="74" name="Rectangle 73"/>
           <p:cNvSpPr/>
           <p:nvPr/>
@@ -16925,6 +19837,409 @@
               </a:rPr>
               <a:t>/&gt;</a:t>
             </a:r>
+          </a:p>
+        </p:txBody>
+      </p:sp>
+      <p:cxnSp>
+        <p:nvCxnSpPr>
+          <p:cNvPr id="59" name="Straight Arrow Connector 58"/>
+          <p:cNvCxnSpPr>
+            <a:stCxn id="74" idx="3"/>
+          </p:cNvCxnSpPr>
+          <p:nvPr/>
+        </p:nvCxnSpPr>
+        <p:spPr>
+          <a:xfrm>
+            <a:off x="1935323" y="2764592"/>
+            <a:ext cx="3946240" cy="0"/>
+          </a:xfrm>
+          <a:prstGeom prst="straightConnector1">
+            <a:avLst/>
+          </a:prstGeom>
+          <a:ln w="38100">
+            <a:solidFill>
+              <a:schemeClr val="tx2">
+                <a:lumMod val="75000"/>
+              </a:schemeClr>
+            </a:solidFill>
+            <a:prstDash val="sysDot"/>
+            <a:round/>
+            <a:tailEnd type="arrow"/>
+          </a:ln>
+          <a:effectLst>
+            <a:outerShdw blurRad="50800" dist="38100" dir="2700000" algn="tl" rotWithShape="0">
+              <a:prstClr val="black">
+                <a:alpha val="40000"/>
+              </a:prstClr>
+            </a:outerShdw>
+          </a:effectLst>
+        </p:spPr>
+        <p:style>
+          <a:lnRef idx="1">
+            <a:schemeClr val="accent1"/>
+          </a:lnRef>
+          <a:fillRef idx="0">
+            <a:schemeClr val="accent1"/>
+          </a:fillRef>
+          <a:effectRef idx="0">
+            <a:schemeClr val="accent1"/>
+          </a:effectRef>
+          <a:fontRef idx="minor">
+            <a:schemeClr val="tx1"/>
+          </a:fontRef>
+        </p:style>
+      </p:cxnSp>
+      <p:cxnSp>
+        <p:nvCxnSpPr>
+          <p:cNvPr id="61" name="Straight Arrow Connector 60"/>
+          <p:cNvCxnSpPr/>
+          <p:nvPr/>
+        </p:nvCxnSpPr>
+        <p:spPr>
+          <a:xfrm>
+            <a:off x="6385619" y="2759198"/>
+            <a:ext cx="3528392" cy="0"/>
+          </a:xfrm>
+          <a:prstGeom prst="straightConnector1">
+            <a:avLst/>
+          </a:prstGeom>
+          <a:ln w="38100">
+            <a:solidFill>
+              <a:schemeClr val="tx2">
+                <a:lumMod val="75000"/>
+              </a:schemeClr>
+            </a:solidFill>
+            <a:round/>
+            <a:tailEnd type="arrow"/>
+          </a:ln>
+          <a:effectLst>
+            <a:outerShdw blurRad="50800" dist="38100" dir="2700000" algn="tl" rotWithShape="0">
+              <a:prstClr val="black">
+                <a:alpha val="40000"/>
+              </a:prstClr>
+            </a:outerShdw>
+          </a:effectLst>
+        </p:spPr>
+        <p:style>
+          <a:lnRef idx="1">
+            <a:schemeClr val="accent1"/>
+          </a:lnRef>
+          <a:fillRef idx="0">
+            <a:schemeClr val="accent1"/>
+          </a:fillRef>
+          <a:effectRef idx="0">
+            <a:schemeClr val="accent1"/>
+          </a:effectRef>
+          <a:fontRef idx="minor">
+            <a:schemeClr val="tx1"/>
+          </a:fontRef>
+        </p:style>
+      </p:cxnSp>
+      <p:cxnSp>
+        <p:nvCxnSpPr>
+          <p:cNvPr id="63" name="Straight Arrow Connector 62"/>
+          <p:cNvCxnSpPr>
+            <a:stCxn id="9" idx="1"/>
+          </p:cNvCxnSpPr>
+          <p:nvPr/>
+        </p:nvCxnSpPr>
+        <p:spPr>
+          <a:xfrm flipH="1">
+            <a:off x="6250177" y="3009910"/>
+            <a:ext cx="3974023" cy="1960204"/>
+          </a:xfrm>
+          <a:prstGeom prst="straightConnector1">
+            <a:avLst/>
+          </a:prstGeom>
+          <a:ln w="38100">
+            <a:solidFill>
+              <a:schemeClr val="tx2">
+                <a:lumMod val="75000"/>
+              </a:schemeClr>
+            </a:solidFill>
+            <a:prstDash val="sysDot"/>
+            <a:round/>
+            <a:tailEnd type="arrow"/>
+          </a:ln>
+          <a:effectLst>
+            <a:outerShdw blurRad="50800" dist="38100" dir="2700000" algn="tl" rotWithShape="0">
+              <a:prstClr val="black">
+                <a:alpha val="40000"/>
+              </a:prstClr>
+            </a:outerShdw>
+          </a:effectLst>
+        </p:spPr>
+        <p:style>
+          <a:lnRef idx="1">
+            <a:schemeClr val="accent1"/>
+          </a:lnRef>
+          <a:fillRef idx="0">
+            <a:schemeClr val="accent1"/>
+          </a:fillRef>
+          <a:effectRef idx="0">
+            <a:schemeClr val="accent1"/>
+          </a:effectRef>
+          <a:fontRef idx="minor">
+            <a:schemeClr val="tx1"/>
+          </a:fontRef>
+        </p:style>
+      </p:cxnSp>
+      <p:cxnSp>
+        <p:nvCxnSpPr>
+          <p:cNvPr id="64" name="Straight Arrow Connector 63"/>
+          <p:cNvCxnSpPr/>
+          <p:nvPr/>
+        </p:nvCxnSpPr>
+        <p:spPr>
+          <a:xfrm>
+            <a:off x="6297096" y="5133120"/>
+            <a:ext cx="3705438" cy="0"/>
+          </a:xfrm>
+          <a:prstGeom prst="straightConnector1">
+            <a:avLst/>
+          </a:prstGeom>
+          <a:ln w="38100">
+            <a:solidFill>
+              <a:schemeClr val="tx2">
+                <a:lumMod val="75000"/>
+              </a:schemeClr>
+            </a:solidFill>
+            <a:round/>
+            <a:tailEnd type="arrow"/>
+          </a:ln>
+          <a:effectLst>
+            <a:outerShdw blurRad="50800" dist="38100" dir="2700000" algn="tl" rotWithShape="0">
+              <a:prstClr val="black">
+                <a:alpha val="40000"/>
+              </a:prstClr>
+            </a:outerShdw>
+          </a:effectLst>
+        </p:spPr>
+        <p:style>
+          <a:lnRef idx="1">
+            <a:schemeClr val="accent1"/>
+          </a:lnRef>
+          <a:fillRef idx="0">
+            <a:schemeClr val="accent1"/>
+          </a:fillRef>
+          <a:effectRef idx="0">
+            <a:schemeClr val="accent1"/>
+          </a:effectRef>
+          <a:fontRef idx="minor">
+            <a:schemeClr val="tx1"/>
+          </a:fontRef>
+        </p:style>
+      </p:cxnSp>
+      <p:sp>
+        <p:nvSpPr>
+          <p:cNvPr id="69" name="TextBox 68"/>
+          <p:cNvSpPr txBox="1"/>
+          <p:nvPr/>
+        </p:nvSpPr>
+        <p:spPr>
+          <a:xfrm>
+            <a:off x="3649315" y="2187471"/>
+            <a:ext cx="1082027" cy="507831"/>
+          </a:xfrm>
+          <a:prstGeom prst="rect">
+            <a:avLst/>
+          </a:prstGeom>
+          <a:noFill/>
+        </p:spPr>
+        <p:txBody>
+          <a:bodyPr wrap="none" lIns="0" tIns="0" rIns="0" bIns="0" rtlCol="0">
+            <a:spAutoFit/>
+          </a:bodyPr>
+          <a:lstStyle/>
+          <a:p>
+            <a:pPr algn="ctr" fontAlgn="base">
+              <a:spcBef>
+                <a:spcPct val="50000"/>
+              </a:spcBef>
+              <a:spcAft>
+                <a:spcPct val="0"/>
+              </a:spcAft>
+              <a:buClr>
+                <a:srgbClr val="F0AB00"/>
+              </a:buClr>
+              <a:buSzPct val="80000"/>
+            </a:pPr>
+            <a:r>
+              <a:rPr lang="de-DE" sz="1100" b="1" kern="0" dirty="0" smtClean="0">
+                <a:solidFill>
+                  <a:schemeClr val="tx2">
+                    <a:lumMod val="50000"/>
+                  </a:schemeClr>
+                </a:solidFill>
+                <a:ea typeface="Arial Unicode MS" pitchFamily="34" charset="-128"/>
+                <a:cs typeface="Arial Unicode MS" pitchFamily="34" charset="-128"/>
+              </a:rPr>
+              <a:t>URL: </a:t>
+            </a:r>
+            <a:br>
+              <a:rPr lang="de-DE" sz="1100" b="1" kern="0" dirty="0" smtClean="0">
+                <a:solidFill>
+                  <a:schemeClr val="tx2">
+                    <a:lumMod val="50000"/>
+                  </a:schemeClr>
+                </a:solidFill>
+                <a:ea typeface="Arial Unicode MS" pitchFamily="34" charset="-128"/>
+                <a:cs typeface="Arial Unicode MS" pitchFamily="34" charset="-128"/>
+              </a:rPr>
+            </a:br>
+            <a:r>
+              <a:rPr lang="de-DE" sz="1100" b="1" kern="0" dirty="0" smtClean="0">
+                <a:solidFill>
+                  <a:schemeClr val="tx2">
+                    <a:lumMod val="50000"/>
+                  </a:schemeClr>
+                </a:solidFill>
+                <a:ea typeface="Arial Unicode MS" pitchFamily="34" charset="-128"/>
+                <a:cs typeface="Arial Unicode MS" pitchFamily="34" charset="-128"/>
+              </a:rPr>
+              <a:t>App Parameters</a:t>
+            </a:r>
+            <a:br>
+              <a:rPr lang="de-DE" sz="1100" b="1" kern="0" dirty="0" smtClean="0">
+                <a:solidFill>
+                  <a:schemeClr val="tx2">
+                    <a:lumMod val="50000"/>
+                  </a:schemeClr>
+                </a:solidFill>
+                <a:ea typeface="Arial Unicode MS" pitchFamily="34" charset="-128"/>
+                <a:cs typeface="Arial Unicode MS" pitchFamily="34" charset="-128"/>
+              </a:rPr>
+            </a:br>
+            <a:r>
+              <a:rPr lang="de-DE" sz="1100" b="1" kern="0" dirty="0" smtClean="0">
+                <a:solidFill>
+                  <a:schemeClr val="tx2">
+                    <a:lumMod val="50000"/>
+                  </a:schemeClr>
+                </a:solidFill>
+                <a:ea typeface="Arial Unicode MS" pitchFamily="34" charset="-128"/>
+                <a:cs typeface="Arial Unicode MS" pitchFamily="34" charset="-128"/>
+              </a:rPr>
+              <a:t>+ </a:t>
+            </a:r>
+            <a:r>
+              <a:rPr lang="de-DE" sz="1100" b="1" kern="0" dirty="0" err="1" smtClean="0">
+                <a:solidFill>
+                  <a:srgbClr val="FFC000"/>
+                </a:solidFill>
+                <a:ea typeface="Arial Unicode MS" pitchFamily="34" charset="-128"/>
+                <a:cs typeface="Arial Unicode MS" pitchFamily="34" charset="-128"/>
+              </a:rPr>
+              <a:t>Referer</a:t>
+            </a:r>
+            <a:endParaRPr lang="de-DE" sz="1100" b="1" kern="0" dirty="0" smtClean="0">
+              <a:solidFill>
+                <a:srgbClr val="FFC000"/>
+              </a:solidFill>
+              <a:ea typeface="Arial Unicode MS" pitchFamily="34" charset="-128"/>
+              <a:cs typeface="Arial Unicode MS" pitchFamily="34" charset="-128"/>
+            </a:endParaRPr>
+          </a:p>
+        </p:txBody>
+      </p:sp>
+      <p:sp>
+        <p:nvSpPr>
+          <p:cNvPr id="70" name="TextBox 69"/>
+          <p:cNvSpPr txBox="1"/>
+          <p:nvPr/>
+        </p:nvSpPr>
+        <p:spPr>
+          <a:xfrm rot="20031545">
+            <a:off x="7307598" y="3578538"/>
+            <a:ext cx="1734449" cy="338554"/>
+          </a:xfrm>
+          <a:prstGeom prst="rect">
+            <a:avLst/>
+          </a:prstGeom>
+          <a:noFill/>
+        </p:spPr>
+        <p:txBody>
+          <a:bodyPr wrap="none" lIns="0" tIns="0" rIns="0" bIns="0" rtlCol="0">
+            <a:spAutoFit/>
+          </a:bodyPr>
+          <a:lstStyle/>
+          <a:p>
+            <a:pPr algn="ctr" fontAlgn="base">
+              <a:spcBef>
+                <a:spcPct val="50000"/>
+              </a:spcBef>
+              <a:spcAft>
+                <a:spcPct val="0"/>
+              </a:spcAft>
+              <a:buClr>
+                <a:srgbClr val="F0AB00"/>
+              </a:buClr>
+              <a:buSzPct val="80000"/>
+            </a:pPr>
+            <a:r>
+              <a:rPr lang="de-DE" sz="1100" b="1" kern="0" dirty="0" smtClean="0">
+                <a:solidFill>
+                  <a:schemeClr val="tx2">
+                    <a:lumMod val="50000"/>
+                  </a:schemeClr>
+                </a:solidFill>
+                <a:ea typeface="Arial Unicode MS" pitchFamily="34" charset="-128"/>
+                <a:cs typeface="Arial Unicode MS" pitchFamily="34" charset="-128"/>
+              </a:rPr>
+              <a:t>URL:</a:t>
+            </a:r>
+            <a:br>
+              <a:rPr lang="de-DE" sz="1100" b="1" kern="0" dirty="0" smtClean="0">
+                <a:solidFill>
+                  <a:schemeClr val="tx2">
+                    <a:lumMod val="50000"/>
+                  </a:schemeClr>
+                </a:solidFill>
+                <a:ea typeface="Arial Unicode MS" pitchFamily="34" charset="-128"/>
+                <a:cs typeface="Arial Unicode MS" pitchFamily="34" charset="-128"/>
+              </a:rPr>
+            </a:br>
+            <a:r>
+              <a:rPr lang="de-DE" sz="1100" b="1" kern="0" dirty="0" smtClean="0">
+                <a:solidFill>
+                  <a:schemeClr val="tx2">
+                    <a:lumMod val="50000"/>
+                  </a:schemeClr>
+                </a:solidFill>
+                <a:ea typeface="Arial Unicode MS" pitchFamily="34" charset="-128"/>
+                <a:cs typeface="Arial Unicode MS" pitchFamily="34" charset="-128"/>
+              </a:rPr>
+              <a:t>App </a:t>
+            </a:r>
+            <a:r>
+              <a:rPr lang="de-DE" sz="1100" b="1" kern="0" dirty="0" smtClean="0">
+                <a:solidFill>
+                  <a:schemeClr val="tx2">
+                    <a:lumMod val="50000"/>
+                  </a:schemeClr>
+                </a:solidFill>
+                <a:ea typeface="Arial Unicode MS" pitchFamily="34" charset="-128"/>
+                <a:cs typeface="Arial Unicode MS" pitchFamily="34" charset="-128"/>
+              </a:rPr>
+              <a:t>Parameters + </a:t>
+            </a:r>
+            <a:r>
+              <a:rPr lang="de-DE" sz="1100" b="1" kern="0" dirty="0" err="1" smtClean="0">
+                <a:solidFill>
+                  <a:srgbClr val="FFC000"/>
+                </a:solidFill>
+                <a:ea typeface="Arial Unicode MS" pitchFamily="34" charset="-128"/>
+                <a:cs typeface="Arial Unicode MS" pitchFamily="34" charset="-128"/>
+              </a:rPr>
+              <a:t>Referer</a:t>
+            </a:r>
+            <a:endParaRPr lang="de-DE" sz="1100" b="1" kern="0" dirty="0" smtClean="0">
+              <a:solidFill>
+                <a:srgbClr val="FFC000"/>
+              </a:solidFill>
+              <a:ea typeface="Arial Unicode MS" pitchFamily="34" charset="-128"/>
+              <a:cs typeface="Arial Unicode MS" pitchFamily="34" charset="-128"/>
+            </a:endParaRPr>
           </a:p>
         </p:txBody>
       </p:sp>
@@ -17231,21 +20546,723 @@
       </p:grpSp>
       <p:grpSp>
         <p:nvGrpSpPr>
-          <p:cNvPr id="118" name="Group 117"/>
+          <p:cNvPr id="88" name="Group 87"/>
           <p:cNvGrpSpPr/>
           <p:nvPr/>
         </p:nvGrpSpPr>
         <p:grpSpPr>
           <a:xfrm>
-            <a:off x="4585419" y="1773610"/>
-            <a:ext cx="984737" cy="4680520"/>
-            <a:chOff x="2785219" y="1485578"/>
-            <a:chExt cx="984737" cy="4680520"/>
+            <a:off x="9986019" y="4582638"/>
+            <a:ext cx="1440160" cy="1655468"/>
+            <a:chOff x="467154" y="1976766"/>
+            <a:chExt cx="3118619" cy="2202572"/>
+          </a:xfrm>
+          <a:solidFill>
+            <a:schemeClr val="accent4">
+              <a:lumMod val="40000"/>
+              <a:lumOff val="60000"/>
+            </a:schemeClr>
+          </a:solidFill>
+        </p:grpSpPr>
+        <p:sp>
+          <p:nvSpPr>
+            <p:cNvPr id="89" name="Snip Single Corner Rectangle 88"/>
+            <p:cNvSpPr/>
+            <p:nvPr/>
+          </p:nvSpPr>
+          <p:spPr bwMode="gray">
+            <a:xfrm>
+              <a:off x="696987" y="1984386"/>
+              <a:ext cx="2880320" cy="2165488"/>
+            </a:xfrm>
+            <a:prstGeom prst="snip1Rect">
+              <a:avLst/>
+            </a:prstGeom>
+            <a:solidFill>
+              <a:schemeClr val="bg1">
+                <a:lumMod val="75000"/>
+              </a:schemeClr>
+            </a:solidFill>
+            <a:ln w="6350" algn="ctr">
+              <a:solidFill>
+                <a:schemeClr val="tx1"/>
+              </a:solidFill>
+              <a:miter lim="800000"/>
+              <a:headEnd/>
+              <a:tailEnd/>
+            </a:ln>
+            <a:effectLst>
+              <a:reflection blurRad="6350" stA="52000" endA="300" endPos="35000" dir="5400000" sy="-100000" algn="bl" rotWithShape="0"/>
+            </a:effectLst>
+          </p:spPr>
+          <p:txBody>
+            <a:bodyPr lIns="90000" tIns="72000" rIns="90000" bIns="72000" rtlCol="0" anchor="ctr"/>
+            <a:lstStyle/>
+            <a:p>
+              <a:pPr marR="0" algn="ctr" defTabSz="914400" eaLnBrk="1" fontAlgn="base" latinLnBrk="0" hangingPunct="1">
+                <a:lnSpc>
+                  <a:spcPct val="100000"/>
+                </a:lnSpc>
+                <a:spcBef>
+                  <a:spcPct val="50000"/>
+                </a:spcBef>
+                <a:spcAft>
+                  <a:spcPct val="0"/>
+                </a:spcAft>
+                <a:buClr>
+                  <a:srgbClr val="F0AB00"/>
+                </a:buClr>
+                <a:buSzPct val="80000"/>
+                <a:tabLst/>
+              </a:pPr>
+              <a:endParaRPr kumimoji="0" lang="de-DE" sz="2000" b="0" i="0" u="none" strike="noStrike" kern="0" cap="none" spc="0" normalizeH="0" baseline="0" noProof="0" dirty="0" err="1" smtClean="0">
+                <a:ln>
+                  <a:noFill/>
+                </a:ln>
+                <a:effectLst/>
+                <a:uLnTx/>
+                <a:uFillTx/>
+                <a:ea typeface="Arial Unicode MS" pitchFamily="34" charset="-128"/>
+                <a:cs typeface="Arial Unicode MS" pitchFamily="34" charset="-128"/>
+              </a:endParaRPr>
+            </a:p>
+          </p:txBody>
+        </p:sp>
+        <p:sp>
+          <p:nvSpPr>
+            <p:cNvPr id="90" name="Right Triangle 89"/>
+            <p:cNvSpPr/>
+            <p:nvPr/>
+          </p:nvSpPr>
+          <p:spPr bwMode="gray">
+            <a:xfrm>
+              <a:off x="3089383" y="1976766"/>
+              <a:ext cx="496390" cy="324000"/>
+            </a:xfrm>
+            <a:prstGeom prst="rtTriangle">
+              <a:avLst/>
+            </a:prstGeom>
+            <a:solidFill>
+              <a:schemeClr val="bg1">
+                <a:lumMod val="95000"/>
+              </a:schemeClr>
+            </a:solidFill>
+            <a:ln w="6350" algn="ctr">
+              <a:solidFill>
+                <a:schemeClr val="tx1"/>
+              </a:solidFill>
+              <a:miter lim="800000"/>
+              <a:headEnd/>
+              <a:tailEnd/>
+            </a:ln>
+            <a:effectLst>
+              <a:outerShdw blurRad="50800" dir="8100000" sx="110000" sy="110000" algn="tr" rotWithShape="0">
+                <a:prstClr val="black">
+                  <a:alpha val="40000"/>
+                </a:prstClr>
+              </a:outerShdw>
+            </a:effectLst>
+          </p:spPr>
+          <p:txBody>
+            <a:bodyPr lIns="90000" tIns="72000" rIns="90000" bIns="72000" rtlCol="0" anchor="ctr"/>
+            <a:lstStyle/>
+            <a:p>
+              <a:pPr marR="0" algn="ctr" defTabSz="914400" eaLnBrk="1" fontAlgn="base" latinLnBrk="0" hangingPunct="1">
+                <a:lnSpc>
+                  <a:spcPct val="100000"/>
+                </a:lnSpc>
+                <a:spcBef>
+                  <a:spcPct val="50000"/>
+                </a:spcBef>
+                <a:spcAft>
+                  <a:spcPct val="0"/>
+                </a:spcAft>
+                <a:buClr>
+                  <a:srgbClr val="F0AB00"/>
+                </a:buClr>
+                <a:buSzPct val="80000"/>
+                <a:tabLst/>
+              </a:pPr>
+              <a:endParaRPr kumimoji="0" lang="de-DE" sz="2000" b="0" i="0" u="none" strike="noStrike" kern="0" cap="none" spc="0" normalizeH="0" baseline="0" noProof="0" dirty="0" err="1" smtClean="0">
+                <a:ln>
+                  <a:noFill/>
+                </a:ln>
+                <a:effectLst/>
+                <a:uLnTx/>
+                <a:uFillTx/>
+                <a:ea typeface="Arial Unicode MS" pitchFamily="34" charset="-128"/>
+                <a:cs typeface="Arial Unicode MS" pitchFamily="34" charset="-128"/>
+              </a:endParaRPr>
+            </a:p>
+          </p:txBody>
+        </p:sp>
+        <p:sp>
+          <p:nvSpPr>
+            <p:cNvPr id="91" name="TextBox 90"/>
+            <p:cNvSpPr txBox="1"/>
+            <p:nvPr/>
+          </p:nvSpPr>
+          <p:spPr>
+            <a:xfrm>
+              <a:off x="467154" y="2127375"/>
+              <a:ext cx="1014049" cy="225220"/>
+            </a:xfrm>
+            <a:prstGeom prst="rect">
+              <a:avLst/>
+            </a:prstGeom>
+            <a:solidFill>
+              <a:schemeClr val="bg1">
+                <a:lumMod val="95000"/>
+              </a:schemeClr>
+            </a:solidFill>
+            <a:ln>
+              <a:solidFill>
+                <a:schemeClr val="tx1"/>
+              </a:solidFill>
+            </a:ln>
+          </p:spPr>
+          <p:txBody>
+            <a:bodyPr wrap="square" lIns="0" tIns="0" rIns="0" bIns="0" rtlCol="0" anchor="ctr" anchorCtr="0">
+              <a:spAutoFit/>
+            </a:bodyPr>
+            <a:lstStyle/>
+            <a:p>
+              <a:pPr algn="ctr" fontAlgn="base">
+                <a:spcBef>
+                  <a:spcPct val="50000"/>
+                </a:spcBef>
+                <a:spcAft>
+                  <a:spcPct val="0"/>
+                </a:spcAft>
+                <a:buClr>
+                  <a:srgbClr val="F0AB00"/>
+                </a:buClr>
+                <a:buSzPct val="80000"/>
+              </a:pPr>
+              <a:r>
+                <a:rPr lang="de-DE" sz="1100" b="1" kern="0" dirty="0" smtClean="0">
+                  <a:ea typeface="Arial Unicode MS" pitchFamily="34" charset="-128"/>
+                  <a:cs typeface="Arial Unicode MS" pitchFamily="34" charset="-128"/>
+                </a:rPr>
+                <a:t>PLIST</a:t>
+              </a:r>
+            </a:p>
+          </p:txBody>
+        </p:sp>
+        <p:sp>
+          <p:nvSpPr>
+            <p:cNvPr id="92" name="Rectangle 91"/>
+            <p:cNvSpPr/>
+            <p:nvPr/>
+          </p:nvSpPr>
+          <p:spPr>
+            <a:xfrm>
+              <a:off x="696988" y="3565101"/>
+              <a:ext cx="2880320" cy="614237"/>
+            </a:xfrm>
+            <a:prstGeom prst="rect">
+              <a:avLst/>
+            </a:prstGeom>
+            <a:noFill/>
+          </p:spPr>
+          <p:txBody>
+            <a:bodyPr wrap="square" lIns="91440" tIns="45720" rIns="91440" bIns="45720">
+              <a:spAutoFit/>
+            </a:bodyPr>
+            <a:lstStyle/>
+            <a:p>
+              <a:pPr algn="ctr"/>
+              <a:r>
+                <a:rPr lang="en-US" sz="2400" b="1" cap="none" spc="0" dirty="0" smtClean="0">
+                  <a:ln w="12700" cmpd="sng">
+                    <a:solidFill>
+                      <a:schemeClr val="bg2">
+                        <a:lumMod val="25000"/>
+                      </a:schemeClr>
+                    </a:solidFill>
+                    <a:prstDash val="solid"/>
+                  </a:ln>
+                  <a:solidFill>
+                    <a:srgbClr val="FFFFFF"/>
+                  </a:solidFill>
+                  <a:effectLst>
+                    <a:outerShdw blurRad="50800" dist="38100" dir="2700000" algn="tl" rotWithShape="0">
+                      <a:prstClr val="black">
+                        <a:alpha val="40000"/>
+                      </a:prstClr>
+                    </a:outerShdw>
+                    <a:reflection blurRad="6350" stA="60000" endA="900" endPos="58000" dist="177800" dir="5400000" sy="-100000" algn="bl" rotWithShape="0"/>
+                  </a:effectLst>
+                </a:rPr>
+                <a:t>&lt;/&gt;</a:t>
+              </a:r>
+              <a:endParaRPr lang="en-US" sz="2400" b="1" cap="none" spc="0" dirty="0">
+                <a:ln w="12700" cmpd="sng">
+                  <a:solidFill>
+                    <a:schemeClr val="bg2">
+                      <a:lumMod val="25000"/>
+                    </a:schemeClr>
+                  </a:solidFill>
+                  <a:prstDash val="solid"/>
+                </a:ln>
+                <a:solidFill>
+                  <a:srgbClr val="FFFFFF"/>
+                </a:solidFill>
+                <a:effectLst>
+                  <a:outerShdw blurRad="50800" dist="38100" dir="2700000" algn="tl" rotWithShape="0">
+                    <a:prstClr val="black">
+                      <a:alpha val="40000"/>
+                    </a:prstClr>
+                  </a:outerShdw>
+                  <a:reflection blurRad="6350" stA="60000" endA="900" endPos="58000" dist="177800" dir="5400000" sy="-100000" algn="bl" rotWithShape="0"/>
+                </a:effectLst>
+              </a:endParaRPr>
+            </a:p>
+          </p:txBody>
+        </p:sp>
+      </p:grpSp>
+      <p:sp>
+        <p:nvSpPr>
+          <p:cNvPr id="103" name="Rectangle 102"/>
+          <p:cNvSpPr/>
+          <p:nvPr/>
+        </p:nvSpPr>
+        <p:spPr bwMode="gray">
+          <a:xfrm>
+            <a:off x="10219191" y="5512299"/>
+            <a:ext cx="1083346" cy="263705"/>
+          </a:xfrm>
+          <a:prstGeom prst="rect">
+            <a:avLst/>
+          </a:prstGeom>
+          <a:ln>
+            <a:headEnd/>
+            <a:tailEnd/>
+          </a:ln>
+        </p:spPr>
+        <p:style>
+          <a:lnRef idx="2">
+            <a:schemeClr val="accent1">
+              <a:shade val="50000"/>
+            </a:schemeClr>
+          </a:lnRef>
+          <a:fillRef idx="1">
+            <a:schemeClr val="accent1"/>
+          </a:fillRef>
+          <a:effectRef idx="0">
+            <a:schemeClr val="accent1"/>
+          </a:effectRef>
+          <a:fontRef idx="minor">
+            <a:schemeClr val="lt1"/>
+          </a:fontRef>
+        </p:style>
+        <p:txBody>
+          <a:bodyPr lIns="90000" tIns="72000" rIns="90000" bIns="72000" rtlCol="0" anchor="ctr"/>
+          <a:lstStyle/>
+          <a:p>
+            <a:pPr marR="0" algn="ctr" defTabSz="914400" eaLnBrk="1" fontAlgn="base" latinLnBrk="0" hangingPunct="1">
+              <a:lnSpc>
+                <a:spcPct val="100000"/>
+              </a:lnSpc>
+              <a:spcBef>
+                <a:spcPct val="50000"/>
+              </a:spcBef>
+              <a:spcAft>
+                <a:spcPct val="0"/>
+              </a:spcAft>
+              <a:buClr>
+                <a:srgbClr val="F0AB00"/>
+              </a:buClr>
+              <a:buSzPct val="80000"/>
+              <a:tabLst/>
+            </a:pPr>
+            <a:r>
+              <a:rPr kumimoji="0" lang="de-DE" sz="1200" b="1" i="0" u="none" strike="noStrike" kern="0" cap="none" spc="0" normalizeH="0" baseline="0" noProof="0" dirty="0" smtClean="0">
+                <a:ln>
+                  <a:noFill/>
+                </a:ln>
+                <a:effectLst/>
+                <a:uLnTx/>
+                <a:uFillTx/>
+                <a:ea typeface="Arial Unicode MS" pitchFamily="34" charset="-128"/>
+                <a:cs typeface="Arial Unicode MS" pitchFamily="34" charset="-128"/>
+              </a:rPr>
+              <a:t>IPA URL</a:t>
+            </a:r>
+          </a:p>
+        </p:txBody>
+      </p:sp>
+      <p:cxnSp>
+        <p:nvCxnSpPr>
+          <p:cNvPr id="65" name="Straight Arrow Connector 64"/>
+          <p:cNvCxnSpPr/>
+          <p:nvPr/>
+        </p:nvCxnSpPr>
+        <p:spPr>
+          <a:xfrm flipH="1">
+            <a:off x="2281163" y="5661484"/>
+            <a:ext cx="7938028" cy="0"/>
+          </a:xfrm>
+          <a:prstGeom prst="straightConnector1">
+            <a:avLst/>
+          </a:prstGeom>
+          <a:ln w="38100">
+            <a:solidFill>
+              <a:schemeClr val="tx2">
+                <a:lumMod val="75000"/>
+              </a:schemeClr>
+            </a:solidFill>
+            <a:prstDash val="sysDot"/>
+            <a:round/>
+            <a:tailEnd type="arrow"/>
+          </a:ln>
+          <a:effectLst>
+            <a:outerShdw blurRad="50800" dist="38100" dir="2700000" algn="tl" rotWithShape="0">
+              <a:prstClr val="black">
+                <a:alpha val="40000"/>
+              </a:prstClr>
+            </a:outerShdw>
+          </a:effectLst>
+        </p:spPr>
+        <p:style>
+          <a:lnRef idx="1">
+            <a:schemeClr val="accent1"/>
+          </a:lnRef>
+          <a:fillRef idx="0">
+            <a:schemeClr val="accent1"/>
+          </a:fillRef>
+          <a:effectRef idx="0">
+            <a:schemeClr val="accent1"/>
+          </a:effectRef>
+          <a:fontRef idx="minor">
+            <a:schemeClr val="tx1"/>
+          </a:fontRef>
+        </p:style>
+      </p:cxnSp>
+      <p:sp>
+        <p:nvSpPr>
+          <p:cNvPr id="123" name="TextBox 122"/>
+          <p:cNvSpPr txBox="1"/>
+          <p:nvPr/>
+        </p:nvSpPr>
+        <p:spPr>
+          <a:xfrm>
+            <a:off x="336948" y="1341562"/>
+            <a:ext cx="2304256" cy="276999"/>
+          </a:xfrm>
+          <a:prstGeom prst="rect">
+            <a:avLst/>
+          </a:prstGeom>
+          <a:noFill/>
+          <a:effectLst>
+            <a:outerShdw blurRad="38100" dist="12700" dir="2700000" algn="tl" rotWithShape="0">
+              <a:prstClr val="black">
+                <a:alpha val="40000"/>
+              </a:prstClr>
+            </a:outerShdw>
+          </a:effectLst>
+        </p:spPr>
+        <p:txBody>
+          <a:bodyPr wrap="square" lIns="0" tIns="0" rIns="0" bIns="0" rtlCol="0">
+            <a:spAutoFit/>
+          </a:bodyPr>
+          <a:lstStyle/>
+          <a:p>
+            <a:pPr algn="ctr" fontAlgn="base">
+              <a:spcBef>
+                <a:spcPct val="50000"/>
+              </a:spcBef>
+              <a:spcAft>
+                <a:spcPct val="0"/>
+              </a:spcAft>
+              <a:buClr>
+                <a:srgbClr val="F0AB00"/>
+              </a:buClr>
+              <a:buSzPct val="80000"/>
+            </a:pPr>
+            <a:r>
+              <a:rPr lang="de-DE" sz="1800" b="1" kern="0" dirty="0" smtClean="0">
+                <a:latin typeface="+mn-lt"/>
+                <a:ea typeface="Arial Unicode MS" pitchFamily="34" charset="-128"/>
+                <a:cs typeface="Arial Unicode MS" pitchFamily="34" charset="-128"/>
+              </a:rPr>
+              <a:t>Web Server</a:t>
+            </a:r>
+          </a:p>
+        </p:txBody>
+      </p:sp>
+      <p:sp>
+        <p:nvSpPr>
+          <p:cNvPr id="127" name="TextBox 126"/>
+          <p:cNvSpPr txBox="1"/>
+          <p:nvPr/>
+        </p:nvSpPr>
+        <p:spPr>
+          <a:xfrm>
+            <a:off x="7726978" y="2540437"/>
+            <a:ext cx="588303" cy="169277"/>
+          </a:xfrm>
+          <a:prstGeom prst="rect">
+            <a:avLst/>
+          </a:prstGeom>
+          <a:noFill/>
+        </p:spPr>
+        <p:txBody>
+          <a:bodyPr wrap="none" lIns="0" tIns="0" rIns="0" bIns="0" rtlCol="0">
+            <a:spAutoFit/>
+          </a:bodyPr>
+          <a:lstStyle/>
+          <a:p>
+            <a:pPr fontAlgn="base">
+              <a:spcBef>
+                <a:spcPct val="50000"/>
+              </a:spcBef>
+              <a:spcAft>
+                <a:spcPct val="0"/>
+              </a:spcAft>
+              <a:buClr>
+                <a:srgbClr val="F0AB00"/>
+              </a:buClr>
+              <a:buSzPct val="80000"/>
+            </a:pPr>
+            <a:r>
+              <a:rPr lang="de-DE" sz="1100" b="1" kern="0" dirty="0" err="1">
+                <a:solidFill>
+                  <a:schemeClr val="bg2">
+                    <a:lumMod val="50000"/>
+                  </a:schemeClr>
+                </a:solidFill>
+                <a:ea typeface="Arial Unicode MS" pitchFamily="34" charset="-128"/>
+                <a:cs typeface="Arial Unicode MS" pitchFamily="34" charset="-128"/>
+              </a:rPr>
+              <a:t>generate</a:t>
+            </a:r>
+            <a:endParaRPr lang="de-DE" sz="1100" b="1" kern="0" dirty="0">
+              <a:solidFill>
+                <a:schemeClr val="bg2">
+                  <a:lumMod val="50000"/>
+                </a:schemeClr>
+              </a:solidFill>
+              <a:ea typeface="Arial Unicode MS" pitchFamily="34" charset="-128"/>
+              <a:cs typeface="Arial Unicode MS" pitchFamily="34" charset="-128"/>
+            </a:endParaRPr>
+          </a:p>
+        </p:txBody>
+      </p:sp>
+      <p:sp>
+        <p:nvSpPr>
+          <p:cNvPr id="128" name="TextBox 127"/>
+          <p:cNvSpPr txBox="1"/>
+          <p:nvPr/>
+        </p:nvSpPr>
+        <p:spPr>
+          <a:xfrm>
+            <a:off x="7963675" y="4903461"/>
+            <a:ext cx="588303" cy="169277"/>
+          </a:xfrm>
+          <a:prstGeom prst="rect">
+            <a:avLst/>
+          </a:prstGeom>
+          <a:noFill/>
+        </p:spPr>
+        <p:txBody>
+          <a:bodyPr wrap="none" lIns="0" tIns="0" rIns="0" bIns="0" rtlCol="0">
+            <a:spAutoFit/>
+          </a:bodyPr>
+          <a:lstStyle/>
+          <a:p>
+            <a:pPr fontAlgn="base">
+              <a:spcBef>
+                <a:spcPct val="50000"/>
+              </a:spcBef>
+              <a:spcAft>
+                <a:spcPct val="0"/>
+              </a:spcAft>
+              <a:buClr>
+                <a:srgbClr val="F0AB00"/>
+              </a:buClr>
+              <a:buSzPct val="80000"/>
+            </a:pPr>
+            <a:r>
+              <a:rPr lang="de-DE" sz="1100" b="1" kern="0" dirty="0" err="1">
+                <a:solidFill>
+                  <a:schemeClr val="bg2">
+                    <a:lumMod val="50000"/>
+                  </a:schemeClr>
+                </a:solidFill>
+                <a:ea typeface="Arial Unicode MS" pitchFamily="34" charset="-128"/>
+                <a:cs typeface="Arial Unicode MS" pitchFamily="34" charset="-128"/>
+              </a:rPr>
+              <a:t>generate</a:t>
+            </a:r>
+            <a:endParaRPr lang="de-DE" sz="1100" b="1" kern="0" dirty="0">
+              <a:solidFill>
+                <a:schemeClr val="bg2">
+                  <a:lumMod val="50000"/>
+                </a:schemeClr>
+              </a:solidFill>
+              <a:ea typeface="Arial Unicode MS" pitchFamily="34" charset="-128"/>
+              <a:cs typeface="Arial Unicode MS" pitchFamily="34" charset="-128"/>
+            </a:endParaRPr>
+          </a:p>
+        </p:txBody>
+      </p:sp>
+      <p:sp>
+        <p:nvSpPr>
+          <p:cNvPr id="71" name="TextBox 70"/>
+          <p:cNvSpPr txBox="1"/>
+          <p:nvPr/>
+        </p:nvSpPr>
+        <p:spPr>
+          <a:xfrm>
+            <a:off x="6673652" y="5773138"/>
+            <a:ext cx="1431482" cy="338554"/>
+          </a:xfrm>
+          <a:prstGeom prst="rect">
+            <a:avLst/>
+          </a:prstGeom>
+          <a:noFill/>
+        </p:spPr>
+        <p:txBody>
+          <a:bodyPr wrap="none" lIns="0" tIns="0" rIns="0" bIns="0" rtlCol="0">
+            <a:spAutoFit/>
+          </a:bodyPr>
+          <a:lstStyle/>
+          <a:p>
+            <a:pPr algn="ctr" fontAlgn="base">
+              <a:spcBef>
+                <a:spcPct val="50000"/>
+              </a:spcBef>
+              <a:spcAft>
+                <a:spcPct val="0"/>
+              </a:spcAft>
+              <a:buClr>
+                <a:srgbClr val="F0AB00"/>
+              </a:buClr>
+              <a:buSzPct val="80000"/>
+            </a:pPr>
+            <a:r>
+              <a:rPr lang="de-DE" sz="1100" b="1" kern="0" dirty="0" smtClean="0">
+                <a:solidFill>
+                  <a:schemeClr val="tx2">
+                    <a:lumMod val="50000"/>
+                  </a:schemeClr>
+                </a:solidFill>
+                <a:ea typeface="Arial Unicode MS" pitchFamily="34" charset="-128"/>
+                <a:cs typeface="Arial Unicode MS" pitchFamily="34" charset="-128"/>
+              </a:rPr>
+              <a:t>URL:</a:t>
+            </a:r>
+            <a:br>
+              <a:rPr lang="de-DE" sz="1100" b="1" kern="0" dirty="0" smtClean="0">
+                <a:solidFill>
+                  <a:schemeClr val="tx2">
+                    <a:lumMod val="50000"/>
+                  </a:schemeClr>
+                </a:solidFill>
+                <a:ea typeface="Arial Unicode MS" pitchFamily="34" charset="-128"/>
+                <a:cs typeface="Arial Unicode MS" pitchFamily="34" charset="-128"/>
+              </a:rPr>
+            </a:br>
+            <a:r>
+              <a:rPr lang="de-DE" sz="1100" b="1" kern="0" dirty="0" smtClean="0">
+                <a:solidFill>
+                  <a:schemeClr val="tx2">
+                    <a:lumMod val="50000"/>
+                  </a:schemeClr>
+                </a:solidFill>
+                <a:ea typeface="Arial Unicode MS" pitchFamily="34" charset="-128"/>
+                <a:cs typeface="Arial Unicode MS" pitchFamily="34" charset="-128"/>
+              </a:rPr>
+              <a:t>Original IPA Location</a:t>
+            </a:r>
+            <a:endParaRPr lang="de-DE" sz="1100" b="1" kern="0" dirty="0" smtClean="0">
+              <a:solidFill>
+                <a:srgbClr val="FFC000"/>
+              </a:solidFill>
+              <a:ea typeface="Arial Unicode MS" pitchFamily="34" charset="-128"/>
+              <a:cs typeface="Arial Unicode MS" pitchFamily="34" charset="-128"/>
+            </a:endParaRPr>
+          </a:p>
+        </p:txBody>
+      </p:sp>
+      <p:sp>
+        <p:nvSpPr>
+          <p:cNvPr id="72" name="TextBox 71"/>
+          <p:cNvSpPr txBox="1"/>
+          <p:nvPr/>
+        </p:nvSpPr>
+        <p:spPr>
+          <a:xfrm>
+            <a:off x="7105698" y="1341561"/>
+            <a:ext cx="2304256" cy="276999"/>
+          </a:xfrm>
+          <a:prstGeom prst="rect">
+            <a:avLst/>
+          </a:prstGeom>
+          <a:noFill/>
+          <a:effectLst>
+            <a:outerShdw blurRad="38100" dist="12700" dir="2700000" algn="tl" rotWithShape="0">
+              <a:prstClr val="black">
+                <a:alpha val="40000"/>
+              </a:prstClr>
+            </a:outerShdw>
+          </a:effectLst>
+        </p:spPr>
+        <p:txBody>
+          <a:bodyPr wrap="square" lIns="0" tIns="0" rIns="0" bIns="0" rtlCol="0">
+            <a:spAutoFit/>
+          </a:bodyPr>
+          <a:lstStyle/>
+          <a:p>
+            <a:pPr algn="ctr" fontAlgn="base">
+              <a:spcBef>
+                <a:spcPct val="50000"/>
+              </a:spcBef>
+              <a:spcAft>
+                <a:spcPct val="0"/>
+              </a:spcAft>
+              <a:buClr>
+                <a:srgbClr val="F0AB00"/>
+              </a:buClr>
+              <a:buSzPct val="80000"/>
+            </a:pPr>
+            <a:r>
+              <a:rPr lang="de-DE" sz="1800" b="1" kern="0" dirty="0" smtClean="0">
+                <a:latin typeface="+mn-lt"/>
+                <a:ea typeface="Arial Unicode MS" pitchFamily="34" charset="-128"/>
+                <a:cs typeface="Arial Unicode MS" pitchFamily="34" charset="-128"/>
+              </a:rPr>
+              <a:t>OTA Web </a:t>
+            </a:r>
+            <a:r>
+              <a:rPr lang="de-DE" sz="1800" b="1" kern="0" dirty="0" smtClean="0">
+                <a:latin typeface="+mn-lt"/>
+                <a:ea typeface="Arial Unicode MS" pitchFamily="34" charset="-128"/>
+                <a:cs typeface="Arial Unicode MS" pitchFamily="34" charset="-128"/>
+              </a:rPr>
+              <a:t>Server</a:t>
+            </a:r>
+          </a:p>
+        </p:txBody>
+      </p:sp>
+      <p:grpSp>
+        <p:nvGrpSpPr>
+          <p:cNvPr id="60" name="Group 59"/>
+          <p:cNvGrpSpPr/>
+          <p:nvPr/>
+        </p:nvGrpSpPr>
+        <p:grpSpPr>
+          <a:xfrm>
+            <a:off x="2857227" y="1773610"/>
+            <a:ext cx="636504" cy="4680520"/>
+            <a:chOff x="2959336" y="1485578"/>
+            <a:chExt cx="636504" cy="4680520"/>
           </a:xfrm>
         </p:grpSpPr>
         <p:cxnSp>
           <p:nvCxnSpPr>
-            <p:cNvPr id="113" name="Straight Connector 112"/>
+            <p:cNvPr id="62" name="Straight Connector 61"/>
             <p:cNvCxnSpPr/>
             <p:nvPr/>
           </p:nvCxnSpPr>
@@ -17286,14 +21303,14 @@
         </p:cxnSp>
         <p:pic>
           <p:nvPicPr>
-            <p:cNvPr id="1027" name="Picture 3" descr="C:\Users\d036706\AppData\Local\Microsoft\Windows\Temporary Internet Files\Low\Content.IE5\RRJAPOLF\MC900431622[1].PNG"/>
+            <p:cNvPr id="67" name="Picture 3" descr="C:\Users\d036706\AppData\Local\Microsoft\Windows\Temporary Internet Files\Low\Content.IE5\RRJAPOLF\MC900431622[1].PNG"/>
             <p:cNvPicPr>
               <a:picLocks noChangeAspect="1" noChangeArrowheads="1"/>
             </p:cNvPicPr>
             <p:nvPr/>
           </p:nvPicPr>
           <p:blipFill>
-            <a:blip r:embed="rId4">
+            <a:blip r:embed="rId3" cstate="print">
               <a:extLst>
                 <a:ext uri="{28A0092B-C50C-407E-A947-70E740481C1C}">
                   <a14:useLocalDpi xmlns:a14="http://schemas.microsoft.com/office/drawing/2010/main" val="0"/>
@@ -17307,8 +21324,8 @@
           </p:blipFill>
           <p:spPr bwMode="auto">
             <a:xfrm>
-              <a:off x="2785219" y="3045148"/>
-              <a:ext cx="984737" cy="984737"/>
+              <a:off x="2959336" y="1641162"/>
+              <a:ext cx="636504" cy="636504"/>
             </a:xfrm>
             <a:prstGeom prst="rect">
               <a:avLst/>
@@ -17326,166 +21343,16 @@
           </p:spPr>
         </p:pic>
       </p:grpSp>
-      <p:sp>
-        <p:nvSpPr>
-          <p:cNvPr id="123" name="TextBox 122"/>
-          <p:cNvSpPr txBox="1"/>
-          <p:nvPr/>
-        </p:nvSpPr>
-        <p:spPr>
-          <a:xfrm>
-            <a:off x="336948" y="1341562"/>
-            <a:ext cx="2304256" cy="276999"/>
-          </a:xfrm>
-          <a:prstGeom prst="rect">
-            <a:avLst/>
-          </a:prstGeom>
-          <a:noFill/>
-          <a:effectLst>
-            <a:outerShdw blurRad="38100" dist="12700" dir="2700000" algn="tl" rotWithShape="0">
-              <a:prstClr val="black">
-                <a:alpha val="40000"/>
-              </a:prstClr>
-            </a:outerShdw>
-          </a:effectLst>
-        </p:spPr>
-        <p:txBody>
-          <a:bodyPr wrap="square" lIns="0" tIns="0" rIns="0" bIns="0" rtlCol="0">
-            <a:spAutoFit/>
-          </a:bodyPr>
-          <a:lstStyle/>
-          <a:p>
-            <a:pPr algn="ctr" fontAlgn="base">
-              <a:spcBef>
-                <a:spcPct val="50000"/>
-              </a:spcBef>
-              <a:spcAft>
-                <a:spcPct val="0"/>
-              </a:spcAft>
-              <a:buClr>
-                <a:srgbClr val="F0AB00"/>
-              </a:buClr>
-              <a:buSzPct val="80000"/>
-            </a:pPr>
-            <a:r>
-              <a:rPr lang="de-DE" sz="1800" b="1" kern="0" dirty="0" smtClean="0">
-                <a:latin typeface="+mn-lt"/>
-                <a:ea typeface="Arial Unicode MS" pitchFamily="34" charset="-128"/>
-                <a:cs typeface="Arial Unicode MS" pitchFamily="34" charset="-128"/>
-              </a:rPr>
-              <a:t>Internal Web Server</a:t>
-            </a:r>
-          </a:p>
-        </p:txBody>
-      </p:sp>
-      <p:sp>
-        <p:nvSpPr>
-          <p:cNvPr id="126" name="TextBox 125"/>
-          <p:cNvSpPr txBox="1"/>
-          <p:nvPr/>
-        </p:nvSpPr>
-        <p:spPr>
-          <a:xfrm>
-            <a:off x="3933572" y="1341562"/>
-            <a:ext cx="6158584" cy="276999"/>
-          </a:xfrm>
-          <a:prstGeom prst="rect">
-            <a:avLst/>
-          </a:prstGeom>
-          <a:noFill/>
-          <a:effectLst>
-            <a:outerShdw blurRad="38100" dist="12700" dir="2700000" algn="tl" rotWithShape="0">
-              <a:prstClr val="black">
-                <a:alpha val="40000"/>
-              </a:prstClr>
-            </a:outerShdw>
-          </a:effectLst>
-        </p:spPr>
-        <p:txBody>
-          <a:bodyPr wrap="square" lIns="0" tIns="0" rIns="0" bIns="0" rtlCol="0">
-            <a:spAutoFit/>
-          </a:bodyPr>
-          <a:lstStyle/>
-          <a:p>
-            <a:pPr algn="ctr" fontAlgn="base">
-              <a:spcBef>
-                <a:spcPct val="50000"/>
-              </a:spcBef>
-              <a:spcAft>
-                <a:spcPct val="0"/>
-              </a:spcAft>
-              <a:buClr>
-                <a:srgbClr val="F0AB00"/>
-              </a:buClr>
-              <a:buSzPct val="80000"/>
-            </a:pPr>
-            <a:r>
-              <a:rPr lang="de-DE" sz="1800" b="1" kern="0" dirty="0" smtClean="0">
-                <a:latin typeface="+mn-lt"/>
-                <a:ea typeface="Arial Unicode MS" pitchFamily="34" charset="-128"/>
-                <a:cs typeface="Arial Unicode MS" pitchFamily="34" charset="-128"/>
-              </a:rPr>
-              <a:t>Internet</a:t>
-            </a:r>
-          </a:p>
-        </p:txBody>
-      </p:sp>
-      <p:cxnSp>
-        <p:nvCxnSpPr>
-          <p:cNvPr id="55" name="Straight Arrow Connector 54"/>
-          <p:cNvCxnSpPr/>
-          <p:nvPr/>
-        </p:nvCxnSpPr>
-        <p:spPr>
-          <a:xfrm flipH="1">
-            <a:off x="2857228" y="2764592"/>
-            <a:ext cx="576063" cy="0"/>
-          </a:xfrm>
-          <a:prstGeom prst="straightConnector1">
-            <a:avLst/>
-          </a:prstGeom>
-          <a:ln w="38100">
-            <a:solidFill>
-              <a:schemeClr val="tx2">
-                <a:lumMod val="75000"/>
-              </a:schemeClr>
-            </a:solidFill>
-            <a:round/>
-            <a:tailEnd type="arrow"/>
-          </a:ln>
-          <a:effectLst>
-            <a:outerShdw blurRad="50800" dist="38100" dir="2700000" algn="tl" rotWithShape="0">
-              <a:prstClr val="black">
-                <a:alpha val="40000"/>
-              </a:prstClr>
-            </a:outerShdw>
-          </a:effectLst>
-        </p:spPr>
-        <p:style>
-          <a:lnRef idx="1">
-            <a:schemeClr val="accent1"/>
-          </a:lnRef>
-          <a:fillRef idx="0">
-            <a:schemeClr val="accent1"/>
-          </a:fillRef>
-          <a:effectRef idx="0">
-            <a:schemeClr val="accent1"/>
-          </a:effectRef>
-          <a:fontRef idx="minor">
-            <a:schemeClr val="tx1"/>
-          </a:fontRef>
-        </p:style>
-      </p:cxnSp>
       <p:pic>
         <p:nvPicPr>
-          <p:cNvPr id="57" name="Picture 2" descr="Apple iPhone 5 16GB Weiss &amp; Silber"/>
+          <p:cNvPr id="68" name="Picture 2" descr="Apple iPhone 5 16GB Weiss &amp; Silber"/>
           <p:cNvPicPr>
             <a:picLocks noChangeAspect="1" noChangeArrowheads="1"/>
           </p:cNvPicPr>
           <p:nvPr/>
         </p:nvPicPr>
         <p:blipFill>
-          <a:blip r:embed="rId3" cstate="print">
+          <a:blip r:embed="rId4" cstate="print">
             <a:extLst>
               <a:ext uri="{28A0092B-C50C-407E-A947-70E740481C1C}">
                 <a14:useLocalDpi xmlns:a14="http://schemas.microsoft.com/office/drawing/2010/main" val="0"/>
@@ -17499,8 +21366,8 @@
         </p:blipFill>
         <p:spPr bwMode="auto">
           <a:xfrm>
-            <a:off x="5809555" y="4581922"/>
-            <a:ext cx="1512986" cy="1733629"/>
+            <a:off x="3793331" y="3501802"/>
+            <a:ext cx="936104" cy="1072619"/>
           </a:xfrm>
           <a:prstGeom prst="rect">
             <a:avLst/>
@@ -17517,70 +21384,22 @@
           </a:extLst>
         </p:spPr>
       </p:pic>
-      <p:cxnSp>
-        <p:nvCxnSpPr>
-          <p:cNvPr id="58" name="Straight Arrow Connector 57"/>
-          <p:cNvCxnSpPr/>
-          <p:nvPr/>
-        </p:nvCxnSpPr>
-        <p:spPr>
-          <a:xfrm flipH="1">
-            <a:off x="2857227" y="5313455"/>
-            <a:ext cx="3168353" cy="0"/>
-          </a:xfrm>
-          <a:prstGeom prst="straightConnector1">
-            <a:avLst/>
-          </a:prstGeom>
-          <a:ln w="38100">
-            <a:solidFill>
-              <a:schemeClr val="tx2">
-                <a:lumMod val="75000"/>
-              </a:schemeClr>
-            </a:solidFill>
-            <a:round/>
-            <a:tailEnd type="arrow"/>
-          </a:ln>
-          <a:effectLst>
-            <a:outerShdw blurRad="50800" dist="38100" dir="2700000" algn="tl" rotWithShape="0">
-              <a:prstClr val="black">
-                <a:alpha val="40000"/>
-              </a:prstClr>
-            </a:outerShdw>
-          </a:effectLst>
-        </p:spPr>
-        <p:style>
-          <a:lnRef idx="1">
-            <a:schemeClr val="accent1"/>
-          </a:lnRef>
-          <a:fillRef idx="0">
-            <a:schemeClr val="accent1"/>
-          </a:fillRef>
-          <a:effectRef idx="0">
-            <a:schemeClr val="accent1"/>
-          </a:effectRef>
-          <a:fontRef idx="minor">
-            <a:schemeClr val="tx1"/>
-          </a:fontRef>
-        </p:style>
-      </p:cxnSp>
       <p:sp>
         <p:nvSpPr>
-          <p:cNvPr id="15" name="Rectangle 14"/>
+          <p:cNvPr id="77" name="Oval 76"/>
           <p:cNvSpPr/>
           <p:nvPr/>
         </p:nvSpPr>
         <p:spPr bwMode="gray">
           <a:xfrm>
-            <a:off x="4729435" y="5138936"/>
-            <a:ext cx="576064" cy="358930"/>
+            <a:off x="3799783" y="3398436"/>
+            <a:ext cx="216978" cy="208506"/>
           </a:xfrm>
-          <a:prstGeom prst="rect">
+          <a:prstGeom prst="ellipse">
             <a:avLst/>
           </a:prstGeom>
           <a:solidFill>
-            <a:srgbClr val="FF0000">
-              <a:alpha val="70000"/>
-            </a:srgbClr>
+            <a:schemeClr val="accent1"/>
           </a:solidFill>
           <a:ln w="6350" algn="ctr">
             <a:noFill/>
@@ -17610,7 +21429,7 @@
               <a:tabLst/>
             </a:pPr>
             <a:r>
-              <a:rPr kumimoji="0" lang="de-DE" sz="1200" b="1" i="0" u="none" strike="noStrike" kern="0" cap="none" spc="0" normalizeH="0" baseline="0" noProof="0" dirty="0" smtClean="0">
+              <a:rPr kumimoji="0" lang="de-DE" sz="1400" b="1" i="0" u="none" strike="noStrike" kern="0" cap="none" spc="0" normalizeH="0" baseline="0" noProof="0" dirty="0" smtClean="0">
                 <a:ln>
                   <a:noFill/>
                 </a:ln>
@@ -17623,102 +21442,269 @@
                 <a:ea typeface="Arial Unicode MS" pitchFamily="34" charset="-128"/>
                 <a:cs typeface="Arial Unicode MS" pitchFamily="34" charset="-128"/>
               </a:rPr>
-              <a:t>VPN</a:t>
-            </a:r>
+              <a:t>1</a:t>
+            </a:r>
+            <a:endParaRPr kumimoji="0" lang="en-US" sz="1400" b="1" i="0" u="none" strike="noStrike" kern="0" cap="none" spc="0" normalizeH="0" baseline="0" noProof="0" dirty="0" err="1" smtClean="0">
+              <a:ln>
+                <a:noFill/>
+              </a:ln>
+              <a:solidFill>
+                <a:schemeClr val="bg1"/>
+              </a:solidFill>
+              <a:effectLst/>
+              <a:uLnTx/>
+              <a:uFillTx/>
+              <a:ea typeface="Arial Unicode MS" pitchFamily="34" charset="-128"/>
+              <a:cs typeface="Arial Unicode MS" pitchFamily="34" charset="-128"/>
+            </a:endParaRPr>
+          </a:p>
+        </p:txBody>
+      </p:sp>
+      <p:sp>
+        <p:nvSpPr>
+          <p:cNvPr id="95" name="Oval 94"/>
+          <p:cNvSpPr/>
+          <p:nvPr/>
+        </p:nvSpPr>
+        <p:spPr bwMode="gray">
+          <a:xfrm>
+            <a:off x="4512457" y="3402373"/>
+            <a:ext cx="216978" cy="208506"/>
+          </a:xfrm>
+          <a:prstGeom prst="ellipse">
+            <a:avLst/>
+          </a:prstGeom>
+          <a:solidFill>
+            <a:schemeClr val="accent1"/>
+          </a:solidFill>
+          <a:ln w="6350" algn="ctr">
+            <a:noFill/>
+            <a:miter lim="800000"/>
+            <a:headEnd/>
+            <a:tailEnd/>
+          </a:ln>
+        </p:spPr>
+        <p:txBody>
+          <a:bodyPr lIns="90000" tIns="72000" rIns="90000" bIns="72000" rtlCol="0" anchor="ctr"/>
+          <a:lstStyle/>
+          <a:p>
+            <a:pPr marR="0" algn="ctr" defTabSz="914400" eaLnBrk="1" fontAlgn="base" latinLnBrk="0" hangingPunct="1">
+              <a:lnSpc>
+                <a:spcPct val="100000"/>
+              </a:lnSpc>
+              <a:spcBef>
+                <a:spcPct val="50000"/>
+              </a:spcBef>
+              <a:spcAft>
+                <a:spcPct val="0"/>
+              </a:spcAft>
+              <a:buClr>
+                <a:srgbClr val="F0AB00"/>
+              </a:buClr>
+              <a:buSzPct val="80000"/>
+              <a:tabLst/>
+            </a:pPr>
+            <a:r>
+              <a:rPr kumimoji="0" lang="de-DE" sz="1400" b="1" i="0" u="none" strike="noStrike" kern="0" cap="none" spc="0" normalizeH="0" baseline="0" noProof="0" dirty="0" smtClean="0">
+                <a:ln>
+                  <a:noFill/>
+                </a:ln>
+                <a:solidFill>
+                  <a:schemeClr val="bg1"/>
+                </a:solidFill>
+                <a:effectLst/>
+                <a:uLnTx/>
+                <a:uFillTx/>
+                <a:ea typeface="Arial Unicode MS" pitchFamily="34" charset="-128"/>
+                <a:cs typeface="Arial Unicode MS" pitchFamily="34" charset="-128"/>
+              </a:rPr>
+              <a:t>2</a:t>
+            </a:r>
+            <a:endParaRPr kumimoji="0" lang="en-US" sz="1400" b="1" i="0" u="none" strike="noStrike" kern="0" cap="none" spc="0" normalizeH="0" baseline="0" noProof="0" dirty="0" err="1" smtClean="0">
+              <a:ln>
+                <a:noFill/>
+              </a:ln>
+              <a:solidFill>
+                <a:schemeClr val="bg1"/>
+              </a:solidFill>
+              <a:effectLst/>
+              <a:uLnTx/>
+              <a:uFillTx/>
+              <a:ea typeface="Arial Unicode MS" pitchFamily="34" charset="-128"/>
+              <a:cs typeface="Arial Unicode MS" pitchFamily="34" charset="-128"/>
+            </a:endParaRPr>
+          </a:p>
+        </p:txBody>
+      </p:sp>
+      <p:sp>
+        <p:nvSpPr>
+          <p:cNvPr id="96" name="Oval 95"/>
+          <p:cNvSpPr/>
+          <p:nvPr/>
+        </p:nvSpPr>
+        <p:spPr bwMode="gray">
+          <a:xfrm>
+            <a:off x="4512457" y="4448977"/>
+            <a:ext cx="216978" cy="208506"/>
+          </a:xfrm>
+          <a:prstGeom prst="ellipse">
+            <a:avLst/>
+          </a:prstGeom>
+          <a:solidFill>
+            <a:schemeClr val="accent1"/>
+          </a:solidFill>
+          <a:ln w="6350" algn="ctr">
+            <a:noFill/>
+            <a:miter lim="800000"/>
+            <a:headEnd/>
+            <a:tailEnd/>
+          </a:ln>
+        </p:spPr>
+        <p:txBody>
+          <a:bodyPr lIns="90000" tIns="72000" rIns="90000" bIns="72000" rtlCol="0" anchor="ctr"/>
+          <a:lstStyle/>
+          <a:p>
+            <a:pPr marR="0" algn="ctr" defTabSz="914400" eaLnBrk="1" fontAlgn="base" latinLnBrk="0" hangingPunct="1">
+              <a:lnSpc>
+                <a:spcPct val="100000"/>
+              </a:lnSpc>
+              <a:spcBef>
+                <a:spcPct val="50000"/>
+              </a:spcBef>
+              <a:spcAft>
+                <a:spcPct val="0"/>
+              </a:spcAft>
+              <a:buClr>
+                <a:srgbClr val="F0AB00"/>
+              </a:buClr>
+              <a:buSzPct val="80000"/>
+              <a:tabLst/>
+            </a:pPr>
+            <a:r>
+              <a:rPr kumimoji="0" lang="de-DE" sz="1400" b="1" i="0" u="none" strike="noStrike" kern="0" cap="none" spc="0" normalizeH="0" baseline="0" noProof="0" dirty="0" smtClean="0">
+                <a:ln>
+                  <a:noFill/>
+                </a:ln>
+                <a:solidFill>
+                  <a:schemeClr val="bg1"/>
+                </a:solidFill>
+                <a:effectLst/>
+                <a:uLnTx/>
+                <a:uFillTx/>
+                <a:ea typeface="Arial Unicode MS" pitchFamily="34" charset="-128"/>
+                <a:cs typeface="Arial Unicode MS" pitchFamily="34" charset="-128"/>
+              </a:rPr>
+              <a:t>3</a:t>
+            </a:r>
+            <a:endParaRPr kumimoji="0" lang="en-US" sz="1400" b="1" i="0" u="none" strike="noStrike" kern="0" cap="none" spc="0" normalizeH="0" baseline="0" noProof="0" dirty="0" err="1" smtClean="0">
+              <a:ln>
+                <a:noFill/>
+              </a:ln>
+              <a:solidFill>
+                <a:schemeClr val="bg1"/>
+              </a:solidFill>
+              <a:effectLst/>
+              <a:uLnTx/>
+              <a:uFillTx/>
+              <a:ea typeface="Arial Unicode MS" pitchFamily="34" charset="-128"/>
+              <a:cs typeface="Arial Unicode MS" pitchFamily="34" charset="-128"/>
+            </a:endParaRPr>
+          </a:p>
+        </p:txBody>
+      </p:sp>
+      <p:sp>
+        <p:nvSpPr>
+          <p:cNvPr id="97" name="Oval 96"/>
+          <p:cNvSpPr/>
+          <p:nvPr/>
+        </p:nvSpPr>
+        <p:spPr bwMode="gray">
+          <a:xfrm>
+            <a:off x="3799783" y="4442755"/>
+            <a:ext cx="216978" cy="208506"/>
+          </a:xfrm>
+          <a:prstGeom prst="ellipse">
+            <a:avLst/>
+          </a:prstGeom>
+          <a:solidFill>
+            <a:schemeClr val="accent1"/>
+          </a:solidFill>
+          <a:ln w="6350" algn="ctr">
+            <a:noFill/>
+            <a:miter lim="800000"/>
+            <a:headEnd/>
+            <a:tailEnd/>
+          </a:ln>
+        </p:spPr>
+        <p:txBody>
+          <a:bodyPr lIns="90000" tIns="72000" rIns="90000" bIns="72000" rtlCol="0" anchor="ctr"/>
+          <a:lstStyle/>
+          <a:p>
+            <a:pPr marR="0" algn="ctr" defTabSz="914400" eaLnBrk="1" fontAlgn="base" latinLnBrk="0" hangingPunct="1">
+              <a:lnSpc>
+                <a:spcPct val="100000"/>
+              </a:lnSpc>
+              <a:spcBef>
+                <a:spcPct val="50000"/>
+              </a:spcBef>
+              <a:spcAft>
+                <a:spcPct val="0"/>
+              </a:spcAft>
+              <a:buClr>
+                <a:srgbClr val="F0AB00"/>
+              </a:buClr>
+              <a:buSzPct val="80000"/>
+              <a:tabLst/>
+            </a:pPr>
+            <a:r>
+              <a:rPr kumimoji="0" lang="de-DE" sz="1400" b="1" i="0" u="none" strike="noStrike" kern="0" cap="none" spc="0" normalizeH="0" baseline="0" noProof="0" dirty="0" smtClean="0">
+                <a:ln>
+                  <a:noFill/>
+                </a:ln>
+                <a:solidFill>
+                  <a:schemeClr val="bg1"/>
+                </a:solidFill>
+                <a:effectLst/>
+                <a:uLnTx/>
+                <a:uFillTx/>
+                <a:ea typeface="Arial Unicode MS" pitchFamily="34" charset="-128"/>
+                <a:cs typeface="Arial Unicode MS" pitchFamily="34" charset="-128"/>
+              </a:rPr>
+              <a:t>4</a:t>
+            </a:r>
+            <a:endParaRPr kumimoji="0" lang="en-US" sz="1400" b="1" i="0" u="none" strike="noStrike" kern="0" cap="none" spc="0" normalizeH="0" baseline="0" noProof="0" dirty="0" err="1" smtClean="0">
+              <a:ln>
+                <a:noFill/>
+              </a:ln>
+              <a:solidFill>
+                <a:schemeClr val="bg1"/>
+              </a:solidFill>
+              <a:effectLst/>
+              <a:uLnTx/>
+              <a:uFillTx/>
+              <a:ea typeface="Arial Unicode MS" pitchFamily="34" charset="-128"/>
+              <a:cs typeface="Arial Unicode MS" pitchFamily="34" charset="-128"/>
+            </a:endParaRPr>
           </a:p>
         </p:txBody>
       </p:sp>
       <p:cxnSp>
         <p:nvCxnSpPr>
-          <p:cNvPr id="17" name="Straight Connector 16"/>
+          <p:cNvPr id="98" name="Straight Arrow Connector 97"/>
           <p:cNvCxnSpPr/>
           <p:nvPr/>
         </p:nvCxnSpPr>
         <p:spPr>
           <a:xfrm>
-            <a:off x="4729435" y="5138936"/>
-            <a:ext cx="576064" cy="0"/>
-          </a:xfrm>
-          <a:prstGeom prst="line">
-            <a:avLst/>
-          </a:prstGeom>
-          <a:ln w="41275">
-            <a:solidFill>
-              <a:schemeClr val="tx1"/>
-            </a:solidFill>
-            <a:prstDash val="sysDash"/>
-          </a:ln>
-        </p:spPr>
-        <p:style>
-          <a:lnRef idx="1">
-            <a:schemeClr val="accent1"/>
-          </a:lnRef>
-          <a:fillRef idx="0">
-            <a:schemeClr val="accent1"/>
-          </a:fillRef>
-          <a:effectRef idx="0">
-            <a:schemeClr val="accent1"/>
-          </a:effectRef>
-          <a:fontRef idx="minor">
-            <a:schemeClr val="tx1"/>
-          </a:fontRef>
-        </p:style>
-      </p:cxnSp>
-      <p:cxnSp>
-        <p:nvCxnSpPr>
-          <p:cNvPr id="66" name="Straight Connector 65"/>
-          <p:cNvCxnSpPr/>
-          <p:nvPr/>
-        </p:nvCxnSpPr>
-        <p:spPr>
-          <a:xfrm>
-            <a:off x="4729435" y="5497866"/>
-            <a:ext cx="576064" cy="0"/>
-          </a:xfrm>
-          <a:prstGeom prst="line">
-            <a:avLst/>
-          </a:prstGeom>
-          <a:ln w="41275">
-            <a:solidFill>
-              <a:schemeClr val="tx1"/>
-            </a:solidFill>
-            <a:prstDash val="sysDash"/>
-          </a:ln>
-        </p:spPr>
-        <p:style>
-          <a:lnRef idx="1">
-            <a:schemeClr val="accent1"/>
-          </a:lnRef>
-          <a:fillRef idx="0">
-            <a:schemeClr val="accent1"/>
-          </a:fillRef>
-          <a:effectRef idx="0">
-            <a:schemeClr val="accent1"/>
-          </a:effectRef>
-          <a:fontRef idx="minor">
-            <a:schemeClr val="tx1"/>
-          </a:fontRef>
-        </p:style>
-      </p:cxnSp>
-      <p:cxnSp>
-        <p:nvCxnSpPr>
-          <p:cNvPr id="71" name="Straight Arrow Connector 70"/>
-          <p:cNvCxnSpPr/>
-          <p:nvPr/>
-        </p:nvCxnSpPr>
-        <p:spPr>
-          <a:xfrm>
-            <a:off x="4441403" y="2764592"/>
-            <a:ext cx="3528392" cy="568588"/>
+            <a:off x="4620946" y="4293890"/>
+            <a:ext cx="1260617" cy="694209"/>
           </a:xfrm>
           <a:prstGeom prst="straightConnector1">
             <a:avLst/>
           </a:prstGeom>
           <a:ln w="38100">
             <a:solidFill>
-              <a:schemeClr val="tx2">
-                <a:lumMod val="75000"/>
-              </a:schemeClr>
+              <a:srgbClr val="FFC000"/>
             </a:solidFill>
             <a:round/>
             <a:tailEnd type="arrow"/>
@@ -17748,23 +21734,21 @@
       </p:cxnSp>
       <p:cxnSp>
         <p:nvCxnSpPr>
-          <p:cNvPr id="72" name="Straight Arrow Connector 71"/>
+          <p:cNvPr id="99" name="Straight Arrow Connector 98"/>
           <p:cNvCxnSpPr/>
           <p:nvPr/>
         </p:nvCxnSpPr>
         <p:spPr>
           <a:xfrm flipV="1">
-            <a:off x="7051112" y="4725938"/>
-            <a:ext cx="918683" cy="587517"/>
+            <a:off x="4620946" y="2925742"/>
+            <a:ext cx="1260617" cy="864092"/>
           </a:xfrm>
           <a:prstGeom prst="straightConnector1">
             <a:avLst/>
           </a:prstGeom>
           <a:ln w="38100">
             <a:solidFill>
-              <a:schemeClr val="tx2">
-                <a:lumMod val="75000"/>
-              </a:schemeClr>
+              <a:srgbClr val="FFC000"/>
             </a:solidFill>
             <a:round/>
             <a:tailEnd type="arrow"/>
@@ -17792,10 +21776,331 @@
           </a:fontRef>
         </p:style>
       </p:cxnSp>
+      <p:cxnSp>
+        <p:nvCxnSpPr>
+          <p:cNvPr id="104" name="Straight Arrow Connector 103"/>
+          <p:cNvCxnSpPr/>
+          <p:nvPr/>
+        </p:nvCxnSpPr>
+        <p:spPr>
+          <a:xfrm flipH="1" flipV="1">
+            <a:off x="2209156" y="3189164"/>
+            <a:ext cx="1699116" cy="558651"/>
+          </a:xfrm>
+          <a:prstGeom prst="straightConnector1">
+            <a:avLst/>
+          </a:prstGeom>
+          <a:ln w="38100">
+            <a:solidFill>
+              <a:srgbClr val="FFC000"/>
+            </a:solidFill>
+            <a:round/>
+            <a:tailEnd type="arrow"/>
+          </a:ln>
+          <a:effectLst>
+            <a:outerShdw blurRad="50800" dist="38100" dir="2700000" algn="tl" rotWithShape="0">
+              <a:prstClr val="black">
+                <a:alpha val="40000"/>
+              </a:prstClr>
+            </a:outerShdw>
+          </a:effectLst>
+        </p:spPr>
+        <p:style>
+          <a:lnRef idx="1">
+            <a:schemeClr val="accent1"/>
+          </a:lnRef>
+          <a:fillRef idx="0">
+            <a:schemeClr val="accent1"/>
+          </a:fillRef>
+          <a:effectRef idx="0">
+            <a:schemeClr val="accent1"/>
+          </a:effectRef>
+          <a:fontRef idx="minor">
+            <a:schemeClr val="tx1"/>
+          </a:fontRef>
+        </p:style>
+      </p:cxnSp>
+      <p:cxnSp>
+        <p:nvCxnSpPr>
+          <p:cNvPr id="105" name="Straight Arrow Connector 104"/>
+          <p:cNvCxnSpPr/>
+          <p:nvPr/>
+        </p:nvCxnSpPr>
+        <p:spPr>
+          <a:xfrm flipH="1">
+            <a:off x="2281163" y="4293890"/>
+            <a:ext cx="1627110" cy="571224"/>
+          </a:xfrm>
+          <a:prstGeom prst="straightConnector1">
+            <a:avLst/>
+          </a:prstGeom>
+          <a:ln w="38100">
+            <a:solidFill>
+              <a:srgbClr val="FFC000"/>
+            </a:solidFill>
+            <a:round/>
+            <a:tailEnd type="arrow"/>
+          </a:ln>
+          <a:effectLst>
+            <a:outerShdw blurRad="50800" dist="38100" dir="2700000" algn="tl" rotWithShape="0">
+              <a:prstClr val="black">
+                <a:alpha val="40000"/>
+              </a:prstClr>
+            </a:outerShdw>
+          </a:effectLst>
+        </p:spPr>
+        <p:style>
+          <a:lnRef idx="1">
+            <a:schemeClr val="accent1"/>
+          </a:lnRef>
+          <a:fillRef idx="0">
+            <a:schemeClr val="accent1"/>
+          </a:fillRef>
+          <a:effectRef idx="0">
+            <a:schemeClr val="accent1"/>
+          </a:effectRef>
+          <a:fontRef idx="minor">
+            <a:schemeClr val="tx1"/>
+          </a:fontRef>
+        </p:style>
+      </p:cxnSp>
+      <p:grpSp>
+        <p:nvGrpSpPr>
+          <p:cNvPr id="110" name="Group 109"/>
+          <p:cNvGrpSpPr/>
+          <p:nvPr/>
+        </p:nvGrpSpPr>
+        <p:grpSpPr>
+          <a:xfrm>
+            <a:off x="2929235" y="3285778"/>
+            <a:ext cx="432048" cy="1506218"/>
+            <a:chOff x="2841987" y="4401731"/>
+            <a:chExt cx="576064" cy="358930"/>
+          </a:xfrm>
+        </p:grpSpPr>
+        <p:sp>
+          <p:nvSpPr>
+            <p:cNvPr id="111" name="Rectangle 110"/>
+            <p:cNvSpPr/>
+            <p:nvPr/>
+          </p:nvSpPr>
+          <p:spPr bwMode="gray">
+            <a:xfrm>
+              <a:off x="2841987" y="4401731"/>
+              <a:ext cx="576064" cy="358930"/>
+            </a:xfrm>
+            <a:prstGeom prst="rect">
+              <a:avLst/>
+            </a:prstGeom>
+            <a:solidFill>
+              <a:srgbClr val="FF0000">
+                <a:alpha val="70000"/>
+              </a:srgbClr>
+            </a:solidFill>
+            <a:ln w="6350" algn="ctr">
+              <a:noFill/>
+              <a:miter lim="800000"/>
+              <a:headEnd/>
+              <a:tailEnd/>
+            </a:ln>
+          </p:spPr>
+          <p:txBody>
+            <a:bodyPr lIns="90000" tIns="72000" rIns="90000" bIns="72000" rtlCol="0" anchor="ctr"/>
+            <a:lstStyle/>
+            <a:p>
+              <a:pPr marR="0" algn="ctr" defTabSz="914400" eaLnBrk="1" fontAlgn="base" latinLnBrk="0" hangingPunct="1">
+                <a:lnSpc>
+                  <a:spcPct val="100000"/>
+                </a:lnSpc>
+                <a:spcBef>
+                  <a:spcPct val="50000"/>
+                </a:spcBef>
+                <a:spcAft>
+                  <a:spcPct val="0"/>
+                </a:spcAft>
+                <a:buClr>
+                  <a:srgbClr val="F0AB00"/>
+                </a:buClr>
+                <a:buSzPct val="80000"/>
+                <a:tabLst/>
+              </a:pPr>
+              <a:r>
+                <a:rPr kumimoji="0" lang="de-DE" sz="1200" b="1" i="0" u="none" strike="noStrike" kern="0" cap="none" spc="0" normalizeH="0" baseline="0" noProof="0" dirty="0" smtClean="0">
+                  <a:ln>
+                    <a:noFill/>
+                  </a:ln>
+                  <a:solidFill>
+                    <a:schemeClr val="bg1"/>
+                  </a:solidFill>
+                  <a:effectLst/>
+                  <a:uLnTx/>
+                  <a:uFillTx/>
+                  <a:ea typeface="Arial Unicode MS" pitchFamily="34" charset="-128"/>
+                  <a:cs typeface="Arial Unicode MS" pitchFamily="34" charset="-128"/>
+                </a:rPr>
+                <a:t>V</a:t>
+              </a:r>
+            </a:p>
+            <a:p>
+              <a:pPr marR="0" algn="ctr" defTabSz="914400" eaLnBrk="1" fontAlgn="base" latinLnBrk="0" hangingPunct="1">
+                <a:lnSpc>
+                  <a:spcPct val="100000"/>
+                </a:lnSpc>
+                <a:spcBef>
+                  <a:spcPct val="50000"/>
+                </a:spcBef>
+                <a:spcAft>
+                  <a:spcPct val="0"/>
+                </a:spcAft>
+                <a:buClr>
+                  <a:srgbClr val="F0AB00"/>
+                </a:buClr>
+                <a:buSzPct val="80000"/>
+                <a:tabLst/>
+              </a:pPr>
+              <a:r>
+                <a:rPr kumimoji="0" lang="de-DE" sz="1200" b="1" i="0" u="none" strike="noStrike" kern="0" cap="none" spc="0" normalizeH="0" baseline="0" noProof="0" dirty="0" smtClean="0">
+                  <a:ln>
+                    <a:noFill/>
+                  </a:ln>
+                  <a:solidFill>
+                    <a:schemeClr val="bg1"/>
+                  </a:solidFill>
+                  <a:effectLst/>
+                  <a:uLnTx/>
+                  <a:uFillTx/>
+                  <a:ea typeface="Arial Unicode MS" pitchFamily="34" charset="-128"/>
+                  <a:cs typeface="Arial Unicode MS" pitchFamily="34" charset="-128"/>
+                </a:rPr>
+                <a:t>P</a:t>
+              </a:r>
+            </a:p>
+            <a:p>
+              <a:pPr marR="0" algn="ctr" defTabSz="914400" eaLnBrk="1" fontAlgn="base" latinLnBrk="0" hangingPunct="1">
+                <a:lnSpc>
+                  <a:spcPct val="100000"/>
+                </a:lnSpc>
+                <a:spcBef>
+                  <a:spcPct val="50000"/>
+                </a:spcBef>
+                <a:spcAft>
+                  <a:spcPct val="0"/>
+                </a:spcAft>
+                <a:buClr>
+                  <a:srgbClr val="F0AB00"/>
+                </a:buClr>
+                <a:buSzPct val="80000"/>
+                <a:tabLst/>
+              </a:pPr>
+              <a:r>
+                <a:rPr kumimoji="0" lang="de-DE" sz="1200" b="1" i="0" u="none" strike="noStrike" kern="0" cap="none" spc="0" normalizeH="0" baseline="0" noProof="0" dirty="0" smtClean="0">
+                  <a:ln>
+                    <a:noFill/>
+                  </a:ln>
+                  <a:solidFill>
+                    <a:schemeClr val="bg1"/>
+                  </a:solidFill>
+                  <a:effectLst/>
+                  <a:uLnTx/>
+                  <a:uFillTx/>
+                  <a:ea typeface="Arial Unicode MS" pitchFamily="34" charset="-128"/>
+                  <a:cs typeface="Arial Unicode MS" pitchFamily="34" charset="-128"/>
+                </a:rPr>
+                <a:t>N</a:t>
+              </a:r>
+              <a:endParaRPr kumimoji="0" lang="de-DE" sz="1200" b="1" i="0" u="none" strike="noStrike" kern="0" cap="none" spc="0" normalizeH="0" baseline="0" noProof="0" dirty="0" smtClean="0">
+                <a:ln>
+                  <a:noFill/>
+                </a:ln>
+                <a:solidFill>
+                  <a:schemeClr val="bg1"/>
+                </a:solidFill>
+                <a:effectLst/>
+                <a:uLnTx/>
+                <a:uFillTx/>
+                <a:ea typeface="Arial Unicode MS" pitchFamily="34" charset="-128"/>
+                <a:cs typeface="Arial Unicode MS" pitchFamily="34" charset="-128"/>
+              </a:endParaRPr>
+            </a:p>
+          </p:txBody>
+        </p:sp>
+        <p:cxnSp>
+          <p:nvCxnSpPr>
+            <p:cNvPr id="112" name="Straight Connector 111"/>
+            <p:cNvCxnSpPr/>
+            <p:nvPr/>
+          </p:nvCxnSpPr>
+          <p:spPr>
+            <a:xfrm>
+              <a:off x="2841987" y="4401731"/>
+              <a:ext cx="576064" cy="0"/>
+            </a:xfrm>
+            <a:prstGeom prst="line">
+              <a:avLst/>
+            </a:prstGeom>
+            <a:ln w="41275">
+              <a:solidFill>
+                <a:schemeClr val="tx1"/>
+              </a:solidFill>
+              <a:prstDash val="sysDash"/>
+            </a:ln>
+          </p:spPr>
+          <p:style>
+            <a:lnRef idx="1">
+              <a:schemeClr val="accent1"/>
+            </a:lnRef>
+            <a:fillRef idx="0">
+              <a:schemeClr val="accent1"/>
+            </a:fillRef>
+            <a:effectRef idx="0">
+              <a:schemeClr val="accent1"/>
+            </a:effectRef>
+            <a:fontRef idx="minor">
+              <a:schemeClr val="tx1"/>
+            </a:fontRef>
+          </p:style>
+        </p:cxnSp>
+        <p:cxnSp>
+          <p:nvCxnSpPr>
+            <p:cNvPr id="113" name="Straight Connector 112"/>
+            <p:cNvCxnSpPr/>
+            <p:nvPr/>
+          </p:nvCxnSpPr>
+          <p:spPr>
+            <a:xfrm>
+              <a:off x="2841987" y="4760661"/>
+              <a:ext cx="576064" cy="0"/>
+            </a:xfrm>
+            <a:prstGeom prst="line">
+              <a:avLst/>
+            </a:prstGeom>
+            <a:ln w="41275">
+              <a:solidFill>
+                <a:schemeClr val="tx1"/>
+              </a:solidFill>
+              <a:prstDash val="sysDash"/>
+            </a:ln>
+          </p:spPr>
+          <p:style>
+            <a:lnRef idx="1">
+              <a:schemeClr val="accent1"/>
+            </a:lnRef>
+            <a:fillRef idx="0">
+              <a:schemeClr val="accent1"/>
+            </a:fillRef>
+            <a:effectRef idx="0">
+              <a:schemeClr val="accent1"/>
+            </a:effectRef>
+            <a:fontRef idx="minor">
+              <a:schemeClr val="tx1"/>
+            </a:fontRef>
+          </p:style>
+        </p:cxnSp>
+      </p:grpSp>
     </p:spTree>
     <p:extLst>
       <p:ext uri="{BB962C8B-B14F-4D97-AF65-F5344CB8AC3E}">
-        <p14:creationId xmlns:p14="http://schemas.microsoft.com/office/powerpoint/2010/main" val="1465509490"/>
+        <p14:creationId xmlns:p14="http://schemas.microsoft.com/office/powerpoint/2010/main" val="381961717"/>
       </p:ext>
     </p:extLst>
   </p:cSld>
@@ -18888,7 +23193,7 @@
           <a:p>
             <a:r>
               <a:rPr lang="en-US" dirty="0" smtClean="0"/>
-              <a:t>June 25, 2013</a:t>
+              <a:t>July 19, 2013</a:t>
             </a:r>
           </a:p>
         </p:txBody>
@@ -19131,10 +23436,25 @@
               <a:t>Over-The-Air </a:t>
             </a:r>
             <a:r>
-              <a:rPr lang="de-DE" b="1" dirty="0" err="1"/>
+              <a:rPr lang="de-DE" b="1" dirty="0" err="1" smtClean="0"/>
               <a:t>Deployment</a:t>
             </a:r>
             <a:endParaRPr lang="de-DE" b="1" dirty="0" smtClean="0"/>
+          </a:p>
+          <a:p>
+            <a:pPr lvl="2"/>
+            <a:r>
+              <a:rPr lang="de-DE" b="1" dirty="0" smtClean="0"/>
+              <a:t>Features </a:t>
+            </a:r>
+            <a:r>
+              <a:rPr lang="de-DE" b="1" dirty="0" err="1" smtClean="0"/>
+              <a:t>of</a:t>
+            </a:r>
+            <a:r>
+              <a:rPr lang="de-DE" b="1" dirty="0" smtClean="0"/>
+              <a:t> OTA Service</a:t>
+            </a:r>
           </a:p>
           <a:p>
             <a:pPr lvl="1"/>
@@ -19351,23 +23671,27 @@
               <a:buChar char="•"/>
             </a:pPr>
             <a:r>
-              <a:rPr lang="de-DE" b="1" dirty="0" smtClean="0"/>
+              <a:rPr lang="de-DE" b="1" dirty="0" smtClean="0">
+                <a:solidFill>
+                  <a:srgbClr val="EAB200"/>
+                </a:solidFill>
+              </a:rPr>
               <a:t>Company </a:t>
             </a:r>
             <a:r>
-              <a:rPr lang="de-DE" b="1" dirty="0" err="1" smtClean="0"/>
+              <a:rPr lang="de-DE" b="1" dirty="0" err="1" smtClean="0">
+                <a:solidFill>
+                  <a:srgbClr val="EAB200"/>
+                </a:solidFill>
+              </a:rPr>
               <a:t>building</a:t>
             </a:r>
             <a:r>
-              <a:rPr lang="de-DE" b="1" dirty="0" smtClean="0"/>
-              <a:t> </a:t>
-            </a:r>
-            <a:r>
-              <a:rPr lang="de-DE" b="1" u="sng" dirty="0" err="1" smtClean="0"/>
-              <a:t>internal</a:t>
-            </a:r>
-            <a:r>
-              <a:rPr lang="de-DE" b="1" dirty="0" smtClean="0"/>
+              <a:rPr lang="de-DE" b="1" dirty="0" smtClean="0">
+                <a:solidFill>
+                  <a:srgbClr val="EAB200"/>
+                </a:solidFill>
+              </a:rPr>
               <a:t> Apps </a:t>
             </a:r>
             <a:r>
@@ -19376,7 +23700,7 @@
             </a:r>
             <a:r>
               <a:rPr lang="de-DE" b="1" dirty="0" smtClean="0"/>
-              <a:t> Enterprise </a:t>
+              <a:t> Apple Enterprise </a:t>
             </a:r>
             <a:r>
               <a:rPr lang="de-DE" b="1" dirty="0"/>
@@ -19386,27 +23710,51 @@
               <a:rPr lang="de-DE" b="1" dirty="0"/>
             </a:br>
             <a:r>
-              <a:rPr lang="de-DE" b="1" dirty="0" err="1"/>
+              <a:rPr lang="de-DE" b="1" dirty="0" smtClean="0"/>
+              <a:t>… </a:t>
+            </a:r>
+            <a:r>
+              <a:rPr lang="de-DE" b="1" dirty="0" err="1" smtClean="0"/>
               <a:t>or</a:t>
             </a:r>
             <a:r>
+              <a:rPr lang="de-DE" b="1" dirty="0" smtClean="0"/>
+              <a:t> </a:t>
+            </a:r>
+            <a:r>
               <a:rPr lang="de-DE" b="1" dirty="0"/>
-              <a:t> a </a:t>
-            </a:r>
-            <a:r>
-              <a:rPr lang="de-DE" b="1" dirty="0" err="1"/>
+              <a:t>a </a:t>
+            </a:r>
+            <a:r>
+              <a:rPr lang="de-DE" b="1" dirty="0" err="1">
+                <a:solidFill>
+                  <a:srgbClr val="EAB200"/>
+                </a:solidFill>
+              </a:rPr>
               <a:t>development</a:t>
             </a:r>
             <a:r>
-              <a:rPr lang="de-DE" b="1" dirty="0"/>
-              <a:t> </a:t>
-            </a:r>
-            <a:r>
-              <a:rPr lang="de-DE" b="1" dirty="0" err="1"/>
+              <a:rPr lang="de-DE" b="1" dirty="0">
+                <a:solidFill>
+                  <a:srgbClr val="EAB200"/>
+                </a:solidFill>
+              </a:rPr>
+              <a:t> </a:t>
+            </a:r>
+            <a:r>
+              <a:rPr lang="de-DE" b="1" dirty="0" err="1">
+                <a:solidFill>
+                  <a:srgbClr val="EAB200"/>
+                </a:solidFill>
+              </a:rPr>
               <a:t>team</a:t>
             </a:r>
             <a:r>
-              <a:rPr lang="de-DE" b="1" dirty="0"/>
+              <a:rPr lang="de-DE" b="1" dirty="0">
+                <a:solidFill>
+                  <a:srgbClr val="EAB200"/>
+                </a:solidFill>
+              </a:rPr>
               <a:t> </a:t>
             </a:r>
             <a:r>
@@ -19484,11 +23832,19 @@
               <a:t> </a:t>
             </a:r>
             <a:r>
-              <a:rPr lang="de-DE" b="1" dirty="0" err="1" smtClean="0"/>
+              <a:rPr lang="de-DE" b="1" dirty="0" err="1" smtClean="0">
+                <a:solidFill>
+                  <a:srgbClr val="EAB200"/>
+                </a:solidFill>
+              </a:rPr>
               <a:t>distributed</a:t>
             </a:r>
             <a:r>
-              <a:rPr lang="de-DE" b="1" dirty="0" smtClean="0"/>
+              <a:rPr lang="de-DE" b="1" dirty="0" smtClean="0">
+                <a:solidFill>
+                  <a:srgbClr val="EAB200"/>
+                </a:solidFill>
+              </a:rPr>
               <a:t> </a:t>
             </a:r>
             <a:r>
@@ -19538,12 +23894,20 @@
               <a:buChar char="•"/>
             </a:pPr>
             <a:r>
-              <a:rPr lang="de-DE" b="1" dirty="0"/>
-              <a:t>Apps</a:t>
+              <a:rPr lang="de-DE" b="1" dirty="0" err="1" smtClean="0"/>
+              <a:t>Once</a:t>
             </a:r>
             <a:r>
               <a:rPr lang="de-DE" b="1" dirty="0" smtClean="0"/>
               <a:t> </a:t>
+            </a:r>
+            <a:r>
+              <a:rPr lang="de-DE" b="1" dirty="0" err="1" smtClean="0"/>
+              <a:t>built</a:t>
+            </a:r>
+            <a:r>
+              <a:rPr lang="de-DE" b="1" dirty="0" smtClean="0"/>
+              <a:t> Apps </a:t>
             </a:r>
             <a:r>
               <a:rPr lang="de-DE" b="1" dirty="0" err="1" smtClean="0"/>
@@ -19563,14 +23927,34 @@
             </a:r>
             <a:r>
               <a:rPr lang="de-DE" b="1" dirty="0" err="1" smtClean="0"/>
-              <a:t>located</a:t>
+              <a:t>provided</a:t>
             </a:r>
             <a:r>
               <a:rPr lang="de-DE" b="1" dirty="0" smtClean="0"/>
-              <a:t> in different </a:t>
+              <a:t> </a:t>
             </a:r>
             <a:r>
               <a:rPr lang="de-DE" b="1" dirty="0" err="1" smtClean="0"/>
+              <a:t>from</a:t>
+            </a:r>
+            <a:r>
+              <a:rPr lang="de-DE" b="1" dirty="0" smtClean="0"/>
+              <a:t> </a:t>
+            </a:r>
+            <a:r>
+              <a:rPr lang="de-DE" b="1" dirty="0" smtClean="0">
+                <a:solidFill>
+                  <a:srgbClr val="EAB200"/>
+                </a:solidFill>
+              </a:rPr>
+              <a:t>different </a:t>
+            </a:r>
+            <a:r>
+              <a:rPr lang="de-DE" b="1" dirty="0" err="1" smtClean="0">
+                <a:solidFill>
+                  <a:srgbClr val="EAB200"/>
+                </a:solidFill>
+              </a:rPr>
               <a:t>locations</a:t>
             </a:r>
             <a:r>
@@ -19597,39 +23981,20 @@
             </a:r>
             <a:r>
               <a:rPr lang="de-DE" b="1" dirty="0" smtClean="0"/>
-              <a:t> Server (</a:t>
+              <a:t> </a:t>
+            </a:r>
+            <a:r>
+              <a:rPr lang="de-DE" b="1" dirty="0" smtClean="0"/>
+              <a:t>Server, Release/Milestone </a:t>
             </a:r>
             <a:r>
               <a:rPr lang="de-DE" b="1" dirty="0" err="1" smtClean="0"/>
-              <a:t>snapshot</a:t>
+              <a:t>Build</a:t>
             </a:r>
             <a:r>
               <a:rPr lang="de-DE" b="1" dirty="0" smtClean="0"/>
-              <a:t> </a:t>
-            </a:r>
-            <a:r>
-              <a:rPr lang="de-DE" b="1" dirty="0" err="1" smtClean="0"/>
-              <a:t>versions</a:t>
-            </a:r>
-            <a:r>
-              <a:rPr lang="de-DE" b="1" dirty="0" smtClean="0"/>
-              <a:t> </a:t>
-            </a:r>
-            <a:r>
-              <a:rPr lang="de-DE" b="1" dirty="0" smtClean="0">
-                <a:sym typeface="Wingdings" pitchFamily="2" charset="2"/>
-              </a:rPr>
-              <a:t> </a:t>
-            </a:r>
-            <a:r>
-              <a:rPr lang="de-DE" b="1" dirty="0" err="1" smtClean="0"/>
-              <a:t>developers</a:t>
-            </a:r>
-            <a:r>
-              <a:rPr lang="de-DE" b="1" dirty="0"/>
-              <a:t>)</a:t>
-            </a:r>
-            <a:endParaRPr lang="de-DE" b="1" dirty="0" smtClean="0"/>
+              <a:t> Server</a:t>
+            </a:r>
           </a:p>
           <a:p>
             <a:pPr marL="522900" lvl="1" indent="-342900">
@@ -19638,42 +24003,9 @@
             </a:pPr>
             <a:r>
               <a:rPr lang="de-DE" b="1" dirty="0" smtClean="0"/>
-              <a:t>Central Repository (</a:t>
-            </a:r>
-            <a:r>
-              <a:rPr lang="de-DE" b="1" dirty="0" err="1" smtClean="0"/>
-              <a:t>milestone</a:t>
-            </a:r>
-            <a:r>
-              <a:rPr lang="de-DE" b="1" dirty="0" smtClean="0"/>
-              <a:t> </a:t>
-            </a:r>
-            <a:r>
-              <a:rPr lang="de-DE" b="1" dirty="0" err="1" smtClean="0"/>
-              <a:t>versions</a:t>
-            </a:r>
-            <a:r>
-              <a:rPr lang="de-DE" b="1" dirty="0" smtClean="0"/>
-              <a:t> </a:t>
-            </a:r>
-            <a:r>
-              <a:rPr lang="de-DE" b="1" dirty="0">
-                <a:sym typeface="Wingdings" pitchFamily="2" charset="2"/>
-              </a:rPr>
-              <a:t></a:t>
-            </a:r>
-            <a:r>
-              <a:rPr lang="de-DE" b="1" dirty="0" smtClean="0"/>
-              <a:t> </a:t>
-            </a:r>
-            <a:r>
-              <a:rPr lang="de-DE" b="1" dirty="0" err="1" smtClean="0"/>
-              <a:t>testers</a:t>
-            </a:r>
-            <a:r>
-              <a:rPr lang="de-DE" b="1" dirty="0" smtClean="0"/>
-              <a:t>)</a:t>
-            </a:r>
+              <a:t>Central Repository</a:t>
+            </a:r>
+            <a:endParaRPr lang="de-DE" b="1" dirty="0" smtClean="0"/>
           </a:p>
           <a:p>
             <a:pPr marL="522900" lvl="1" indent="-342900">
@@ -19682,41 +24014,11 @@
             </a:pPr>
             <a:r>
               <a:rPr lang="de-DE" b="1" dirty="0" smtClean="0"/>
-              <a:t>Internal App Store (</a:t>
-            </a:r>
-            <a:r>
-              <a:rPr lang="de-DE" b="1" dirty="0" err="1" smtClean="0"/>
-              <a:t>released</a:t>
+              <a:t>Internal App </a:t>
             </a:r>
             <a:r>
               <a:rPr lang="de-DE" b="1" dirty="0" smtClean="0"/>
-              <a:t> </a:t>
-            </a:r>
-            <a:r>
-              <a:rPr lang="de-DE" b="1" dirty="0" err="1" smtClean="0"/>
-              <a:t>versions</a:t>
-            </a:r>
-            <a:r>
-              <a:rPr lang="de-DE" b="1" dirty="0" smtClean="0"/>
-              <a:t> </a:t>
-            </a:r>
-            <a:r>
-              <a:rPr lang="de-DE" b="1" dirty="0" smtClean="0">
-                <a:sym typeface="Wingdings" pitchFamily="2" charset="2"/>
-              </a:rPr>
-              <a:t> </a:t>
-            </a:r>
-            <a:r>
-              <a:rPr lang="de-DE" b="1" dirty="0" err="1" smtClean="0">
-                <a:sym typeface="Wingdings" pitchFamily="2" charset="2"/>
-              </a:rPr>
-              <a:t>users</a:t>
-            </a:r>
-            <a:r>
-              <a:rPr lang="de-DE" b="1" dirty="0" smtClean="0">
-                <a:sym typeface="Wingdings" pitchFamily="2" charset="2"/>
-              </a:rPr>
-              <a:t>)</a:t>
+              <a:t>Store</a:t>
             </a:r>
             <a:endParaRPr lang="de-DE" b="1" dirty="0" smtClean="0"/>
           </a:p>
@@ -19749,34 +24051,66 @@
               <a:t> </a:t>
             </a:r>
             <a:r>
-              <a:rPr lang="de-DE" b="1" dirty="0" err="1" smtClean="0"/>
+              <a:rPr lang="de-DE" b="1" dirty="0" err="1" smtClean="0">
+                <a:solidFill>
+                  <a:srgbClr val="EAB200"/>
+                </a:solidFill>
+              </a:rPr>
               <a:t>installable</a:t>
             </a:r>
             <a:r>
-              <a:rPr lang="de-DE" b="1" dirty="0" smtClean="0"/>
-              <a:t> </a:t>
-            </a:r>
-            <a:r>
-              <a:rPr lang="de-DE" b="1" dirty="0" err="1" smtClean="0"/>
+              <a:rPr lang="de-DE" b="1" dirty="0" smtClean="0">
+                <a:solidFill>
+                  <a:srgbClr val="EAB200"/>
+                </a:solidFill>
+              </a:rPr>
+              <a:t> </a:t>
+            </a:r>
+            <a:r>
+              <a:rPr lang="de-DE" b="1" dirty="0" err="1" smtClean="0">
+                <a:solidFill>
+                  <a:srgbClr val="EAB200"/>
+                </a:solidFill>
+              </a:rPr>
               <a:t>with</a:t>
             </a:r>
             <a:r>
-              <a:rPr lang="de-DE" b="1" dirty="0" smtClean="0"/>
-              <a:t> </a:t>
-            </a:r>
-            <a:r>
-              <a:rPr lang="de-DE" b="1" dirty="0" err="1" smtClean="0"/>
+              <a:rPr lang="de-DE" b="1" dirty="0" smtClean="0">
+                <a:solidFill>
+                  <a:srgbClr val="EAB200"/>
+                </a:solidFill>
+              </a:rPr>
+              <a:t> </a:t>
+            </a:r>
+            <a:r>
+              <a:rPr lang="de-DE" b="1" dirty="0" err="1" smtClean="0">
+                <a:solidFill>
+                  <a:srgbClr val="EAB200"/>
+                </a:solidFill>
+              </a:rPr>
               <a:t>low</a:t>
             </a:r>
             <a:r>
-              <a:rPr lang="de-DE" b="1" dirty="0" smtClean="0"/>
-              <a:t> </a:t>
-            </a:r>
-            <a:r>
-              <a:rPr lang="de-DE" b="1" dirty="0" err="1" smtClean="0"/>
+              <a:rPr lang="de-DE" b="1" dirty="0" smtClean="0">
+                <a:solidFill>
+                  <a:srgbClr val="EAB200"/>
+                </a:solidFill>
+              </a:rPr>
+              <a:t> </a:t>
+            </a:r>
+            <a:r>
+              <a:rPr lang="de-DE" b="1" dirty="0" err="1" smtClean="0">
+                <a:solidFill>
+                  <a:srgbClr val="EAB200"/>
+                </a:solidFill>
+              </a:rPr>
               <a:t>effort</a:t>
             </a:r>
-            <a:endParaRPr lang="de-DE" b="1" dirty="0"/>
+            <a:endParaRPr lang="de-DE" b="1" dirty="0">
+              <a:solidFill>
+                <a:srgbClr val="EAB200"/>
+              </a:solidFill>
+            </a:endParaRPr>
           </a:p>
         </p:txBody>
       </p:sp>
@@ -20014,8 +24348,16 @@
               <a:buAutoNum type="arabicPeriod"/>
             </a:pPr>
             <a:r>
+              <a:rPr lang="de-DE" dirty="0" smtClean="0">
+                <a:solidFill>
+                  <a:srgbClr val="EAB200"/>
+                </a:solidFill>
+              </a:rPr>
+              <a:t>Download</a:t>
+            </a:r>
+            <a:r>
               <a:rPr lang="de-DE" dirty="0" smtClean="0"/>
-              <a:t>Download IPA </a:t>
+              <a:t> IPA </a:t>
             </a:r>
             <a:r>
               <a:rPr lang="de-DE" dirty="0" err="1" smtClean="0"/>
@@ -20029,8 +24371,16 @@
               <a:buAutoNum type="arabicPeriod"/>
             </a:pPr>
             <a:r>
+              <a:rPr lang="de-DE" dirty="0" smtClean="0">
+                <a:solidFill>
+                  <a:srgbClr val="EAB200"/>
+                </a:solidFill>
+              </a:rPr>
+              <a:t>Import</a:t>
+            </a:r>
+            <a:r>
               <a:rPr lang="de-DE" dirty="0" smtClean="0"/>
-              <a:t>Import IPA </a:t>
+              <a:t> IPA </a:t>
             </a:r>
             <a:r>
               <a:rPr lang="de-DE" dirty="0" err="1" smtClean="0"/>
@@ -20055,8 +24405,16 @@
               <a:buAutoNum type="arabicPeriod"/>
             </a:pPr>
             <a:r>
+              <a:rPr lang="de-DE" dirty="0" smtClean="0">
+                <a:solidFill>
+                  <a:srgbClr val="EAB200"/>
+                </a:solidFill>
+              </a:rPr>
+              <a:t>Connect</a:t>
+            </a:r>
+            <a:r>
               <a:rPr lang="de-DE" dirty="0" smtClean="0"/>
-              <a:t>Connect </a:t>
+              <a:t> </a:t>
             </a:r>
             <a:r>
               <a:rPr lang="de-DE" dirty="0" err="1" smtClean="0"/>
@@ -20078,12 +24436,24 @@
               <a:buAutoNum type="arabicPeriod"/>
             </a:pPr>
             <a:r>
-              <a:rPr lang="de-DE" dirty="0" err="1" smtClean="0"/>
+              <a:rPr lang="de-DE" dirty="0" err="1" smtClean="0">
+                <a:solidFill>
+                  <a:srgbClr val="EAB200"/>
+                </a:solidFill>
+              </a:rPr>
               <a:t>Synchronize</a:t>
             </a:r>
             <a:r>
+              <a:rPr lang="de-DE" dirty="0" smtClean="0">
+                <a:solidFill>
+                  <a:srgbClr val="EAB200"/>
+                </a:solidFill>
+              </a:rPr>
+              <a:t> </a:t>
+            </a:r>
+            <a:r>
               <a:rPr lang="de-DE" dirty="0" smtClean="0"/>
-              <a:t> iTunes </a:t>
+              <a:t>iTunes </a:t>
             </a:r>
             <a:r>
               <a:rPr lang="de-DE" dirty="0" err="1" smtClean="0"/>
@@ -20177,24 +24547,48 @@
               <a:buAutoNum type="arabicPeriod"/>
             </a:pPr>
             <a:r>
+              <a:rPr lang="de-DE" dirty="0" smtClean="0">
+                <a:solidFill>
+                  <a:srgbClr val="EAB200"/>
+                </a:solidFill>
+              </a:rPr>
+              <a:t>Open </a:t>
+            </a:r>
+            <a:r>
+              <a:rPr lang="de-DE" dirty="0" err="1" smtClean="0">
+                <a:solidFill>
+                  <a:srgbClr val="EAB200"/>
+                </a:solidFill>
+              </a:rPr>
+              <a:t>install</a:t>
+            </a:r>
+            <a:r>
+              <a:rPr lang="de-DE" dirty="0" smtClean="0">
+                <a:solidFill>
+                  <a:srgbClr val="EAB200"/>
+                </a:solidFill>
+              </a:rPr>
+              <a:t> </a:t>
+            </a:r>
+            <a:r>
+              <a:rPr lang="de-DE" dirty="0" err="1" smtClean="0">
+                <a:solidFill>
+                  <a:srgbClr val="EAB200"/>
+                </a:solidFill>
+              </a:rPr>
+              <a:t>page</a:t>
+            </a:r>
+            <a:r>
+              <a:rPr lang="de-DE" dirty="0" smtClean="0">
+                <a:solidFill>
+                  <a:srgbClr val="EAB200"/>
+                </a:solidFill>
+              </a:rPr>
+              <a:t> </a:t>
+            </a:r>
+            <a:r>
               <a:rPr lang="de-DE" dirty="0" smtClean="0"/>
-              <a:t>Open </a:t>
-            </a:r>
-            <a:r>
-              <a:rPr lang="de-DE" dirty="0" err="1" smtClean="0"/>
-              <a:t>install</a:t>
-            </a:r>
-            <a:r>
-              <a:rPr lang="de-DE" dirty="0" smtClean="0"/>
-              <a:t> </a:t>
-            </a:r>
-            <a:r>
-              <a:rPr lang="de-DE" dirty="0" err="1" smtClean="0"/>
-              <a:t>page</a:t>
-            </a:r>
-            <a:r>
-              <a:rPr lang="de-DE" dirty="0" smtClean="0"/>
-              <a:t> in </a:t>
+              <a:t>in </a:t>
             </a:r>
             <a:r>
               <a:rPr lang="de-DE" dirty="0" err="1" smtClean="0"/>
@@ -20216,24 +24610,48 @@
               <a:buAutoNum type="arabicPeriod"/>
             </a:pPr>
             <a:r>
+              <a:rPr lang="de-DE" dirty="0" smtClean="0">
+                <a:solidFill>
+                  <a:srgbClr val="EAB200"/>
+                </a:solidFill>
+              </a:rPr>
+              <a:t>Click </a:t>
+            </a:r>
+            <a:r>
+              <a:rPr lang="de-DE" dirty="0" err="1" smtClean="0">
+                <a:solidFill>
+                  <a:srgbClr val="EAB200"/>
+                </a:solidFill>
+              </a:rPr>
+              <a:t>install</a:t>
+            </a:r>
+            <a:r>
+              <a:rPr lang="de-DE" dirty="0" smtClean="0">
+                <a:solidFill>
+                  <a:srgbClr val="EAB200"/>
+                </a:solidFill>
+              </a:rPr>
+              <a:t> </a:t>
+            </a:r>
+            <a:r>
+              <a:rPr lang="de-DE" dirty="0" err="1" smtClean="0">
+                <a:solidFill>
+                  <a:srgbClr val="EAB200"/>
+                </a:solidFill>
+              </a:rPr>
+              <a:t>button</a:t>
+            </a:r>
+            <a:r>
+              <a:rPr lang="de-DE" dirty="0" smtClean="0">
+                <a:solidFill>
+                  <a:srgbClr val="EAB200"/>
+                </a:solidFill>
+              </a:rPr>
+              <a:t> </a:t>
+            </a:r>
+            <a:r>
               <a:rPr lang="de-DE" dirty="0" smtClean="0"/>
-              <a:t>Click </a:t>
-            </a:r>
-            <a:r>
-              <a:rPr lang="de-DE" dirty="0" err="1" smtClean="0"/>
-              <a:t>install</a:t>
-            </a:r>
-            <a:r>
-              <a:rPr lang="de-DE" dirty="0" smtClean="0"/>
-              <a:t> </a:t>
-            </a:r>
-            <a:r>
-              <a:rPr lang="de-DE" dirty="0" err="1" smtClean="0"/>
-              <a:t>button</a:t>
-            </a:r>
-            <a:r>
-              <a:rPr lang="de-DE" dirty="0" smtClean="0"/>
-              <a:t> / link</a:t>
+              <a:t>/ link</a:t>
             </a:r>
             <a:br>
               <a:rPr lang="de-DE" dirty="0" smtClean="0"/>
@@ -20402,6 +24820,88 @@
           </a:fontRef>
         </p:style>
       </p:cxnSp>
+      <p:pic>
+        <p:nvPicPr>
+          <p:cNvPr id="8" name="Picture 2" descr="Logo"/>
+          <p:cNvPicPr>
+            <a:picLocks noChangeAspect="1" noChangeArrowheads="1"/>
+          </p:cNvPicPr>
+          <p:nvPr/>
+        </p:nvPicPr>
+        <p:blipFill>
+          <a:blip r:embed="rId3" cstate="print">
+            <a:extLst>
+              <a:ext uri="{28A0092B-C50C-407E-A947-70E740481C1C}">
+                <a14:useLocalDpi xmlns:a14="http://schemas.microsoft.com/office/drawing/2010/main" val="0"/>
+              </a:ext>
+            </a:extLst>
+          </a:blip>
+          <a:srcRect/>
+          <a:stretch>
+            <a:fillRect/>
+          </a:stretch>
+        </p:blipFill>
+        <p:spPr bwMode="auto">
+          <a:xfrm>
+            <a:off x="2137147" y="1373757"/>
+            <a:ext cx="357188" cy="428626"/>
+          </a:xfrm>
+          <a:prstGeom prst="rect">
+            <a:avLst/>
+          </a:prstGeom>
+          <a:noFill/>
+          <a:extLst>
+            <a:ext uri="{909E8E84-426E-40DD-AFC4-6F175D3DCCD1}">
+              <a14:hiddenFill xmlns:a14="http://schemas.microsoft.com/office/drawing/2010/main">
+                <a:solidFill>
+                  <a:srgbClr val="FFFFFF"/>
+                </a:solidFill>
+              </a14:hiddenFill>
+            </a:ext>
+          </a:extLst>
+        </p:spPr>
+      </p:pic>
+      <p:pic>
+        <p:nvPicPr>
+          <p:cNvPr id="9" name="Picture 2" descr="Logo"/>
+          <p:cNvPicPr>
+            <a:picLocks noChangeAspect="1" noChangeArrowheads="1"/>
+          </p:cNvPicPr>
+          <p:nvPr/>
+        </p:nvPicPr>
+        <p:blipFill>
+          <a:blip r:embed="rId3" cstate="print">
+            <a:extLst>
+              <a:ext uri="{28A0092B-C50C-407E-A947-70E740481C1C}">
+                <a14:useLocalDpi xmlns:a14="http://schemas.microsoft.com/office/drawing/2010/main" val="0"/>
+              </a:ext>
+            </a:extLst>
+          </a:blip>
+          <a:srcRect/>
+          <a:stretch>
+            <a:fillRect/>
+          </a:stretch>
+        </p:blipFill>
+        <p:spPr bwMode="auto">
+          <a:xfrm>
+            <a:off x="9556823" y="1373757"/>
+            <a:ext cx="357188" cy="428626"/>
+          </a:xfrm>
+          <a:prstGeom prst="rect">
+            <a:avLst/>
+          </a:prstGeom>
+          <a:noFill/>
+          <a:extLst>
+            <a:ext uri="{909E8E84-426E-40DD-AFC4-6F175D3DCCD1}">
+              <a14:hiddenFill xmlns:a14="http://schemas.microsoft.com/office/drawing/2010/main">
+                <a:solidFill>
+                  <a:srgbClr val="FFFFFF"/>
+                </a:solidFill>
+              </a14:hiddenFill>
+            </a:ext>
+          </a:extLst>
+        </p:spPr>
+      </p:pic>
     </p:spTree>
     <p:extLst>
       <p:ext uri="{BB962C8B-B14F-4D97-AF65-F5344CB8AC3E}">
@@ -22093,11 +26593,19 @@
               <a:buAutoNum type="arabicPeriod"/>
             </a:pPr>
             <a:r>
-              <a:rPr lang="de-DE" dirty="0" err="1" smtClean="0"/>
+              <a:rPr lang="de-DE" dirty="0" err="1" smtClean="0">
+                <a:solidFill>
+                  <a:srgbClr val="EAB200"/>
+                </a:solidFill>
+              </a:rPr>
               <a:t>Provide</a:t>
             </a:r>
             <a:r>
-              <a:rPr lang="de-DE" dirty="0" smtClean="0"/>
+              <a:rPr lang="de-DE" dirty="0" smtClean="0">
+                <a:solidFill>
+                  <a:srgbClr val="EAB200"/>
+                </a:solidFill>
+              </a:rPr>
               <a:t> IPA </a:t>
             </a:r>
             <a:r>
@@ -22115,12 +26623,12 @@
               <a:buAutoNum type="arabicPeriod"/>
             </a:pPr>
             <a:r>
-              <a:rPr lang="de-DE" dirty="0" err="1" smtClean="0"/>
-              <a:t>Generate</a:t>
-            </a:r>
-            <a:r>
-              <a:rPr lang="de-DE" dirty="0" smtClean="0"/>
-              <a:t> PLIST </a:t>
+              <a:rPr lang="de-DE" dirty="0" smtClean="0">
+                <a:solidFill>
+                  <a:srgbClr val="EAB200"/>
+                </a:solidFill>
+              </a:rPr>
+              <a:t>Create PLIST </a:t>
             </a:r>
             <a:r>
               <a:rPr lang="de-DE" dirty="0" err="1" smtClean="0"/>
@@ -22139,7 +26647,11 @@
             </a:r>
             <a:r>
               <a:rPr lang="de-DE" dirty="0" smtClean="0"/>
-              <a:t> absolute URL </a:t>
+              <a:t> </a:t>
+            </a:r>
+            <a:r>
+              <a:rPr lang="de-DE" u="sng" dirty="0" smtClean="0"/>
+              <a:t>absolute URL </a:t>
             </a:r>
             <a:r>
               <a:rPr lang="de-DE" dirty="0" err="1" smtClean="0"/>
@@ -22162,9 +26674,12 @@
             </a:r>
             <a:r>
               <a:rPr lang="de-DE" dirty="0"/>
-              <a:t> via HTTP</a:t>
-            </a:r>
-            <a:endParaRPr lang="de-DE" dirty="0" smtClean="0"/>
+              <a:t> via </a:t>
+            </a:r>
+            <a:r>
+              <a:rPr lang="de-DE" dirty="0" smtClean="0"/>
+              <a:t>HTTP</a:t>
+            </a:r>
           </a:p>
           <a:p>
             <a:pPr marL="457200" indent="-457200">
@@ -22172,19 +26687,27 @@
               <a:buAutoNum type="arabicPeriod"/>
             </a:pPr>
             <a:r>
-              <a:rPr lang="de-DE" dirty="0" err="1" smtClean="0"/>
-              <a:t>Generate</a:t>
-            </a:r>
-            <a:r>
-              <a:rPr lang="de-DE" dirty="0" smtClean="0"/>
-              <a:t> </a:t>
-            </a:r>
-            <a:r>
-              <a:rPr lang="de-DE" dirty="0" err="1" smtClean="0"/>
+              <a:rPr lang="de-DE" dirty="0" smtClean="0">
+                <a:solidFill>
+                  <a:srgbClr val="EAB200"/>
+                </a:solidFill>
+              </a:rPr>
+              <a:t>Create </a:t>
+            </a:r>
+            <a:r>
+              <a:rPr lang="de-DE" dirty="0" err="1" smtClean="0">
+                <a:solidFill>
+                  <a:srgbClr val="EAB200"/>
+                </a:solidFill>
+              </a:rPr>
               <a:t>install</a:t>
             </a:r>
             <a:r>
-              <a:rPr lang="de-DE" dirty="0" smtClean="0"/>
+              <a:rPr lang="de-DE" dirty="0" smtClean="0">
+                <a:solidFill>
+                  <a:srgbClr val="EAB200"/>
+                </a:solidFill>
+              </a:rPr>
               <a:t> HTML </a:t>
             </a:r>
             <a:r>
@@ -22204,7 +26727,11 @@
             </a:r>
             <a:r>
               <a:rPr lang="de-DE" dirty="0" smtClean="0"/>
-              <a:t> absolute URL </a:t>
+              <a:t> </a:t>
+            </a:r>
+            <a:r>
+              <a:rPr lang="de-DE" u="sng" dirty="0" smtClean="0"/>
+              <a:t>absolute URL </a:t>
             </a:r>
             <a:r>
               <a:rPr lang="de-DE" dirty="0" err="1" smtClean="0"/>
@@ -22252,42 +26779,82 @@
               <a:t>Works </a:t>
             </a:r>
             <a:r>
-              <a:rPr lang="de-DE" dirty="0" err="1" smtClean="0"/>
+              <a:rPr lang="de-DE" dirty="0" err="1" smtClean="0">
+                <a:solidFill>
+                  <a:srgbClr val="FF0000"/>
+                </a:solidFill>
+              </a:rPr>
               <a:t>only</a:t>
             </a:r>
             <a:r>
-              <a:rPr lang="de-DE" dirty="0" smtClean="0"/>
-              <a:t> </a:t>
-            </a:r>
-            <a:r>
-              <a:rPr lang="de-DE" dirty="0" err="1" smtClean="0"/>
+              <a:rPr lang="de-DE" dirty="0" smtClean="0">
+                <a:solidFill>
+                  <a:srgbClr val="FF0000"/>
+                </a:solidFill>
+              </a:rPr>
+              <a:t> </a:t>
+            </a:r>
+            <a:r>
+              <a:rPr lang="de-DE" dirty="0" err="1" smtClean="0">
+                <a:solidFill>
+                  <a:srgbClr val="FF0000"/>
+                </a:solidFill>
+              </a:rPr>
               <a:t>for</a:t>
             </a:r>
             <a:r>
-              <a:rPr lang="de-DE" dirty="0" smtClean="0"/>
-              <a:t> </a:t>
-            </a:r>
-            <a:r>
-              <a:rPr lang="de-DE" dirty="0" err="1" smtClean="0"/>
+              <a:rPr lang="de-DE" dirty="0" smtClean="0">
+                <a:solidFill>
+                  <a:srgbClr val="FF0000"/>
+                </a:solidFill>
+              </a:rPr>
+              <a:t> </a:t>
+            </a:r>
+            <a:r>
+              <a:rPr lang="de-DE" dirty="0" err="1" smtClean="0">
+                <a:solidFill>
+                  <a:srgbClr val="FF0000"/>
+                </a:solidFill>
+              </a:rPr>
               <a:t>this</a:t>
             </a:r>
             <a:r>
-              <a:rPr lang="de-DE" dirty="0" smtClean="0"/>
-              <a:t> </a:t>
-            </a:r>
-            <a:r>
-              <a:rPr lang="de-DE" dirty="0" err="1" smtClean="0"/>
+              <a:rPr lang="de-DE" dirty="0" smtClean="0">
+                <a:solidFill>
+                  <a:srgbClr val="FF0000"/>
+                </a:solidFill>
+              </a:rPr>
+              <a:t> </a:t>
+            </a:r>
+            <a:r>
+              <a:rPr lang="de-DE" dirty="0" err="1" smtClean="0">
+                <a:solidFill>
+                  <a:srgbClr val="FF0000"/>
+                </a:solidFill>
+              </a:rPr>
               <a:t>specific</a:t>
             </a:r>
             <a:r>
-              <a:rPr lang="de-DE" dirty="0" smtClean="0"/>
-              <a:t> </a:t>
-            </a:r>
-            <a:r>
-              <a:rPr lang="de-DE" dirty="0" err="1" smtClean="0"/>
+              <a:rPr lang="de-DE" dirty="0" smtClean="0">
+                <a:solidFill>
+                  <a:srgbClr val="FF0000"/>
+                </a:solidFill>
+              </a:rPr>
+              <a:t> </a:t>
+            </a:r>
+            <a:r>
+              <a:rPr lang="de-DE" dirty="0" err="1" smtClean="0">
+                <a:solidFill>
+                  <a:srgbClr val="FF0000"/>
+                </a:solidFill>
+              </a:rPr>
               <a:t>location</a:t>
             </a:r>
-            <a:endParaRPr lang="de-DE" dirty="0" smtClean="0"/>
+            <a:endParaRPr lang="de-DE" dirty="0" smtClean="0">
+              <a:solidFill>
+                <a:srgbClr val="FF0000"/>
+              </a:solidFill>
+            </a:endParaRPr>
           </a:p>
           <a:p>
             <a:pPr marL="790575" indent="-342900">
@@ -22310,12 +26877,8 @@
               <a:t> </a:t>
             </a:r>
             <a:r>
-              <a:rPr lang="de-DE" dirty="0" err="1" smtClean="0"/>
-              <a:t>install</a:t>
-            </a:r>
-            <a:r>
               <a:rPr lang="de-DE" dirty="0" smtClean="0"/>
-              <a:t> </a:t>
+              <a:t>HTML </a:t>
             </a:r>
             <a:r>
               <a:rPr lang="de-DE" dirty="0" err="1" smtClean="0"/>
@@ -22350,42 +26913,82 @@
               <a:t> </a:t>
             </a:r>
             <a:r>
-              <a:rPr lang="de-DE" dirty="0" err="1" smtClean="0"/>
-              <a:t>generated</a:t>
-            </a:r>
-            <a:r>
-              <a:rPr lang="de-DE" dirty="0" smtClean="0"/>
-              <a:t> </a:t>
-            </a:r>
-            <a:r>
-              <a:rPr lang="de-DE" dirty="0" err="1" smtClean="0"/>
+              <a:rPr lang="de-DE" dirty="0" err="1" smtClean="0">
+                <a:solidFill>
+                  <a:srgbClr val="FF0000"/>
+                </a:solidFill>
+              </a:rPr>
+              <a:t>created</a:t>
+            </a:r>
+            <a:r>
+              <a:rPr lang="de-DE" dirty="0" smtClean="0">
+                <a:solidFill>
+                  <a:srgbClr val="FF0000"/>
+                </a:solidFill>
+              </a:rPr>
+              <a:t> </a:t>
+            </a:r>
+            <a:r>
+              <a:rPr lang="de-DE" dirty="0" err="1" smtClean="0">
+                <a:solidFill>
+                  <a:srgbClr val="FF0000"/>
+                </a:solidFill>
+              </a:rPr>
               <a:t>again</a:t>
             </a:r>
             <a:r>
-              <a:rPr lang="de-DE" dirty="0" smtClean="0"/>
-              <a:t> </a:t>
-            </a:r>
-            <a:r>
-              <a:rPr lang="de-DE" dirty="0" err="1" smtClean="0"/>
+              <a:rPr lang="de-DE" dirty="0" smtClean="0">
+                <a:solidFill>
+                  <a:srgbClr val="FF0000"/>
+                </a:solidFill>
+              </a:rPr>
+              <a:t> </a:t>
+            </a:r>
+            <a:r>
+              <a:rPr lang="de-DE" dirty="0" err="1" smtClean="0">
+                <a:solidFill>
+                  <a:srgbClr val="FF0000"/>
+                </a:solidFill>
+              </a:rPr>
               <a:t>for</a:t>
             </a:r>
             <a:r>
-              <a:rPr lang="de-DE" dirty="0" smtClean="0"/>
-              <a:t> </a:t>
-            </a:r>
-            <a:r>
-              <a:rPr lang="de-DE" dirty="0" err="1" smtClean="0"/>
+              <a:rPr lang="de-DE" dirty="0" smtClean="0">
+                <a:solidFill>
+                  <a:srgbClr val="FF0000"/>
+                </a:solidFill>
+              </a:rPr>
+              <a:t> </a:t>
+            </a:r>
+            <a:r>
+              <a:rPr lang="de-DE" dirty="0" err="1" smtClean="0">
+                <a:solidFill>
+                  <a:srgbClr val="FF0000"/>
+                </a:solidFill>
+              </a:rPr>
               <a:t>new</a:t>
             </a:r>
             <a:r>
-              <a:rPr lang="de-DE" dirty="0" smtClean="0"/>
-              <a:t> </a:t>
-            </a:r>
-            <a:r>
-              <a:rPr lang="de-DE" dirty="0" err="1" smtClean="0"/>
+              <a:rPr lang="de-DE" dirty="0" smtClean="0">
+                <a:solidFill>
+                  <a:srgbClr val="FF0000"/>
+                </a:solidFill>
+              </a:rPr>
+              <a:t> </a:t>
+            </a:r>
+            <a:r>
+              <a:rPr lang="de-DE" dirty="0" err="1" smtClean="0">
+                <a:solidFill>
+                  <a:srgbClr val="FF0000"/>
+                </a:solidFill>
+              </a:rPr>
               <a:t>location</a:t>
             </a:r>
-            <a:endParaRPr lang="de-DE" dirty="0"/>
+            <a:endParaRPr lang="de-DE" dirty="0">
+              <a:solidFill>
+                <a:srgbClr val="FF0000"/>
+              </a:solidFill>
+            </a:endParaRPr>
           </a:p>
         </p:txBody>
       </p:sp>
@@ -22424,20 +27027,40 @@
               <a:buAutoNum type="arabicPeriod"/>
             </a:pPr>
             <a:r>
-              <a:rPr lang="de-DE" dirty="0" err="1" smtClean="0"/>
+              <a:rPr lang="de-DE" dirty="0" err="1" smtClean="0">
+                <a:solidFill>
+                  <a:srgbClr val="EAB200"/>
+                </a:solidFill>
+              </a:rPr>
               <a:t>Provide</a:t>
             </a:r>
             <a:r>
+              <a:rPr lang="de-DE" dirty="0" smtClean="0">
+                <a:solidFill>
+                  <a:srgbClr val="EAB200"/>
+                </a:solidFill>
+              </a:rPr>
+              <a:t> IPA </a:t>
+            </a:r>
+            <a:r>
+              <a:rPr lang="de-DE" dirty="0" err="1" smtClean="0">
+                <a:solidFill>
+                  <a:srgbClr val="EAB200"/>
+                </a:solidFill>
+              </a:rPr>
+              <a:t>file</a:t>
+            </a:r>
+            <a:r>
+              <a:rPr lang="de-DE" dirty="0" smtClean="0">
+                <a:solidFill>
+                  <a:srgbClr val="EAB200"/>
+                </a:solidFill>
+              </a:rPr>
+              <a:t> </a:t>
+            </a:r>
+            <a:r>
               <a:rPr lang="de-DE" dirty="0" smtClean="0"/>
-              <a:t> IPA </a:t>
-            </a:r>
-            <a:r>
-              <a:rPr lang="de-DE" dirty="0" err="1" smtClean="0"/>
-              <a:t>file</a:t>
-            </a:r>
-            <a:r>
-              <a:rPr lang="de-DE" dirty="0" smtClean="0"/>
-              <a:t> via HTTP</a:t>
+              <a:t>via HTTP</a:t>
             </a:r>
           </a:p>
           <a:p>
@@ -22446,19 +27069,35 @@
               <a:buAutoNum type="arabicPeriod"/>
             </a:pPr>
             <a:r>
-              <a:rPr lang="de-DE" dirty="0" err="1" smtClean="0"/>
+              <a:rPr lang="de-DE" dirty="0" err="1" smtClean="0">
+                <a:solidFill>
+                  <a:srgbClr val="EAB200"/>
+                </a:solidFill>
+              </a:rPr>
               <a:t>Generate</a:t>
             </a:r>
             <a:r>
-              <a:rPr lang="de-DE" dirty="0" smtClean="0"/>
+              <a:rPr lang="de-DE" dirty="0" smtClean="0">
+                <a:solidFill>
+                  <a:srgbClr val="EAB200"/>
+                </a:solidFill>
+              </a:rPr>
               <a:t>* </a:t>
             </a:r>
             <a:r>
-              <a:rPr lang="de-DE" dirty="0" err="1" smtClean="0"/>
+              <a:rPr lang="de-DE" dirty="0" err="1" smtClean="0">
+                <a:solidFill>
+                  <a:srgbClr val="EAB200"/>
+                </a:solidFill>
+              </a:rPr>
               <a:t>install</a:t>
             </a:r>
             <a:r>
-              <a:rPr lang="de-DE" dirty="0" smtClean="0"/>
+              <a:rPr lang="de-DE" dirty="0" smtClean="0">
+                <a:solidFill>
+                  <a:srgbClr val="EAB200"/>
+                </a:solidFill>
+              </a:rPr>
               <a:t> HTML </a:t>
             </a:r>
             <a:r>
@@ -22546,27 +27185,51 @@
               <a:buChar char="•"/>
             </a:pPr>
             <a:r>
-              <a:rPr lang="de-DE" dirty="0" smtClean="0"/>
+              <a:rPr lang="de-DE" dirty="0" smtClean="0">
+                <a:solidFill>
+                  <a:srgbClr val="00B050"/>
+                </a:solidFill>
+              </a:rPr>
               <a:t>Works </a:t>
             </a:r>
             <a:r>
-              <a:rPr lang="de-DE" dirty="0" err="1" smtClean="0"/>
+              <a:rPr lang="de-DE" dirty="0" err="1" smtClean="0">
+                <a:solidFill>
+                  <a:srgbClr val="00B050"/>
+                </a:solidFill>
+              </a:rPr>
               <a:t>for</a:t>
             </a:r>
             <a:r>
-              <a:rPr lang="de-DE" dirty="0" smtClean="0"/>
-              <a:t> </a:t>
-            </a:r>
-            <a:r>
-              <a:rPr lang="de-DE" dirty="0" err="1" smtClean="0"/>
+              <a:rPr lang="de-DE" dirty="0" smtClean="0">
+                <a:solidFill>
+                  <a:srgbClr val="00B050"/>
+                </a:solidFill>
+              </a:rPr>
+              <a:t> </a:t>
+            </a:r>
+            <a:r>
+              <a:rPr lang="de-DE" dirty="0" err="1" smtClean="0">
+                <a:solidFill>
+                  <a:srgbClr val="00B050"/>
+                </a:solidFill>
+              </a:rPr>
               <a:t>every</a:t>
             </a:r>
             <a:r>
-              <a:rPr lang="de-DE" dirty="0" smtClean="0"/>
-              <a:t> </a:t>
-            </a:r>
-            <a:r>
-              <a:rPr lang="de-DE" dirty="0" err="1" smtClean="0"/>
+              <a:rPr lang="de-DE" dirty="0" smtClean="0">
+                <a:solidFill>
+                  <a:srgbClr val="00B050"/>
+                </a:solidFill>
+              </a:rPr>
+              <a:t> </a:t>
+            </a:r>
+            <a:r>
+              <a:rPr lang="de-DE" dirty="0" err="1" smtClean="0">
+                <a:solidFill>
+                  <a:srgbClr val="00B050"/>
+                </a:solidFill>
+              </a:rPr>
               <a:t>location</a:t>
             </a:r>
             <a:r>
@@ -22601,12 +27264,8 @@
               <a:t> </a:t>
             </a:r>
             <a:r>
-              <a:rPr lang="de-DE" dirty="0" err="1" smtClean="0"/>
-              <a:t>install</a:t>
-            </a:r>
-            <a:r>
               <a:rPr lang="de-DE" dirty="0" smtClean="0"/>
-              <a:t> </a:t>
+              <a:t>HTML </a:t>
             </a:r>
             <a:r>
               <a:rPr lang="de-DE" dirty="0" err="1" smtClean="0"/>
